--- a/project/EX/0317_sample.pptx
+++ b/project/EX/0317_sample.pptx
@@ -253,7 +253,7 @@
           <a:p>
             <a:fld id="{684ABEAC-FD1E-446D-854E-09142DFB339C}" type="datetimeFigureOut">
               <a:rPr lang="ko-KR" altLang="en-US" smtClean="0"/>
-              <a:t>2023-03-16</a:t>
+              <a:t>2023-03-19</a:t>
             </a:fld>
             <a:endParaRPr lang="ko-KR" altLang="en-US"/>
           </a:p>
@@ -418,7 +418,7 @@
           <a:p>
             <a:fld id="{E299D967-67B2-4132-B52D-A253871A1F24}" type="datetimeFigureOut">
               <a:rPr lang="ko-KR" altLang="en-US" smtClean="0"/>
-              <a:t>2023-03-16</a:t>
+              <a:t>2023-03-19</a:t>
             </a:fld>
             <a:endParaRPr lang="ko-KR" altLang="en-US"/>
           </a:p>
@@ -742,7 +742,7 @@
               <a:buNone/>
             </a:pPr>
             <a:r>
-              <a:rPr lang="ko-KR" altLang="en-US" sz="1200" dirty="0" smtClean="0">
+              <a:rPr lang="ko-KR" altLang="en-US" sz="1200" dirty="0">
                 <a:solidFill>
                   <a:srgbClr val="464646"/>
                 </a:solidFill>
@@ -752,7 +752,7 @@
               <a:t>기존에 운용되고 있는 공공도서관 및 대학도서관 웹 페이지 및 도서관 관리 시스템인 </a:t>
             </a:r>
             <a:r>
-              <a:rPr lang="en-US" altLang="ko-KR" sz="1200" dirty="0" smtClean="0">
+              <a:rPr lang="en-US" altLang="ko-KR" sz="1200" dirty="0">
                 <a:solidFill>
                   <a:srgbClr val="464646"/>
                 </a:solidFill>
@@ -762,7 +762,7 @@
               <a:t>KOLAS</a:t>
             </a:r>
             <a:r>
-              <a:rPr lang="ko-KR" altLang="en-US" sz="1200" dirty="0" smtClean="0">
+              <a:rPr lang="ko-KR" altLang="en-US" sz="1200" dirty="0">
                 <a:solidFill>
                   <a:srgbClr val="464646"/>
                 </a:solidFill>
@@ -771,7 +771,7 @@
               </a:rPr>
               <a:t>를 참조</a:t>
             </a:r>
-            <a:endParaRPr lang="en-US" altLang="ko-KR" sz="1200" dirty="0" smtClean="0">
+            <a:endParaRPr lang="en-US" altLang="ko-KR" sz="1200" dirty="0">
               <a:solidFill>
                 <a:srgbClr val="464646"/>
               </a:solidFill>
@@ -1128,7 +1128,7 @@
           <a:p>
             <a:fld id="{20303F18-CB98-4E85-A37B-EF5A4E6C8DE7}" type="datetime1">
               <a:rPr lang="ko-KR" altLang="en-US" smtClean="0"/>
-              <a:t>2023-03-16</a:t>
+              <a:t>2023-03-19</a:t>
             </a:fld>
             <a:endParaRPr lang="ko-KR" altLang="en-US"/>
           </a:p>
@@ -1301,7 +1301,7 @@
           <a:p>
             <a:fld id="{CCA16C65-58A5-46D5-A762-12670B92641B}" type="datetime1">
               <a:rPr lang="ko-KR" altLang="en-US" smtClean="0"/>
-              <a:t>2023-03-16</a:t>
+              <a:t>2023-03-19</a:t>
             </a:fld>
             <a:endParaRPr lang="ko-KR" altLang="en-US"/>
           </a:p>
@@ -1479,7 +1479,7 @@
           <a:p>
             <a:fld id="{2D09A68A-AC6E-41FE-B28C-2BB812CC2E01}" type="datetime1">
               <a:rPr lang="ko-KR" altLang="en-US" smtClean="0"/>
-              <a:t>2023-03-16</a:t>
+              <a:t>2023-03-19</a:t>
             </a:fld>
             <a:endParaRPr lang="ko-KR" altLang="en-US"/>
           </a:p>
@@ -1647,7 +1647,7 @@
           <a:p>
             <a:fld id="{690B8B09-A0F3-4880-B090-7FDDEE5B5065}" type="datetime1">
               <a:rPr lang="ko-KR" altLang="en-US" smtClean="0"/>
-              <a:t>2023-03-16</a:t>
+              <a:t>2023-03-19</a:t>
             </a:fld>
             <a:endParaRPr lang="ko-KR" altLang="en-US"/>
           </a:p>
@@ -1892,7 +1892,7 @@
           <a:p>
             <a:fld id="{82F7D3F4-816B-4FA6-91FC-91836ECD0E53}" type="datetime1">
               <a:rPr lang="ko-KR" altLang="en-US" smtClean="0"/>
-              <a:t>2023-03-16</a:t>
+              <a:t>2023-03-19</a:t>
             </a:fld>
             <a:endParaRPr lang="ko-KR" altLang="en-US"/>
           </a:p>
@@ -2177,7 +2177,7 @@
           <a:p>
             <a:fld id="{2FB9FCFF-984A-4549-AB53-391F9EC1244A}" type="datetime1">
               <a:rPr lang="ko-KR" altLang="en-US" smtClean="0"/>
-              <a:t>2023-03-16</a:t>
+              <a:t>2023-03-19</a:t>
             </a:fld>
             <a:endParaRPr lang="ko-KR" altLang="en-US"/>
           </a:p>
@@ -2596,7 +2596,7 @@
           <a:p>
             <a:fld id="{94618DE4-C4FE-4171-90C7-38CF01638033}" type="datetime1">
               <a:rPr lang="ko-KR" altLang="en-US" smtClean="0"/>
-              <a:t>2023-03-16</a:t>
+              <a:t>2023-03-19</a:t>
             </a:fld>
             <a:endParaRPr lang="ko-KR" altLang="en-US"/>
           </a:p>
@@ -2713,7 +2713,7 @@
           <a:p>
             <a:fld id="{33587621-9D18-4C20-9B84-3E938621A025}" type="datetime1">
               <a:rPr lang="ko-KR" altLang="en-US" smtClean="0"/>
-              <a:t>2023-03-16</a:t>
+              <a:t>2023-03-19</a:t>
             </a:fld>
             <a:endParaRPr lang="ko-KR" altLang="en-US"/>
           </a:p>
@@ -3397,7 +3397,7 @@
           <a:p>
             <a:fld id="{B517649B-2577-404C-858E-51E9DEBB2548}" type="datetime1">
               <a:rPr lang="ko-KR" altLang="en-US" smtClean="0"/>
-              <a:t>2023-03-16</a:t>
+              <a:t>2023-03-19</a:t>
             </a:fld>
             <a:endParaRPr lang="ko-KR" altLang="en-US"/>
           </a:p>
@@ -3649,7 +3649,7 @@
           <a:p>
             <a:fld id="{8D84C674-EF46-4F27-9E3E-4F6A170B0DC6}" type="datetime1">
               <a:rPr lang="ko-KR" altLang="en-US" smtClean="0"/>
-              <a:t>2023-03-16</a:t>
+              <a:t>2023-03-19</a:t>
             </a:fld>
             <a:endParaRPr lang="ko-KR" altLang="en-US"/>
           </a:p>
@@ -3860,7 +3860,7 @@
           <a:p>
             <a:fld id="{B40F11ED-9D7B-4CCE-A57D-CC1D7760FB25}" type="datetime1">
               <a:rPr lang="ko-KR" altLang="en-US" smtClean="0"/>
-              <a:t>2023-03-16</a:t>
+              <a:t>2023-03-19</a:t>
             </a:fld>
             <a:endParaRPr lang="ko-KR" altLang="en-US"/>
           </a:p>
@@ -4363,7 +4363,7 @@
           <a:p>
             <a:pPr algn="r"/>
             <a:r>
-              <a:rPr lang="ko-KR" altLang="en-US" sz="2800" b="1" spc="-300" smtClean="0">
+              <a:rPr lang="ko-KR" altLang="en-US" sz="2800" b="1" spc="-300">
                 <a:solidFill>
                   <a:schemeClr val="bg2">
                     <a:lumMod val="25000"/>
@@ -4479,35 +4479,35 @@
           <a:lstStyle/>
           <a:p>
             <a:r>
-              <a:rPr lang="en-US" altLang="ko-KR" sz="2000" smtClean="0">
+              <a:rPr lang="en-US" altLang="ko-KR" sz="2000">
                 <a:latin typeface="가는안상수체" pitchFamily="2" charset="-127"/>
                 <a:ea typeface="가는안상수체" pitchFamily="2" charset="-127"/>
               </a:rPr>
               <a:t>2023</a:t>
             </a:r>
             <a:r>
-              <a:rPr lang="ko-KR" altLang="en-US" sz="1200" smtClean="0">
+              <a:rPr lang="ko-KR" altLang="en-US" sz="1200">
                 <a:latin typeface="가는안상수체" pitchFamily="2" charset="-127"/>
                 <a:ea typeface="가는안상수체" pitchFamily="2" charset="-127"/>
               </a:rPr>
               <a:t>년</a:t>
             </a:r>
             <a:r>
-              <a:rPr lang="ko-KR" altLang="en-US" sz="2000" spc="-150" smtClean="0">
+              <a:rPr lang="ko-KR" altLang="en-US" sz="2000" spc="-150">
                 <a:latin typeface="가는안상수체" pitchFamily="2" charset="-127"/>
                 <a:ea typeface="가는안상수체" pitchFamily="2" charset="-127"/>
               </a:rPr>
               <a:t> </a:t>
             </a:r>
             <a:r>
-              <a:rPr lang="en-US" altLang="ko-KR" sz="2000" spc="-150" smtClean="0">
+              <a:rPr lang="en-US" altLang="ko-KR" sz="2000" spc="-150">
                 <a:latin typeface="가는안상수체" pitchFamily="2" charset="-127"/>
                 <a:ea typeface="가는안상수체" pitchFamily="2" charset="-127"/>
               </a:rPr>
               <a:t>03</a:t>
             </a:r>
             <a:r>
-              <a:rPr lang="ko-KR" altLang="en-US" sz="1200" spc="-150" smtClean="0">
+              <a:rPr lang="ko-KR" altLang="en-US" sz="1200" spc="-150">
                 <a:latin typeface="가는안상수체" pitchFamily="2" charset="-127"/>
                 <a:ea typeface="가는안상수체" pitchFamily="2" charset="-127"/>
                 <a:cs typeface="Arial Unicode MS" pitchFamily="50" charset="-127"/>
@@ -4515,21 +4515,21 @@
               <a:t>월</a:t>
             </a:r>
             <a:r>
-              <a:rPr lang="ko-KR" altLang="en-US" sz="2000" spc="-150" smtClean="0">
+              <a:rPr lang="ko-KR" altLang="en-US" sz="2000" spc="-150">
                 <a:latin typeface="가는안상수체" pitchFamily="2" charset="-127"/>
                 <a:ea typeface="가는안상수체" pitchFamily="2" charset="-127"/>
               </a:rPr>
               <a:t> </a:t>
             </a:r>
             <a:r>
-              <a:rPr lang="en-US" altLang="ko-KR" sz="2000" spc="-150" smtClean="0">
+              <a:rPr lang="en-US" altLang="ko-KR" sz="2000" spc="-150">
                 <a:latin typeface="가는안상수체" pitchFamily="2" charset="-127"/>
                 <a:ea typeface="가는안상수체" pitchFamily="2" charset="-127"/>
               </a:rPr>
               <a:t> 31</a:t>
             </a:r>
             <a:r>
-              <a:rPr lang="ko-KR" altLang="en-US" sz="1200" spc="-150" smtClean="0">
+              <a:rPr lang="ko-KR" altLang="en-US" sz="1200" spc="-150">
                 <a:latin typeface="가는안상수체" pitchFamily="2" charset="-127"/>
                 <a:ea typeface="가는안상수체" pitchFamily="2" charset="-127"/>
                 <a:cs typeface="Arial Unicode MS" pitchFamily="50" charset="-127"/>
@@ -4537,21 +4537,21 @@
               <a:t>일</a:t>
             </a:r>
             <a:r>
-              <a:rPr lang="en-US" altLang="ko-KR" sz="2000" spc="-150" smtClean="0">
+              <a:rPr lang="en-US" altLang="ko-KR" sz="2000" spc="-150">
                 <a:latin typeface="가는안상수체" pitchFamily="2" charset="-127"/>
                 <a:ea typeface="가는안상수체" pitchFamily="2" charset="-127"/>
               </a:rPr>
               <a:t>  </a:t>
             </a:r>
             <a:r>
-              <a:rPr lang="ko-KR" altLang="en-US" sz="2000" spc="-150" smtClean="0">
+              <a:rPr lang="ko-KR" altLang="en-US" sz="2000" spc="-150">
                 <a:latin typeface="가는안상수체" pitchFamily="2" charset="-127"/>
                 <a:ea typeface="가는안상수체" pitchFamily="2" charset="-127"/>
               </a:rPr>
               <a:t>금</a:t>
             </a:r>
             <a:r>
-              <a:rPr lang="ko-KR" altLang="en-US" sz="1200" spc="-150" smtClean="0">
+              <a:rPr lang="ko-KR" altLang="en-US" sz="1200" spc="-150">
                 <a:latin typeface="가는안상수체" pitchFamily="2" charset="-127"/>
                 <a:ea typeface="가는안상수체" pitchFamily="2" charset="-127"/>
                 <a:cs typeface="Arial Unicode MS" pitchFamily="50" charset="-127"/>
@@ -4559,21 +4559,21 @@
               <a:t>요일</a:t>
             </a:r>
             <a:r>
-              <a:rPr lang="ko-KR" altLang="en-US" sz="2000" spc="-150" smtClean="0">
+              <a:rPr lang="ko-KR" altLang="en-US" sz="2000" spc="-150">
                 <a:latin typeface="가는안상수체" pitchFamily="2" charset="-127"/>
                 <a:ea typeface="가는안상수체" pitchFamily="2" charset="-127"/>
               </a:rPr>
               <a:t> </a:t>
             </a:r>
             <a:r>
-              <a:rPr lang="en-US" altLang="ko-KR" sz="2000" spc="-150" smtClean="0">
+              <a:rPr lang="en-US" altLang="ko-KR" sz="2000" spc="-150">
                 <a:latin typeface="가는안상수체" pitchFamily="2" charset="-127"/>
                 <a:ea typeface="가는안상수체" pitchFamily="2" charset="-127"/>
               </a:rPr>
               <a:t> 1</a:t>
             </a:r>
             <a:r>
-              <a:rPr lang="ko-KR" altLang="en-US" sz="1200" spc="-150" smtClean="0">
+              <a:rPr lang="ko-KR" altLang="en-US" sz="1200" spc="-150">
                 <a:latin typeface="가는안상수체" pitchFamily="2" charset="-127"/>
                 <a:ea typeface="가는안상수체" pitchFamily="2" charset="-127"/>
                 <a:cs typeface="Arial Unicode MS" pitchFamily="50" charset="-127"/>
@@ -4581,14 +4581,14 @@
               <a:t>시</a:t>
             </a:r>
             <a:r>
-              <a:rPr lang="en-US" altLang="ko-KR" sz="1200" spc="-150" smtClean="0">
+              <a:rPr lang="en-US" altLang="ko-KR" sz="1200" spc="-150">
                 <a:latin typeface="가는안상수체" pitchFamily="2" charset="-127"/>
                 <a:ea typeface="가는안상수체" pitchFamily="2" charset="-127"/>
               </a:rPr>
               <a:t> </a:t>
             </a:r>
             <a:r>
-              <a:rPr lang="en-US" altLang="ko-KR" sz="2000" spc="-150" smtClean="0">
+              <a:rPr lang="en-US" altLang="ko-KR" sz="2000" spc="-150">
                 <a:latin typeface="가는안상수체" pitchFamily="2" charset="-127"/>
                 <a:ea typeface="가는안상수체" pitchFamily="2" charset="-127"/>
               </a:rPr>
@@ -4632,7 +4632,7 @@
           <a:lstStyle/>
           <a:p>
             <a:r>
-              <a:rPr lang="en-US" altLang="ko-KR" b="1" smtClean="0">
+              <a:rPr lang="en-US" altLang="ko-KR" b="1">
                 <a:solidFill>
                   <a:srgbClr val="FFC000"/>
                 </a:solidFill>
@@ -4640,7 +4640,7 @@
               <a:t>Full stack(</a:t>
             </a:r>
             <a:r>
-              <a:rPr lang="ko-KR" altLang="en-US" b="1" smtClean="0">
+              <a:rPr lang="ko-KR" altLang="en-US" b="1">
                 <a:solidFill>
                   <a:srgbClr val="FFC000"/>
                 </a:solidFill>
@@ -4648,7 +4648,7 @@
               <a:t>풀스택</a:t>
             </a:r>
             <a:r>
-              <a:rPr lang="en-US" altLang="ko-KR" b="1" smtClean="0">
+              <a:rPr lang="en-US" altLang="ko-KR" b="1">
                 <a:solidFill>
                   <a:srgbClr val="FFC000"/>
                 </a:solidFill>
@@ -4656,7 +4656,7 @@
               <a:t>) </a:t>
             </a:r>
             <a:r>
-              <a:rPr lang="ko-KR" altLang="en-US" b="1" smtClean="0">
+              <a:rPr lang="ko-KR" altLang="en-US" b="1">
                 <a:solidFill>
                   <a:srgbClr val="FFC000"/>
                 </a:solidFill>
@@ -4672,7 +4672,7 @@
               <a:t> </a:t>
             </a:r>
             <a:r>
-              <a:rPr lang="ko-KR" altLang="en-US" b="1" smtClean="0">
+              <a:rPr lang="ko-KR" altLang="en-US" b="1">
                 <a:solidFill>
                   <a:srgbClr val="FFC000"/>
                 </a:solidFill>
@@ -4761,13 +4761,6 @@
   <p:clrMapOvr>
     <a:masterClrMapping/>
   </p:clrMapOvr>
-  <p:timing>
-    <p:tnLst>
-      <p:par>
-        <p:cTn id="1" dur="indefinite" restart="never" nodeType="tmRoot"/>
-      </p:par>
-    </p:tnLst>
-  </p:timing>
 </p:sld>
 </file>
 
@@ -4918,7 +4911,7 @@
               <a:buChar char="-"/>
             </a:pPr>
             <a:r>
-              <a:rPr lang="ko-KR" altLang="en-US" sz="1600" smtClean="0">
+              <a:rPr lang="ko-KR" altLang="en-US" sz="1600">
                 <a:solidFill>
                   <a:srgbClr val="464646"/>
                 </a:solidFill>
@@ -4928,7 +4921,7 @@
               <a:t>로그인 후 내 서재 메뉴를 통해</a:t>
             </a:r>
             <a:r>
-              <a:rPr lang="en-US" altLang="ko-KR" sz="1600" smtClean="0">
+              <a:rPr lang="en-US" altLang="ko-KR" sz="1600">
                 <a:solidFill>
                   <a:srgbClr val="464646"/>
                 </a:solidFill>
@@ -4938,7 +4931,7 @@
               <a:t>, </a:t>
             </a:r>
             <a:r>
-              <a:rPr lang="ko-KR" altLang="en-US" sz="1600" smtClean="0">
+              <a:rPr lang="ko-KR" altLang="en-US" sz="1600">
                 <a:solidFill>
                   <a:srgbClr val="464646"/>
                 </a:solidFill>
@@ -4948,7 +4941,7 @@
               <a:t>회원정보 수정</a:t>
             </a:r>
             <a:r>
-              <a:rPr lang="en-US" altLang="ko-KR" sz="1600" smtClean="0">
+              <a:rPr lang="en-US" altLang="ko-KR" sz="1600">
                 <a:solidFill>
                   <a:srgbClr val="464646"/>
                 </a:solidFill>
@@ -4958,7 +4951,7 @@
               <a:t>, </a:t>
             </a:r>
             <a:r>
-              <a:rPr lang="ko-KR" altLang="en-US" sz="1600" smtClean="0">
+              <a:rPr lang="ko-KR" altLang="en-US" sz="1600">
                 <a:solidFill>
                   <a:srgbClr val="464646"/>
                 </a:solidFill>
@@ -5015,20 +5008,10 @@
                 <a:latin typeface="한컴 윤고딕 230" panose="02020603020101020101" pitchFamily="18" charset="-127"/>
                 <a:ea typeface="한컴 윤고딕 230" panose="02020603020101020101" pitchFamily="18" charset="-127"/>
               </a:rPr>
-              <a:t>자리예약 </a:t>
-            </a:r>
-            <a:r>
-              <a:rPr lang="ko-KR" altLang="en-US" sz="1600" smtClean="0">
-                <a:solidFill>
-                  <a:srgbClr val="464646"/>
-                </a:solidFill>
-                <a:latin typeface="한컴 윤고딕 230" panose="02020603020101020101" pitchFamily="18" charset="-127"/>
-                <a:ea typeface="한컴 윤고딕 230" panose="02020603020101020101" pitchFamily="18" charset="-127"/>
-              </a:rPr>
-              <a:t>확인할 수 있다</a:t>
-            </a:r>
-            <a:r>
-              <a:rPr lang="en-US" altLang="ko-KR" sz="1600" smtClean="0">
+              <a:t>자리예약 확인할 수 있다</a:t>
+            </a:r>
+            <a:r>
+              <a:rPr lang="en-US" altLang="ko-KR" sz="1600">
                 <a:solidFill>
                   <a:srgbClr val="464646"/>
                 </a:solidFill>
@@ -5566,13 +5549,6 @@
   <p:clrMapOvr>
     <a:masterClrMapping/>
   </p:clrMapOvr>
-  <p:timing>
-    <p:tnLst>
-      <p:par>
-        <p:cTn id="1" dur="indefinite" restart="never" nodeType="tmRoot"/>
-      </p:par>
-    </p:tnLst>
-  </p:timing>
 </p:sld>
 </file>
 
@@ -5769,18 +5745,11 @@
               <a:buChar char="-"/>
             </a:pPr>
             <a:r>
-              <a:rPr lang="ko-KR" altLang="en-US" sz="2000" dirty="0" smtClean="0">
-                <a:latin typeface="한컴 윤고딕 230" panose="02020603020101020101" pitchFamily="18" charset="-127"/>
-                <a:ea typeface="한컴 윤고딕 230" panose="02020603020101020101" pitchFamily="18" charset="-127"/>
-              </a:rPr>
-              <a:t>관리자모드에서는 </a:t>
-            </a:r>
-            <a:r>
               <a:rPr lang="ko-KR" altLang="en-US" sz="2000" dirty="0">
                 <a:latin typeface="한컴 윤고딕 230" panose="02020603020101020101" pitchFamily="18" charset="-127"/>
                 <a:ea typeface="한컴 윤고딕 230" panose="02020603020101020101" pitchFamily="18" charset="-127"/>
               </a:rPr>
-              <a:t>대출</a:t>
+              <a:t>관리자모드에서는 대출</a:t>
             </a:r>
             <a:r>
               <a:rPr lang="en-US" altLang="ko-KR" sz="2000" dirty="0">
@@ -5880,31 +5849,24 @@
                 <a:latin typeface="한컴 윤고딕 230" panose="02020603020101020101" pitchFamily="18" charset="-127"/>
                 <a:ea typeface="한컴 윤고딕 230" panose="02020603020101020101" pitchFamily="18" charset="-127"/>
               </a:rPr>
-              <a:t>현황을 </a:t>
-            </a:r>
-            <a:r>
-              <a:rPr lang="ko-KR" altLang="en-US" sz="2000" smtClean="0">
-                <a:latin typeface="한컴 윤고딕 230" panose="02020603020101020101" pitchFamily="18" charset="-127"/>
-                <a:ea typeface="한컴 윤고딕 230" panose="02020603020101020101" pitchFamily="18" charset="-127"/>
-              </a:rPr>
-              <a:t>확인할</a:t>
-            </a:r>
-            <a:r>
-              <a:rPr lang="en-US" altLang="ko-KR" sz="2000" smtClean="0">
+              <a:t>현황을 확인할</a:t>
+            </a:r>
+            <a:r>
+              <a:rPr lang="en-US" altLang="ko-KR" sz="2000">
                 <a:latin typeface="한컴 윤고딕 230" panose="02020603020101020101" pitchFamily="18" charset="-127"/>
                 <a:ea typeface="한컴 윤고딕 230" panose="02020603020101020101" pitchFamily="18" charset="-127"/>
               </a:rPr>
               <a:t> </a:t>
             </a:r>
             <a:r>
-              <a:rPr lang="ko-KR" altLang="en-US" sz="2000" smtClean="0">
+              <a:rPr lang="ko-KR" altLang="en-US" sz="2000">
                 <a:latin typeface="한컴 윤고딕 230" panose="02020603020101020101" pitchFamily="18" charset="-127"/>
                 <a:ea typeface="한컴 윤고딕 230" panose="02020603020101020101" pitchFamily="18" charset="-127"/>
               </a:rPr>
               <a:t>수 있다</a:t>
             </a:r>
             <a:r>
-              <a:rPr lang="en-US" altLang="ko-KR" sz="2000" smtClean="0">
+              <a:rPr lang="en-US" altLang="ko-KR" sz="2000">
                 <a:latin typeface="한컴 윤고딕 230" panose="02020603020101020101" pitchFamily="18" charset="-127"/>
                 <a:ea typeface="한컴 윤고딕 230" panose="02020603020101020101" pitchFamily="18" charset="-127"/>
               </a:rPr>
@@ -7404,13 +7366,6 @@
   <p:clrMapOvr>
     <a:masterClrMapping/>
   </p:clrMapOvr>
-  <p:timing>
-    <p:tnLst>
-      <p:par>
-        <p:cTn id="1" dur="indefinite" restart="never" nodeType="tmRoot"/>
-      </p:par>
-    </p:tnLst>
-  </p:timing>
 </p:sld>
 </file>
 
@@ -11420,13 +11375,6 @@
   <p:clrMapOvr>
     <a:masterClrMapping/>
   </p:clrMapOvr>
-  <p:timing>
-    <p:tnLst>
-      <p:par>
-        <p:cTn id="1" dur="indefinite" restart="never" nodeType="tmRoot"/>
-      </p:par>
-    </p:tnLst>
-  </p:timing>
 </p:sld>
 </file>
 
@@ -11497,7 +11445,7 @@
           <a:p>
             <a:pPr algn="ctr"/>
             <a:r>
-              <a:rPr lang="ko-KR" altLang="en-US" sz="1000" b="1" dirty="0" smtClean="0"/>
+              <a:rPr lang="ko-KR" altLang="en-US" sz="1000" b="1" dirty="0"/>
               <a:t>게시판</a:t>
             </a:r>
           </a:p>
@@ -11591,10 +11539,10 @@
           <a:p>
             <a:pPr algn="ctr"/>
             <a:r>
-              <a:rPr lang="ko-KR" altLang="en-US" sz="1000" b="1" dirty="0" err="1" smtClean="0"/>
+              <a:rPr lang="ko-KR" altLang="en-US" sz="1000" b="1" dirty="0" err="1"/>
               <a:t>내서재</a:t>
             </a:r>
-            <a:endParaRPr lang="ko-KR" altLang="en-US" sz="1000" b="1" dirty="0" smtClean="0"/>
+            <a:endParaRPr lang="ko-KR" altLang="en-US" sz="1000" b="1" dirty="0"/>
           </a:p>
         </p:txBody>
       </p:sp>
@@ -11686,7 +11634,7 @@
           <a:lstStyle/>
           <a:p>
             <a:r>
-              <a:rPr lang="en-US" altLang="ko-KR" b="1" dirty="0" smtClean="0">
+              <a:rPr lang="en-US" altLang="ko-KR" b="1" dirty="0">
                 <a:solidFill>
                   <a:srgbClr val="756B5F"/>
                 </a:solidFill>
@@ -11694,18 +11642,13 @@
               <a:t>7.  </a:t>
             </a:r>
             <a:r>
-              <a:rPr lang="ko-KR" altLang="en-US" b="1" dirty="0" smtClean="0">
+              <a:rPr lang="ko-KR" altLang="en-US" b="1" dirty="0">
                 <a:solidFill>
                   <a:srgbClr val="756B5F"/>
                 </a:solidFill>
               </a:rPr>
               <a:t>순차 다이어그램</a:t>
             </a:r>
-            <a:endParaRPr lang="ko-KR" altLang="en-US" b="1" dirty="0">
-              <a:solidFill>
-                <a:srgbClr val="756B5F"/>
-              </a:solidFill>
-            </a:endParaRPr>
           </a:p>
         </p:txBody>
       </p:sp>
@@ -11759,7 +11702,7 @@
           <a:p>
             <a:pPr algn="ctr"/>
             <a:r>
-              <a:rPr lang="ko-KR" altLang="en-US" sz="1100" b="1" dirty="0" smtClean="0"/>
+              <a:rPr lang="ko-KR" altLang="en-US" sz="1100" b="1" dirty="0"/>
               <a:t>방문이용자</a:t>
             </a:r>
           </a:p>
@@ -11815,7 +11758,7 @@
           <a:p>
             <a:pPr algn="ctr"/>
             <a:r>
-              <a:rPr lang="ko-KR" altLang="en-US" sz="1000" b="1" dirty="0" smtClean="0"/>
+              <a:rPr lang="ko-KR" altLang="en-US" sz="1000" b="1" dirty="0"/>
               <a:t>가입</a:t>
             </a:r>
           </a:p>
@@ -11871,15 +11814,15 @@
           <a:p>
             <a:pPr algn="ctr"/>
             <a:r>
-              <a:rPr lang="ko-KR" altLang="en-US" sz="1000" b="1" dirty="0" smtClean="0"/>
+              <a:rPr lang="ko-KR" altLang="en-US" sz="1000" b="1" dirty="0"/>
               <a:t>로그인</a:t>
             </a:r>
             <a:r>
-              <a:rPr lang="en-US" altLang="ko-KR" sz="1000" b="1" dirty="0" smtClean="0"/>
+              <a:rPr lang="en-US" altLang="ko-KR" sz="1000" b="1" dirty="0"/>
               <a:t>/</a:t>
             </a:r>
             <a:r>
-              <a:rPr lang="ko-KR" altLang="en-US" sz="1000" b="1" dirty="0" smtClean="0"/>
+              <a:rPr lang="ko-KR" altLang="en-US" sz="1000" b="1" dirty="0"/>
               <a:t>아웃</a:t>
             </a:r>
           </a:p>
@@ -11935,7 +11878,7 @@
           <a:p>
             <a:pPr algn="ctr"/>
             <a:r>
-              <a:rPr lang="ko-KR" altLang="en-US" sz="1000" b="1" dirty="0" smtClean="0"/>
+              <a:rPr lang="ko-KR" altLang="en-US" sz="1000" b="1" dirty="0"/>
               <a:t>도서검색</a:t>
             </a:r>
           </a:p>
@@ -11991,7 +11934,7 @@
           <a:p>
             <a:pPr algn="ctr"/>
             <a:r>
-              <a:rPr lang="ko-KR" altLang="en-US" sz="1000" b="1" dirty="0" smtClean="0"/>
+              <a:rPr lang="ko-KR" altLang="en-US" sz="1000" b="1" dirty="0"/>
               <a:t>도서예약</a:t>
             </a:r>
           </a:p>
@@ -12047,7 +11990,7 @@
           <a:p>
             <a:pPr algn="ctr"/>
             <a:r>
-              <a:rPr lang="ko-KR" altLang="en-US" sz="1000" b="1" dirty="0" smtClean="0"/>
+              <a:rPr lang="ko-KR" altLang="en-US" sz="1000" b="1" dirty="0"/>
               <a:t>도서신청</a:t>
             </a:r>
           </a:p>
@@ -12103,7 +12046,7 @@
           <a:p>
             <a:pPr algn="ctr"/>
             <a:r>
-              <a:rPr lang="ko-KR" altLang="en-US" sz="1000" b="1" dirty="0" smtClean="0"/>
+              <a:rPr lang="ko-KR" altLang="en-US" sz="1000" b="1" dirty="0"/>
               <a:t>자리예약</a:t>
             </a:r>
           </a:p>
@@ -12464,7 +12407,7 @@
           <a:lstStyle/>
           <a:p>
             <a:pPr algn="ctr"/>
-            <a:endParaRPr lang="ko-KR" altLang="en-US" sz="1000" b="1" dirty="0" smtClean="0"/>
+            <a:endParaRPr lang="ko-KR" altLang="en-US" sz="1000" b="1" dirty="0"/>
           </a:p>
         </p:txBody>
       </p:sp>
@@ -12553,7 +12496,7 @@
           <a:lstStyle/>
           <a:p>
             <a:pPr algn="ctr"/>
-            <a:endParaRPr lang="ko-KR" altLang="en-US" sz="1000" b="1" dirty="0" smtClean="0"/>
+            <a:endParaRPr lang="ko-KR" altLang="en-US" sz="1000" b="1" dirty="0"/>
           </a:p>
         </p:txBody>
       </p:sp>
@@ -12580,14 +12523,13 @@
           <a:lstStyle/>
           <a:p>
             <a:r>
-              <a:rPr lang="en-US" altLang="ko-KR" sz="1000" dirty="0" smtClean="0"/>
+              <a:rPr lang="en-US" altLang="ko-KR" sz="1000" dirty="0"/>
               <a:t>1. </a:t>
             </a:r>
             <a:r>
-              <a:rPr lang="ko-KR" altLang="en-US" sz="1000" dirty="0" smtClean="0"/>
+              <a:rPr lang="ko-KR" altLang="en-US" sz="1000" dirty="0"/>
               <a:t>회원정보입력</a:t>
             </a:r>
-            <a:endParaRPr lang="ko-KR" altLang="en-US" sz="1000" dirty="0"/>
           </a:p>
         </p:txBody>
       </p:sp>
@@ -12650,14 +12592,13 @@
           <a:lstStyle/>
           <a:p>
             <a:r>
-              <a:rPr lang="en-US" altLang="ko-KR" sz="1000" dirty="0" smtClean="0"/>
+              <a:rPr lang="en-US" altLang="ko-KR" sz="1000" dirty="0"/>
               <a:t>2. </a:t>
             </a:r>
             <a:r>
-              <a:rPr lang="ko-KR" altLang="en-US" sz="1000" dirty="0" smtClean="0"/>
+              <a:rPr lang="ko-KR" altLang="en-US" sz="1000" dirty="0"/>
               <a:t>회원정보확인</a:t>
             </a:r>
-            <a:endParaRPr lang="ko-KR" altLang="en-US" sz="1000" dirty="0"/>
           </a:p>
         </p:txBody>
       </p:sp>
@@ -12710,7 +12651,7 @@
           <a:lstStyle/>
           <a:p>
             <a:pPr algn="ctr"/>
-            <a:endParaRPr lang="ko-KR" altLang="en-US" sz="1000" b="1" dirty="0" smtClean="0"/>
+            <a:endParaRPr lang="ko-KR" altLang="en-US" sz="1000" b="1" dirty="0"/>
           </a:p>
         </p:txBody>
       </p:sp>
@@ -12800,7 +12741,7 @@
           <a:lstStyle/>
           <a:p>
             <a:pPr algn="ctr"/>
-            <a:endParaRPr lang="ko-KR" altLang="en-US" sz="1000" b="1" dirty="0" smtClean="0"/>
+            <a:endParaRPr lang="ko-KR" altLang="en-US" sz="1000" b="1" dirty="0"/>
           </a:p>
         </p:txBody>
       </p:sp>
@@ -12827,14 +12768,13 @@
           <a:lstStyle/>
           <a:p>
             <a:r>
-              <a:rPr lang="en-US" altLang="ko-KR" sz="1000" dirty="0" smtClean="0"/>
+              <a:rPr lang="en-US" altLang="ko-KR" sz="1000" dirty="0"/>
               <a:t>3. </a:t>
             </a:r>
             <a:r>
-              <a:rPr lang="ko-KR" altLang="en-US" sz="1000" dirty="0" smtClean="0"/>
+              <a:rPr lang="ko-KR" altLang="en-US" sz="1000" dirty="0"/>
               <a:t>로그인</a:t>
             </a:r>
-            <a:endParaRPr lang="ko-KR" altLang="en-US" sz="1000" dirty="0"/>
           </a:p>
         </p:txBody>
       </p:sp>
@@ -12862,17 +12802,12 @@
           <a:p>
             <a:r>
               <a:rPr lang="en-US" altLang="ko-KR" sz="1000" dirty="0"/>
-              <a:t>4</a:t>
-            </a:r>
-            <a:r>
-              <a:rPr lang="en-US" altLang="ko-KR" sz="1000" dirty="0" smtClean="0"/>
-              <a:t>. </a:t>
-            </a:r>
-            <a:r>
-              <a:rPr lang="ko-KR" altLang="en-US" sz="1000" dirty="0" smtClean="0"/>
+              <a:t>4. </a:t>
+            </a:r>
+            <a:r>
+              <a:rPr lang="ko-KR" altLang="en-US" sz="1000" dirty="0"/>
               <a:t>회원정보확인승인</a:t>
             </a:r>
-            <a:endParaRPr lang="ko-KR" altLang="en-US" sz="1000" dirty="0"/>
           </a:p>
         </p:txBody>
       </p:sp>
@@ -12961,7 +12896,7 @@
           <a:lstStyle/>
           <a:p>
             <a:pPr algn="ctr"/>
-            <a:endParaRPr lang="ko-KR" altLang="en-US" sz="1000" b="1" dirty="0" smtClean="0"/>
+            <a:endParaRPr lang="ko-KR" altLang="en-US" sz="1000" b="1" dirty="0"/>
           </a:p>
         </p:txBody>
       </p:sp>
@@ -13051,7 +12986,7 @@
           <a:lstStyle/>
           <a:p>
             <a:pPr algn="ctr"/>
-            <a:endParaRPr lang="ko-KR" altLang="en-US" sz="1000" b="1" dirty="0" smtClean="0"/>
+            <a:endParaRPr lang="ko-KR" altLang="en-US" sz="1000" b="1" dirty="0"/>
           </a:p>
         </p:txBody>
       </p:sp>
@@ -13078,14 +13013,13 @@
           <a:lstStyle/>
           <a:p>
             <a:r>
-              <a:rPr lang="en-US" altLang="ko-KR" sz="1000" dirty="0" smtClean="0"/>
+              <a:rPr lang="en-US" altLang="ko-KR" sz="1000" dirty="0"/>
               <a:t>5. </a:t>
             </a:r>
             <a:r>
-              <a:rPr lang="ko-KR" altLang="en-US" sz="1000" dirty="0" smtClean="0"/>
+              <a:rPr lang="ko-KR" altLang="en-US" sz="1000" dirty="0"/>
               <a:t>도서검색</a:t>
             </a:r>
-            <a:endParaRPr lang="ko-KR" altLang="en-US" sz="1000" dirty="0"/>
           </a:p>
         </p:txBody>
       </p:sp>
@@ -13112,16 +13046,12 @@
           <a:lstStyle/>
           <a:p>
             <a:r>
-              <a:rPr lang="en-US" altLang="ko-KR" sz="1000" dirty="0" smtClean="0"/>
+              <a:rPr lang="en-US" altLang="ko-KR" sz="1000" dirty="0"/>
               <a:t>6. </a:t>
             </a:r>
             <a:r>
-              <a:rPr lang="ko-KR" altLang="en-US" sz="1000" dirty="0" smtClean="0"/>
-              <a:t>도서정보확</a:t>
-            </a:r>
-            <a:r>
               <a:rPr lang="ko-KR" altLang="en-US" sz="1000" dirty="0"/>
-              <a:t>인</a:t>
+              <a:t>도서정보확인</a:t>
             </a:r>
           </a:p>
         </p:txBody>
@@ -13211,7 +13141,7 @@
           <a:lstStyle/>
           <a:p>
             <a:pPr algn="ctr"/>
-            <a:endParaRPr lang="ko-KR" altLang="en-US" sz="1000" b="1" dirty="0" smtClean="0"/>
+            <a:endParaRPr lang="ko-KR" altLang="en-US" sz="1000" b="1" dirty="0"/>
           </a:p>
         </p:txBody>
       </p:sp>
@@ -13301,7 +13231,7 @@
           <a:lstStyle/>
           <a:p>
             <a:pPr algn="ctr"/>
-            <a:endParaRPr lang="ko-KR" altLang="en-US" sz="1000" b="1" dirty="0" smtClean="0"/>
+            <a:endParaRPr lang="ko-KR" altLang="en-US" sz="1000" b="1" dirty="0"/>
           </a:p>
         </p:txBody>
       </p:sp>
@@ -13390,7 +13320,7 @@
           <a:lstStyle/>
           <a:p>
             <a:pPr algn="ctr"/>
-            <a:endParaRPr lang="ko-KR" altLang="en-US" sz="1000" b="1" dirty="0" smtClean="0"/>
+            <a:endParaRPr lang="ko-KR" altLang="en-US" sz="1000" b="1" dirty="0"/>
           </a:p>
         </p:txBody>
       </p:sp>
@@ -13480,7 +13410,7 @@
           <a:lstStyle/>
           <a:p>
             <a:pPr algn="ctr"/>
-            <a:endParaRPr lang="ko-KR" altLang="en-US" sz="1000" b="1" dirty="0" smtClean="0"/>
+            <a:endParaRPr lang="ko-KR" altLang="en-US" sz="1000" b="1" dirty="0"/>
           </a:p>
         </p:txBody>
       </p:sp>
@@ -13507,14 +13437,13 @@
           <a:lstStyle/>
           <a:p>
             <a:r>
-              <a:rPr lang="en-US" altLang="ko-KR" sz="1000" dirty="0" smtClean="0"/>
+              <a:rPr lang="en-US" altLang="ko-KR" sz="1000" dirty="0"/>
               <a:t>9. </a:t>
             </a:r>
             <a:r>
-              <a:rPr lang="ko-KR" altLang="en-US" sz="1000" dirty="0" smtClean="0"/>
+              <a:rPr lang="ko-KR" altLang="en-US" sz="1000" dirty="0"/>
               <a:t>도서예약</a:t>
             </a:r>
-            <a:endParaRPr lang="ko-KR" altLang="en-US" sz="1000" dirty="0"/>
           </a:p>
         </p:txBody>
       </p:sp>
@@ -13541,14 +13470,13 @@
           <a:lstStyle/>
           <a:p>
             <a:r>
-              <a:rPr lang="en-US" altLang="ko-KR" sz="1000" dirty="0" smtClean="0"/>
+              <a:rPr lang="en-US" altLang="ko-KR" sz="1000" dirty="0"/>
               <a:t>10. </a:t>
             </a:r>
             <a:r>
-              <a:rPr lang="ko-KR" altLang="en-US" sz="1000" dirty="0" smtClean="0"/>
+              <a:rPr lang="ko-KR" altLang="en-US" sz="1000" dirty="0"/>
               <a:t>도서예약확인</a:t>
             </a:r>
-            <a:endParaRPr lang="ko-KR" altLang="en-US" sz="1000" dirty="0"/>
           </a:p>
         </p:txBody>
       </p:sp>
@@ -13637,7 +13565,7 @@
           <a:lstStyle/>
           <a:p>
             <a:pPr algn="ctr"/>
-            <a:endParaRPr lang="ko-KR" altLang="en-US" sz="1000" b="1" dirty="0" smtClean="0"/>
+            <a:endParaRPr lang="ko-KR" altLang="en-US" sz="1000" b="1" dirty="0"/>
           </a:p>
         </p:txBody>
       </p:sp>
@@ -13727,7 +13655,7 @@
           <a:lstStyle/>
           <a:p>
             <a:pPr algn="ctr"/>
-            <a:endParaRPr lang="ko-KR" altLang="en-US" sz="1000" b="1" dirty="0" smtClean="0"/>
+            <a:endParaRPr lang="ko-KR" altLang="en-US" sz="1000" b="1" dirty="0"/>
           </a:p>
         </p:txBody>
       </p:sp>
@@ -13754,14 +13682,13 @@
           <a:lstStyle/>
           <a:p>
             <a:r>
-              <a:rPr lang="en-US" altLang="ko-KR" sz="1000" dirty="0" smtClean="0"/>
+              <a:rPr lang="en-US" altLang="ko-KR" sz="1000" dirty="0"/>
               <a:t>9. </a:t>
             </a:r>
             <a:r>
-              <a:rPr lang="ko-KR" altLang="en-US" sz="1000" dirty="0" smtClean="0"/>
+              <a:rPr lang="ko-KR" altLang="en-US" sz="1000" dirty="0"/>
               <a:t>도서예약</a:t>
             </a:r>
-            <a:endParaRPr lang="ko-KR" altLang="en-US" sz="1000" dirty="0"/>
           </a:p>
         </p:txBody>
       </p:sp>
@@ -13788,14 +13715,13 @@
           <a:lstStyle/>
           <a:p>
             <a:r>
-              <a:rPr lang="en-US" altLang="ko-KR" sz="1000" dirty="0" smtClean="0"/>
+              <a:rPr lang="en-US" altLang="ko-KR" sz="1000" dirty="0"/>
               <a:t>10. </a:t>
             </a:r>
             <a:r>
-              <a:rPr lang="ko-KR" altLang="en-US" sz="1000" dirty="0" smtClean="0"/>
+              <a:rPr lang="ko-KR" altLang="en-US" sz="1000" dirty="0"/>
               <a:t>도서예약확인</a:t>
             </a:r>
-            <a:endParaRPr lang="ko-KR" altLang="en-US" sz="1000" dirty="0"/>
           </a:p>
         </p:txBody>
       </p:sp>
@@ -13823,19 +13749,11 @@
           <a:p>
             <a:r>
               <a:rPr lang="en-US" altLang="ko-KR" sz="900" dirty="0"/>
-              <a:t>7</a:t>
-            </a:r>
-            <a:r>
-              <a:rPr lang="en-US" altLang="ko-KR" sz="900" dirty="0" smtClean="0"/>
-              <a:t>. </a:t>
-            </a:r>
-            <a:r>
-              <a:rPr lang="ko-KR" altLang="en-US" sz="900" dirty="0" smtClean="0"/>
-              <a:t>자리예</a:t>
+              <a:t>7. </a:t>
             </a:r>
             <a:r>
               <a:rPr lang="ko-KR" altLang="en-US" sz="900" dirty="0"/>
-              <a:t>약</a:t>
+              <a:t>자리예약</a:t>
             </a:r>
           </a:p>
         </p:txBody>
@@ -13863,22 +13781,13 @@
           <a:lstStyle/>
           <a:p>
             <a:r>
-              <a:rPr lang="en-US" altLang="ko-KR" sz="900" dirty="0" smtClean="0"/>
+              <a:rPr lang="en-US" altLang="ko-KR" sz="900" dirty="0"/>
               <a:t>8. </a:t>
             </a:r>
             <a:r>
-              <a:rPr lang="ko-KR" altLang="en-US" sz="900" dirty="0" smtClean="0"/>
-              <a:t>자리예</a:t>
-            </a:r>
-            <a:r>
               <a:rPr lang="ko-KR" altLang="en-US" sz="900" dirty="0"/>
-              <a:t>약</a:t>
-            </a:r>
-            <a:r>
-              <a:rPr lang="ko-KR" altLang="en-US" sz="900" dirty="0" smtClean="0"/>
-              <a:t>확인</a:t>
-            </a:r>
-            <a:endParaRPr lang="ko-KR" altLang="en-US" sz="900" dirty="0"/>
+              <a:t>자리예약확인</a:t>
+            </a:r>
           </a:p>
         </p:txBody>
       </p:sp>
@@ -13967,7 +13876,7 @@
           <a:lstStyle/>
           <a:p>
             <a:pPr algn="ctr"/>
-            <a:endParaRPr lang="ko-KR" altLang="en-US" sz="1000" b="1" dirty="0" smtClean="0"/>
+            <a:endParaRPr lang="ko-KR" altLang="en-US" sz="1000" b="1" dirty="0"/>
           </a:p>
         </p:txBody>
       </p:sp>
@@ -14057,7 +13966,7 @@
           <a:lstStyle/>
           <a:p>
             <a:pPr algn="ctr"/>
-            <a:endParaRPr lang="ko-KR" altLang="en-US" sz="1000" b="1" dirty="0" smtClean="0"/>
+            <a:endParaRPr lang="ko-KR" altLang="en-US" sz="1000" b="1" dirty="0"/>
           </a:p>
         </p:txBody>
       </p:sp>
@@ -14084,42 +13993,41 @@
           <a:lstStyle/>
           <a:p>
             <a:r>
-              <a:rPr lang="en-US" altLang="ko-KR" sz="1000" dirty="0" smtClean="0"/>
+              <a:rPr lang="en-US" altLang="ko-KR" sz="1000" dirty="0"/>
               <a:t>11. </a:t>
             </a:r>
             <a:r>
-              <a:rPr lang="ko-KR" altLang="en-US" sz="1000" dirty="0" smtClean="0"/>
+              <a:rPr lang="ko-KR" altLang="en-US" sz="1000" dirty="0"/>
               <a:t>내 대출도서</a:t>
             </a:r>
             <a:r>
-              <a:rPr lang="en-US" altLang="ko-KR" sz="1000" dirty="0" smtClean="0"/>
+              <a:rPr lang="en-US" altLang="ko-KR" sz="1000" dirty="0"/>
               <a:t>, </a:t>
             </a:r>
             <a:r>
-              <a:rPr lang="ko-KR" altLang="en-US" sz="1000" dirty="0" err="1" smtClean="0"/>
+              <a:rPr lang="ko-KR" altLang="en-US" sz="1000" dirty="0" err="1"/>
               <a:t>내예약도서</a:t>
             </a:r>
             <a:r>
-              <a:rPr lang="en-US" altLang="ko-KR" sz="1000" dirty="0" smtClean="0"/>
+              <a:rPr lang="en-US" altLang="ko-KR" sz="1000" dirty="0"/>
               <a:t>, </a:t>
             </a:r>
             <a:r>
-              <a:rPr lang="ko-KR" altLang="en-US" sz="1000" dirty="0" err="1" smtClean="0"/>
+              <a:rPr lang="ko-KR" altLang="en-US" sz="1000" dirty="0" err="1"/>
               <a:t>내도서신청정보</a:t>
             </a:r>
             <a:r>
-              <a:rPr lang="en-US" altLang="ko-KR" sz="1000" dirty="0" smtClean="0"/>
+              <a:rPr lang="en-US" altLang="ko-KR" sz="1000" dirty="0"/>
               <a:t>, </a:t>
             </a:r>
             <a:r>
-              <a:rPr lang="ko-KR" altLang="en-US" sz="1000" dirty="0" err="1" smtClean="0"/>
+              <a:rPr lang="ko-KR" altLang="en-US" sz="1000" dirty="0" err="1"/>
               <a:t>내정보</a:t>
             </a:r>
             <a:r>
-              <a:rPr lang="ko-KR" altLang="en-US" sz="1000" dirty="0" smtClean="0"/>
+              <a:rPr lang="ko-KR" altLang="en-US" sz="1000" dirty="0"/>
               <a:t> 등 조회</a:t>
             </a:r>
-            <a:endParaRPr lang="ko-KR" altLang="en-US" sz="1000" dirty="0"/>
           </a:p>
         </p:txBody>
       </p:sp>
@@ -14146,7 +14054,7 @@
           <a:lstStyle/>
           <a:p>
             <a:r>
-              <a:rPr lang="en-US" altLang="ko-KR" sz="1000" dirty="0" smtClean="0"/>
+              <a:rPr lang="en-US" altLang="ko-KR" sz="1000" dirty="0"/>
               <a:t>12. </a:t>
             </a:r>
             <a:r>
@@ -14179,15 +14087,7 @@
             </a:r>
             <a:r>
               <a:rPr lang="ko-KR" altLang="en-US" sz="1000" dirty="0"/>
-              <a:t> 등 </a:t>
-            </a:r>
-            <a:r>
-              <a:rPr lang="ko-KR" altLang="en-US" sz="1000" dirty="0" smtClean="0"/>
-              <a:t>확</a:t>
-            </a:r>
-            <a:r>
-              <a:rPr lang="ko-KR" altLang="en-US" sz="1000" dirty="0"/>
-              <a:t>인</a:t>
+              <a:t> 등 확인</a:t>
             </a:r>
           </a:p>
         </p:txBody>
@@ -14277,7 +14177,7 @@
           <a:lstStyle/>
           <a:p>
             <a:pPr algn="ctr"/>
-            <a:endParaRPr lang="ko-KR" altLang="en-US" sz="1000" b="1" dirty="0" smtClean="0"/>
+            <a:endParaRPr lang="ko-KR" altLang="en-US" sz="1000" b="1" dirty="0"/>
           </a:p>
         </p:txBody>
       </p:sp>
@@ -14367,7 +14267,7 @@
           <a:lstStyle/>
           <a:p>
             <a:pPr algn="ctr"/>
-            <a:endParaRPr lang="ko-KR" altLang="en-US" sz="1000" b="1" dirty="0" smtClean="0"/>
+            <a:endParaRPr lang="ko-KR" altLang="en-US" sz="1000" b="1" dirty="0"/>
           </a:p>
         </p:txBody>
       </p:sp>
@@ -14394,54 +14294,53 @@
           <a:lstStyle/>
           <a:p>
             <a:r>
-              <a:rPr lang="en-US" altLang="ko-KR" sz="1000" dirty="0" smtClean="0"/>
+              <a:rPr lang="en-US" altLang="ko-KR" sz="1000" dirty="0"/>
               <a:t>13. </a:t>
             </a:r>
             <a:r>
-              <a:rPr lang="ko-KR" altLang="en-US" sz="1000" dirty="0" smtClean="0"/>
+              <a:rPr lang="ko-KR" altLang="en-US" sz="1000" dirty="0"/>
               <a:t>글 작성 </a:t>
             </a:r>
             <a:r>
-              <a:rPr lang="en-US" altLang="ko-KR" sz="1000" dirty="0" smtClean="0"/>
+              <a:rPr lang="en-US" altLang="ko-KR" sz="1000" dirty="0"/>
               <a:t>/ </a:t>
             </a:r>
             <a:r>
-              <a:rPr lang="ko-KR" altLang="en-US" sz="1000" dirty="0" err="1" smtClean="0"/>
+              <a:rPr lang="ko-KR" altLang="en-US" sz="1000" dirty="0" err="1"/>
               <a:t>답글</a:t>
             </a:r>
             <a:r>
-              <a:rPr lang="ko-KR" altLang="en-US" sz="1000" dirty="0" smtClean="0"/>
+              <a:rPr lang="ko-KR" altLang="en-US" sz="1000" dirty="0"/>
               <a:t> 달기</a:t>
             </a:r>
             <a:r>
-              <a:rPr lang="en-US" altLang="ko-KR" sz="1000" dirty="0" smtClean="0"/>
+              <a:rPr lang="en-US" altLang="ko-KR" sz="1000" dirty="0"/>
               <a:t>/ </a:t>
             </a:r>
             <a:r>
-              <a:rPr lang="ko-KR" altLang="en-US" sz="1000" dirty="0" err="1" smtClean="0"/>
+              <a:rPr lang="ko-KR" altLang="en-US" sz="1000" dirty="0" err="1"/>
               <a:t>댓글</a:t>
             </a:r>
             <a:r>
-              <a:rPr lang="ko-KR" altLang="en-US" sz="1000" dirty="0" smtClean="0"/>
+              <a:rPr lang="ko-KR" altLang="en-US" sz="1000" dirty="0"/>
               <a:t> 달기 </a:t>
             </a:r>
             <a:r>
-              <a:rPr lang="en-US" altLang="ko-KR" sz="1000" dirty="0" smtClean="0"/>
+              <a:rPr lang="en-US" altLang="ko-KR" sz="1000" dirty="0"/>
               <a:t>/ </a:t>
             </a:r>
             <a:r>
-              <a:rPr lang="ko-KR" altLang="en-US" sz="1000" dirty="0" smtClean="0"/>
+              <a:rPr lang="ko-KR" altLang="en-US" sz="1000" dirty="0"/>
               <a:t>조회 </a:t>
             </a:r>
             <a:r>
-              <a:rPr lang="en-US" altLang="ko-KR" sz="1000" dirty="0" smtClean="0"/>
+              <a:rPr lang="en-US" altLang="ko-KR" sz="1000" dirty="0"/>
               <a:t>/ </a:t>
             </a:r>
             <a:r>
-              <a:rPr lang="ko-KR" altLang="en-US" sz="1000" dirty="0" smtClean="0"/>
+              <a:rPr lang="ko-KR" altLang="en-US" sz="1000" dirty="0"/>
               <a:t>삭제</a:t>
             </a:r>
-            <a:endParaRPr lang="ko-KR" altLang="en-US" sz="1000" dirty="0"/>
           </a:p>
         </p:txBody>
       </p:sp>
@@ -14468,14 +14367,13 @@
           <a:lstStyle/>
           <a:p>
             <a:r>
-              <a:rPr lang="en-US" altLang="ko-KR" sz="1000" dirty="0" smtClean="0"/>
+              <a:rPr lang="en-US" altLang="ko-KR" sz="1000" dirty="0"/>
               <a:t>14. </a:t>
             </a:r>
             <a:r>
-              <a:rPr lang="ko-KR" altLang="en-US" sz="1000" dirty="0" smtClean="0"/>
+              <a:rPr lang="ko-KR" altLang="en-US" sz="1000" dirty="0"/>
               <a:t>게시판 확인</a:t>
             </a:r>
-            <a:endParaRPr lang="ko-KR" altLang="en-US" sz="1000" dirty="0"/>
           </a:p>
         </p:txBody>
       </p:sp>
@@ -14502,7 +14400,7 @@
           <a:lstStyle/>
           <a:p>
             <a:r>
-              <a:rPr lang="en-US" altLang="ko-KR" sz="1200" b="1" dirty="0" smtClean="0">
+              <a:rPr lang="en-US" altLang="ko-KR" sz="1200" b="1" dirty="0">
                 <a:solidFill>
                   <a:srgbClr val="756B5F"/>
                 </a:solidFill>
@@ -14582,14 +14480,13 @@
           <a:lstStyle/>
           <a:p>
             <a:r>
-              <a:rPr lang="en-US" altLang="ko-KR" sz="1000" dirty="0" smtClean="0"/>
+              <a:rPr lang="en-US" altLang="ko-KR" sz="1000" dirty="0"/>
               <a:t>1.1 id</a:t>
             </a:r>
             <a:r>
-              <a:rPr lang="ko-KR" altLang="en-US" sz="1000" dirty="0" smtClean="0"/>
+              <a:rPr lang="ko-KR" altLang="en-US" sz="1000" dirty="0"/>
               <a:t>중복체크</a:t>
             </a:r>
-            <a:endParaRPr lang="ko-KR" altLang="en-US" sz="1000" dirty="0"/>
           </a:p>
         </p:txBody>
       </p:sp>
@@ -14642,7 +14539,7 @@
           <a:lstStyle/>
           <a:p>
             <a:pPr algn="ctr"/>
-            <a:endParaRPr lang="ko-KR" altLang="en-US" sz="1000" b="1" dirty="0" smtClean="0"/>
+            <a:endParaRPr lang="ko-KR" altLang="en-US" sz="1000" b="1" dirty="0"/>
           </a:p>
         </p:txBody>
       </p:sp>
@@ -14656,13 +14553,6 @@
   <p:clrMapOvr>
     <a:masterClrMapping/>
   </p:clrMapOvr>
-  <p:timing>
-    <p:tnLst>
-      <p:par>
-        <p:cTn id="1" dur="indefinite" restart="never" nodeType="tmRoot"/>
-      </p:par>
-    </p:tnLst>
-  </p:timing>
 </p:sld>
 </file>
 
@@ -14734,7 +14624,7 @@
           <a:lstStyle/>
           <a:p>
             <a:r>
-              <a:rPr lang="en-US" altLang="ko-KR" sz="1200" b="1" dirty="0" smtClean="0">
+              <a:rPr lang="en-US" altLang="ko-KR" sz="1200" b="1" dirty="0">
                 <a:solidFill>
                   <a:srgbClr val="756B5F"/>
                 </a:solidFill>
@@ -14772,7 +14662,7 @@
           <a:lstStyle/>
           <a:p>
             <a:r>
-              <a:rPr lang="en-US" altLang="ko-KR" b="1" dirty="0" smtClean="0">
+              <a:rPr lang="en-US" altLang="ko-KR" b="1" dirty="0">
                 <a:solidFill>
                   <a:srgbClr val="756B5F"/>
                 </a:solidFill>
@@ -14780,18 +14670,13 @@
               <a:t>7.  </a:t>
             </a:r>
             <a:r>
-              <a:rPr lang="ko-KR" altLang="en-US" b="1" dirty="0" smtClean="0">
+              <a:rPr lang="ko-KR" altLang="en-US" b="1" dirty="0">
                 <a:solidFill>
                   <a:srgbClr val="756B5F"/>
                 </a:solidFill>
               </a:rPr>
               <a:t>순차 다이어그램</a:t>
             </a:r>
-            <a:endParaRPr lang="ko-KR" altLang="en-US" b="1" dirty="0">
-              <a:solidFill>
-                <a:srgbClr val="756B5F"/>
-              </a:solidFill>
-            </a:endParaRPr>
           </a:p>
         </p:txBody>
       </p:sp>
@@ -14896,26 +14781,26 @@
             <a:p>
               <a:pPr algn="ctr"/>
               <a:r>
-                <a:rPr lang="ko-KR" altLang="en-US" sz="1000" b="1" dirty="0" smtClean="0"/>
+                <a:rPr lang="ko-KR" altLang="en-US" sz="1000" b="1" dirty="0"/>
                 <a:t>관리자</a:t>
               </a:r>
-              <a:endParaRPr lang="en-US" altLang="ko-KR" sz="1000" b="1" dirty="0" smtClean="0"/>
+              <a:endParaRPr lang="en-US" altLang="ko-KR" sz="1000" b="1" dirty="0"/>
             </a:p>
             <a:p>
               <a:pPr algn="ctr"/>
               <a:r>
-                <a:rPr lang="en-US" altLang="ko-KR" sz="1000" b="1" dirty="0" smtClean="0"/>
+                <a:rPr lang="en-US" altLang="ko-KR" sz="1000" b="1" dirty="0"/>
                 <a:t>(</a:t>
               </a:r>
               <a:r>
-                <a:rPr lang="ko-KR" altLang="en-US" sz="1000" b="1" dirty="0" smtClean="0"/>
+                <a:rPr lang="ko-KR" altLang="en-US" sz="1000" b="1" dirty="0"/>
                 <a:t>사서</a:t>
               </a:r>
               <a:r>
-                <a:rPr lang="en-US" altLang="ko-KR" sz="1000" b="1" dirty="0" smtClean="0"/>
+                <a:rPr lang="en-US" altLang="ko-KR" sz="1000" b="1" dirty="0"/>
                 <a:t>)</a:t>
               </a:r>
-              <a:endParaRPr lang="ko-KR" altLang="en-US" sz="1000" b="1" dirty="0" smtClean="0"/>
+              <a:endParaRPr lang="ko-KR" altLang="en-US" sz="1000" b="1" dirty="0"/>
             </a:p>
           </p:txBody>
         </p:sp>
@@ -14969,15 +14854,15 @@
             <a:p>
               <a:pPr algn="ctr"/>
               <a:r>
-                <a:rPr lang="ko-KR" altLang="en-US" sz="1000" b="1" dirty="0" smtClean="0"/>
+                <a:rPr lang="ko-KR" altLang="en-US" sz="1000" b="1" dirty="0"/>
                 <a:t>로그인</a:t>
               </a:r>
               <a:r>
-                <a:rPr lang="en-US" altLang="ko-KR" sz="1000" b="1" dirty="0" smtClean="0"/>
+                <a:rPr lang="en-US" altLang="ko-KR" sz="1000" b="1" dirty="0"/>
                 <a:t>/</a:t>
               </a:r>
               <a:r>
-                <a:rPr lang="ko-KR" altLang="en-US" sz="1000" b="1" dirty="0" smtClean="0"/>
+                <a:rPr lang="ko-KR" altLang="en-US" sz="1000" b="1" dirty="0"/>
                 <a:t>아웃</a:t>
               </a:r>
             </a:p>
@@ -15033,15 +14918,15 @@
             <a:p>
               <a:pPr algn="ctr"/>
               <a:r>
-                <a:rPr lang="ko-KR" altLang="en-US" sz="1000" b="1" dirty="0" smtClean="0"/>
+                <a:rPr lang="ko-KR" altLang="en-US" sz="1000" b="1" dirty="0"/>
                 <a:t>대출</a:t>
               </a:r>
               <a:r>
-                <a:rPr lang="en-US" altLang="ko-KR" sz="1000" b="1" dirty="0" smtClean="0"/>
+                <a:rPr lang="en-US" altLang="ko-KR" sz="1000" b="1" dirty="0"/>
                 <a:t>/</a:t>
               </a:r>
               <a:r>
-                <a:rPr lang="ko-KR" altLang="en-US" sz="1000" b="1" dirty="0" smtClean="0"/>
+                <a:rPr lang="ko-KR" altLang="en-US" sz="1000" b="1" dirty="0"/>
                 <a:t>반납</a:t>
               </a:r>
             </a:p>
@@ -15097,7 +14982,7 @@
             <a:p>
               <a:pPr algn="ctr"/>
               <a:r>
-                <a:rPr lang="ko-KR" altLang="en-US" sz="1000" b="1" dirty="0" smtClean="0"/>
+                <a:rPr lang="ko-KR" altLang="en-US" sz="1000" b="1" dirty="0"/>
                 <a:t>공지사항</a:t>
               </a:r>
             </a:p>
@@ -15153,7 +15038,7 @@
             <a:p>
               <a:pPr algn="ctr"/>
               <a:r>
-                <a:rPr lang="ko-KR" altLang="en-US" sz="1000" b="1" dirty="0" smtClean="0"/>
+                <a:rPr lang="ko-KR" altLang="en-US" sz="1000" b="1" dirty="0"/>
                 <a:t>회원관리</a:t>
               </a:r>
             </a:p>
@@ -15209,7 +15094,7 @@
             <a:p>
               <a:pPr algn="ctr"/>
               <a:r>
-                <a:rPr lang="ko-KR" altLang="en-US" sz="1000" b="1" dirty="0" smtClean="0"/>
+                <a:rPr lang="ko-KR" altLang="en-US" sz="1000" b="1" dirty="0"/>
                 <a:t>통계</a:t>
               </a:r>
             </a:p>
@@ -15265,14 +15150,9 @@
             <a:p>
               <a:pPr algn="ctr"/>
               <a:r>
-                <a:rPr lang="ko-KR" altLang="en-US" sz="1000" b="1" dirty="0" smtClean="0"/>
-                <a:t>도서관</a:t>
+                <a:rPr lang="ko-KR" altLang="en-US" sz="1000" b="1" dirty="0"/>
+                <a:t>도서관리</a:t>
               </a:r>
-              <a:r>
-                <a:rPr lang="ko-KR" altLang="en-US" sz="1000" b="1" dirty="0"/>
-                <a:t>리</a:t>
-              </a:r>
-              <a:endParaRPr lang="ko-KR" altLang="en-US" sz="1000" b="1" dirty="0" smtClean="0"/>
             </a:p>
           </p:txBody>
         </p:sp>
@@ -15593,7 +15473,7 @@
             <a:lstStyle/>
             <a:p>
               <a:pPr algn="ctr"/>
-              <a:endParaRPr lang="ko-KR" altLang="en-US" sz="1000" b="1" dirty="0" smtClean="0"/>
+              <a:endParaRPr lang="ko-KR" altLang="en-US" sz="1000" b="1" dirty="0"/>
             </a:p>
           </p:txBody>
         </p:sp>
@@ -15682,7 +15562,7 @@
             <a:lstStyle/>
             <a:p>
               <a:pPr algn="ctr"/>
-              <a:endParaRPr lang="ko-KR" altLang="en-US" sz="1000" b="1" dirty="0" smtClean="0"/>
+              <a:endParaRPr lang="ko-KR" altLang="en-US" sz="1000" b="1" dirty="0"/>
             </a:p>
           </p:txBody>
         </p:sp>
@@ -15709,14 +15589,13 @@
             <a:lstStyle/>
             <a:p>
               <a:r>
-                <a:rPr lang="en-US" altLang="ko-KR" sz="1000" dirty="0" smtClean="0"/>
+                <a:rPr lang="en-US" altLang="ko-KR" sz="1000" dirty="0"/>
                 <a:t>1. </a:t>
               </a:r>
               <a:r>
-                <a:rPr lang="ko-KR" altLang="en-US" sz="1000" dirty="0" smtClean="0"/>
+                <a:rPr lang="ko-KR" altLang="en-US" sz="1000" dirty="0"/>
                 <a:t>로그인</a:t>
               </a:r>
-              <a:endParaRPr lang="ko-KR" altLang="en-US" sz="1000" dirty="0"/>
             </a:p>
           </p:txBody>
         </p:sp>
@@ -15779,16 +15658,12 @@
             <a:lstStyle/>
             <a:p>
               <a:r>
-                <a:rPr lang="en-US" altLang="ko-KR" sz="1000" dirty="0" smtClean="0"/>
+                <a:rPr lang="en-US" altLang="ko-KR" sz="1000" dirty="0"/>
                 <a:t>2. </a:t>
               </a:r>
               <a:r>
-                <a:rPr lang="ko-KR" altLang="en-US" sz="1000" dirty="0" smtClean="0"/>
-                <a:t>관리자승</a:t>
-              </a:r>
-              <a:r>
                 <a:rPr lang="ko-KR" altLang="en-US" sz="1000" dirty="0"/>
-                <a:t>인</a:t>
+                <a:t>관리자승인</a:t>
               </a:r>
             </a:p>
           </p:txBody>
@@ -15879,7 +15754,7 @@
             <a:lstStyle/>
             <a:p>
               <a:pPr algn="ctr"/>
-              <a:endParaRPr lang="ko-KR" altLang="en-US" sz="1000" b="1" dirty="0" smtClean="0"/>
+              <a:endParaRPr lang="ko-KR" altLang="en-US" sz="1000" b="1" dirty="0"/>
             </a:p>
           </p:txBody>
         </p:sp>
@@ -15906,22 +15781,21 @@
             <a:lstStyle/>
             <a:p>
               <a:r>
-                <a:rPr lang="en-US" altLang="ko-KR" sz="1000" dirty="0" smtClean="0"/>
+                <a:rPr lang="en-US" altLang="ko-KR" sz="1000" dirty="0"/>
                 <a:t>3. </a:t>
               </a:r>
               <a:r>
-                <a:rPr lang="ko-KR" altLang="en-US" sz="1000" dirty="0" smtClean="0"/>
+                <a:rPr lang="ko-KR" altLang="en-US" sz="1000" dirty="0"/>
                 <a:t>도서대출</a:t>
               </a:r>
               <a:r>
-                <a:rPr lang="en-US" altLang="ko-KR" sz="1000" dirty="0" smtClean="0"/>
+                <a:rPr lang="en-US" altLang="ko-KR" sz="1000" dirty="0"/>
                 <a:t>/</a:t>
               </a:r>
               <a:r>
-                <a:rPr lang="ko-KR" altLang="en-US" sz="1000" dirty="0" smtClean="0"/>
+                <a:rPr lang="ko-KR" altLang="en-US" sz="1000" dirty="0"/>
                 <a:t>반납</a:t>
               </a:r>
-              <a:endParaRPr lang="ko-KR" altLang="en-US" sz="1000" dirty="0"/>
             </a:p>
           </p:txBody>
         </p:sp>
@@ -15949,25 +15823,20 @@
             <a:p>
               <a:r>
                 <a:rPr lang="en-US" altLang="ko-KR" sz="1000" dirty="0"/>
-                <a:t>4</a:t>
+                <a:t>4. </a:t>
               </a:r>
               <a:r>
-                <a:rPr lang="en-US" altLang="ko-KR" sz="1000" dirty="0" smtClean="0"/>
-                <a:t>. </a:t>
-              </a:r>
-              <a:r>
-                <a:rPr lang="ko-KR" altLang="en-US" sz="1000" dirty="0" smtClean="0"/>
+                <a:rPr lang="ko-KR" altLang="en-US" sz="1000" dirty="0"/>
                 <a:t>도서대출</a:t>
               </a:r>
               <a:r>
-                <a:rPr lang="en-US" altLang="ko-KR" sz="1000" dirty="0" smtClean="0"/>
+                <a:rPr lang="en-US" altLang="ko-KR" sz="1000" dirty="0"/>
                 <a:t>/</a:t>
               </a:r>
               <a:r>
-                <a:rPr lang="ko-KR" altLang="en-US" sz="1000" dirty="0" smtClean="0"/>
+                <a:rPr lang="ko-KR" altLang="en-US" sz="1000" dirty="0"/>
                 <a:t>반납 승인 및 확인</a:t>
               </a:r>
-              <a:endParaRPr lang="ko-KR" altLang="en-US" sz="1000" dirty="0"/>
             </a:p>
           </p:txBody>
         </p:sp>
@@ -16093,7 +15962,7 @@
             <a:lstStyle/>
             <a:p>
               <a:pPr algn="ctr"/>
-              <a:endParaRPr lang="ko-KR" altLang="en-US" sz="1000" b="1" dirty="0" smtClean="0"/>
+              <a:endParaRPr lang="ko-KR" altLang="en-US" sz="1000" b="1" dirty="0"/>
             </a:p>
           </p:txBody>
         </p:sp>
@@ -16120,42 +15989,37 @@
             <a:lstStyle/>
             <a:p>
               <a:r>
-                <a:rPr lang="en-US" altLang="ko-KR" sz="1000" dirty="0" smtClean="0"/>
+                <a:rPr lang="en-US" altLang="ko-KR" sz="1000" dirty="0"/>
                 <a:t>5. </a:t>
               </a:r>
               <a:r>
-                <a:rPr lang="ko-KR" altLang="en-US" sz="1000" dirty="0" smtClean="0"/>
+                <a:rPr lang="ko-KR" altLang="en-US" sz="1000" dirty="0"/>
                 <a:t>공지사항 작성</a:t>
               </a:r>
               <a:r>
                 <a:rPr lang="en-US" altLang="ko-KR" sz="1000" dirty="0"/>
-                <a:t> </a:t>
+                <a:t> / </a:t>
               </a:r>
               <a:r>
-                <a:rPr lang="en-US" altLang="ko-KR" sz="1000" dirty="0" smtClean="0"/>
+                <a:rPr lang="ko-KR" altLang="en-US" sz="1000" dirty="0"/>
+                <a:t>수정 </a:t>
+              </a:r>
+              <a:r>
+                <a:rPr lang="en-US" altLang="ko-KR" sz="1000" dirty="0"/>
                 <a:t>/ </a:t>
               </a:r>
               <a:r>
-                <a:rPr lang="ko-KR" altLang="en-US" sz="1000" dirty="0" smtClean="0"/>
-                <a:t>수정 </a:t>
+                <a:rPr lang="ko-KR" altLang="en-US" sz="1000" dirty="0"/>
+                <a:t>조회 </a:t>
               </a:r>
               <a:r>
-                <a:rPr lang="en-US" altLang="ko-KR" sz="1000" dirty="0" smtClean="0"/>
+                <a:rPr lang="en-US" altLang="ko-KR" sz="1000" dirty="0"/>
                 <a:t>/ </a:t>
               </a:r>
               <a:r>
-                <a:rPr lang="ko-KR" altLang="en-US" sz="1000" dirty="0" smtClean="0"/>
-                <a:t>조회 </a:t>
-              </a:r>
-              <a:r>
-                <a:rPr lang="en-US" altLang="ko-KR" sz="1000" dirty="0" smtClean="0"/>
-                <a:t>/ </a:t>
-              </a:r>
-              <a:r>
-                <a:rPr lang="ko-KR" altLang="en-US" sz="1000" dirty="0" smtClean="0"/>
+                <a:rPr lang="ko-KR" altLang="en-US" sz="1000" dirty="0"/>
                 <a:t>삭제</a:t>
               </a:r>
-              <a:endParaRPr lang="ko-KR" altLang="en-US" sz="1000" dirty="0"/>
             </a:p>
           </p:txBody>
         </p:sp>
@@ -16182,14 +16046,13 @@
             <a:lstStyle/>
             <a:p>
               <a:r>
-                <a:rPr lang="en-US" altLang="ko-KR" sz="1000" dirty="0" smtClean="0"/>
+                <a:rPr lang="en-US" altLang="ko-KR" sz="1000" dirty="0"/>
                 <a:t>6. </a:t>
               </a:r>
               <a:r>
-                <a:rPr lang="ko-KR" altLang="en-US" sz="1000" dirty="0" smtClean="0"/>
+                <a:rPr lang="ko-KR" altLang="en-US" sz="1000" dirty="0"/>
                 <a:t>공지사항 목록 확인</a:t>
               </a:r>
-              <a:endParaRPr lang="ko-KR" altLang="en-US" sz="1000" dirty="0"/>
             </a:p>
           </p:txBody>
         </p:sp>
@@ -16315,7 +16178,7 @@
             <a:lstStyle/>
             <a:p>
               <a:pPr algn="ctr"/>
-              <a:endParaRPr lang="ko-KR" altLang="en-US" sz="1000" b="1" dirty="0" smtClean="0"/>
+              <a:endParaRPr lang="ko-KR" altLang="en-US" sz="1000" b="1" dirty="0"/>
             </a:p>
           </p:txBody>
         </p:sp>
@@ -16441,7 +16304,7 @@
             <a:lstStyle/>
             <a:p>
               <a:pPr algn="ctr"/>
-              <a:endParaRPr lang="ko-KR" altLang="en-US" sz="1000" b="1" dirty="0" smtClean="0"/>
+              <a:endParaRPr lang="ko-KR" altLang="en-US" sz="1000" b="1" dirty="0"/>
             </a:p>
           </p:txBody>
         </p:sp>
@@ -16468,18 +16331,17 @@
             <a:lstStyle/>
             <a:p>
               <a:r>
-                <a:rPr lang="en-US" altLang="ko-KR" sz="1000" dirty="0" smtClean="0"/>
+                <a:rPr lang="en-US" altLang="ko-KR" sz="1000" dirty="0"/>
                 <a:t>9. </a:t>
               </a:r>
               <a:r>
-                <a:rPr lang="ko-KR" altLang="en-US" sz="1000" dirty="0" err="1" smtClean="0"/>
+                <a:rPr lang="ko-KR" altLang="en-US" sz="1000" dirty="0" err="1"/>
                 <a:t>회원레벨별</a:t>
               </a:r>
               <a:r>
-                <a:rPr lang="ko-KR" altLang="en-US" sz="1000" dirty="0" smtClean="0"/>
+                <a:rPr lang="ko-KR" altLang="en-US" sz="1000" dirty="0"/>
                 <a:t> 다수 이용 순으로 조회 및 회원 레벨 조정</a:t>
               </a:r>
-              <a:endParaRPr lang="ko-KR" altLang="en-US" sz="1000" dirty="0"/>
             </a:p>
           </p:txBody>
         </p:sp>
@@ -16506,14 +16368,13 @@
             <a:lstStyle/>
             <a:p>
               <a:r>
-                <a:rPr lang="en-US" altLang="ko-KR" sz="1000" dirty="0" smtClean="0"/>
+                <a:rPr lang="en-US" altLang="ko-KR" sz="1000" dirty="0"/>
                 <a:t>10. </a:t>
               </a:r>
               <a:r>
-                <a:rPr lang="ko-KR" altLang="en-US" sz="1000" dirty="0" smtClean="0"/>
+                <a:rPr lang="ko-KR" altLang="en-US" sz="1000" dirty="0"/>
                 <a:t>회원 목록 확인</a:t>
               </a:r>
-              <a:endParaRPr lang="ko-KR" altLang="en-US" sz="1000" dirty="0"/>
             </a:p>
           </p:txBody>
         </p:sp>
@@ -16639,7 +16500,7 @@
             <a:lstStyle/>
             <a:p>
               <a:pPr algn="ctr"/>
-              <a:endParaRPr lang="ko-KR" altLang="en-US" sz="1000" b="1" dirty="0" smtClean="0"/>
+              <a:endParaRPr lang="ko-KR" altLang="en-US" sz="1000" b="1" dirty="0"/>
             </a:p>
           </p:txBody>
         </p:sp>
@@ -16666,22 +16527,21 @@
             <a:lstStyle/>
             <a:p>
               <a:r>
-                <a:rPr lang="en-US" altLang="ko-KR" sz="1000" dirty="0" smtClean="0"/>
+                <a:rPr lang="en-US" altLang="ko-KR" sz="1000" dirty="0"/>
                 <a:t>11. </a:t>
               </a:r>
               <a:r>
-                <a:rPr lang="ko-KR" altLang="en-US" sz="1000" dirty="0" smtClean="0"/>
+                <a:rPr lang="ko-KR" altLang="en-US" sz="1000" dirty="0"/>
                 <a:t>인기도서 통계 </a:t>
               </a:r>
               <a:r>
-                <a:rPr lang="en-US" altLang="ko-KR" sz="1000" dirty="0" smtClean="0"/>
+                <a:rPr lang="en-US" altLang="ko-KR" sz="1000" dirty="0"/>
                 <a:t>/ </a:t>
               </a:r>
               <a:r>
-                <a:rPr lang="ko-KR" altLang="en-US" sz="1000" dirty="0" smtClean="0"/>
+                <a:rPr lang="ko-KR" altLang="en-US" sz="1000" dirty="0"/>
                 <a:t>우수회원에게 도서추천</a:t>
               </a:r>
-              <a:endParaRPr lang="ko-KR" altLang="en-US" sz="1000" dirty="0"/>
             </a:p>
           </p:txBody>
         </p:sp>
@@ -16708,14 +16568,13 @@
             <a:lstStyle/>
             <a:p>
               <a:r>
-                <a:rPr lang="en-US" altLang="ko-KR" sz="1000" dirty="0" smtClean="0"/>
+                <a:rPr lang="en-US" altLang="ko-KR" sz="1000" dirty="0"/>
                 <a:t>12. </a:t>
               </a:r>
               <a:r>
-                <a:rPr lang="ko-KR" altLang="en-US" sz="1000" dirty="0" smtClean="0"/>
+                <a:rPr lang="ko-KR" altLang="en-US" sz="1000" dirty="0"/>
                 <a:t>통계 결과 확인</a:t>
               </a:r>
-              <a:endParaRPr lang="ko-KR" altLang="en-US" sz="1000" dirty="0"/>
             </a:p>
           </p:txBody>
         </p:sp>
@@ -16743,35 +16602,27 @@
             <a:p>
               <a:r>
                 <a:rPr lang="en-US" altLang="ko-KR" sz="900" dirty="0"/>
-                <a:t>7</a:t>
+                <a:t>7. </a:t>
               </a:r>
               <a:r>
-                <a:rPr lang="en-US" altLang="ko-KR" sz="900" dirty="0" smtClean="0"/>
-                <a:t>. </a:t>
-              </a:r>
-              <a:r>
-                <a:rPr lang="ko-KR" altLang="en-US" sz="900" dirty="0" smtClean="0"/>
+                <a:rPr lang="ko-KR" altLang="en-US" sz="900" dirty="0"/>
                 <a:t>도서 등록 </a:t>
               </a:r>
               <a:r>
-                <a:rPr lang="en-US" altLang="ko-KR" sz="900" dirty="0" smtClean="0"/>
+                <a:rPr lang="en-US" altLang="ko-KR" sz="900" dirty="0"/>
                 <a:t>/ </a:t>
               </a:r>
               <a:r>
-                <a:rPr lang="ko-KR" altLang="en-US" sz="900" dirty="0" smtClean="0"/>
+                <a:rPr lang="ko-KR" altLang="en-US" sz="900" dirty="0"/>
                 <a:t>수정</a:t>
               </a:r>
               <a:r>
-                <a:rPr lang="en-US" altLang="ko-KR" sz="900" dirty="0" smtClean="0"/>
+                <a:rPr lang="en-US" altLang="ko-KR" sz="900" dirty="0"/>
                 <a:t> / </a:t>
               </a:r>
               <a:r>
-                <a:rPr lang="ko-KR" altLang="en-US" sz="900" dirty="0" smtClean="0"/>
-                <a:t>삭</a:t>
-              </a:r>
-              <a:r>
                 <a:rPr lang="ko-KR" altLang="en-US" sz="900" dirty="0"/>
-                <a:t>제</a:t>
+                <a:t>삭제</a:t>
               </a:r>
             </a:p>
           </p:txBody>
@@ -16799,14 +16650,13 @@
             <a:lstStyle/>
             <a:p>
               <a:r>
-                <a:rPr lang="en-US" altLang="ko-KR" sz="900" dirty="0" smtClean="0"/>
+                <a:rPr lang="en-US" altLang="ko-KR" sz="900" dirty="0"/>
                 <a:t>8. </a:t>
               </a:r>
               <a:r>
-                <a:rPr lang="ko-KR" altLang="en-US" sz="900" dirty="0" smtClean="0"/>
+                <a:rPr lang="ko-KR" altLang="en-US" sz="900" dirty="0"/>
                 <a:t>도서 목록 확인</a:t>
               </a:r>
-              <a:endParaRPr lang="ko-KR" altLang="en-US" sz="900" dirty="0"/>
             </a:p>
           </p:txBody>
         </p:sp>
@@ -16860,7 +16710,7 @@
           <a:lstStyle/>
           <a:p>
             <a:pPr algn="ctr"/>
-            <a:endParaRPr lang="ko-KR" altLang="en-US" sz="1000" b="1" dirty="0" smtClean="0"/>
+            <a:endParaRPr lang="ko-KR" altLang="en-US" sz="1000" b="1" dirty="0"/>
           </a:p>
         </p:txBody>
       </p:sp>
@@ -16913,7 +16763,7 @@
           <a:lstStyle/>
           <a:p>
             <a:pPr algn="ctr"/>
-            <a:endParaRPr lang="ko-KR" altLang="en-US" sz="1000" b="1" dirty="0" smtClean="0"/>
+            <a:endParaRPr lang="ko-KR" altLang="en-US" sz="1000" b="1" dirty="0"/>
           </a:p>
         </p:txBody>
       </p:sp>
@@ -16966,7 +16816,7 @@
           <a:lstStyle/>
           <a:p>
             <a:pPr algn="ctr"/>
-            <a:endParaRPr lang="ko-KR" altLang="en-US" sz="1000" b="1" dirty="0" smtClean="0"/>
+            <a:endParaRPr lang="ko-KR" altLang="en-US" sz="1000" b="1" dirty="0"/>
           </a:p>
         </p:txBody>
       </p:sp>
@@ -17019,7 +16869,7 @@
           <a:lstStyle/>
           <a:p>
             <a:pPr algn="ctr"/>
-            <a:endParaRPr lang="ko-KR" altLang="en-US" sz="1000" b="1" dirty="0" smtClean="0"/>
+            <a:endParaRPr lang="ko-KR" altLang="en-US" sz="1000" b="1" dirty="0"/>
           </a:p>
         </p:txBody>
       </p:sp>
@@ -17072,7 +16922,7 @@
           <a:lstStyle/>
           <a:p>
             <a:pPr algn="ctr"/>
-            <a:endParaRPr lang="ko-KR" altLang="en-US" sz="1000" b="1" dirty="0" smtClean="0"/>
+            <a:endParaRPr lang="ko-KR" altLang="en-US" sz="1000" b="1" dirty="0"/>
           </a:p>
         </p:txBody>
       </p:sp>
@@ -17086,13 +16936,6 @@
   <p:clrMapOvr>
     <a:masterClrMapping/>
   </p:clrMapOvr>
-  <p:timing>
-    <p:tnLst>
-      <p:par>
-        <p:cTn id="1" dur="indefinite" restart="never" nodeType="tmRoot"/>
-      </p:par>
-    </p:tnLst>
-  </p:timing>
 </p:sld>
 </file>
 
@@ -17160,7 +17003,7 @@
           <a:lstStyle/>
           <a:p>
             <a:r>
-              <a:rPr lang="en-US" altLang="ko-KR" b="1" smtClean="0">
+              <a:rPr lang="en-US" altLang="ko-KR" b="1">
                 <a:solidFill>
                   <a:srgbClr val="756B5F"/>
                 </a:solidFill>
@@ -17168,18 +17011,13 @@
               <a:t>8.  </a:t>
             </a:r>
             <a:r>
-              <a:rPr lang="ko-KR" altLang="en-US" b="1" dirty="0" smtClean="0">
+              <a:rPr lang="ko-KR" altLang="en-US" b="1" dirty="0">
                 <a:solidFill>
                   <a:srgbClr val="756B5F"/>
                 </a:solidFill>
               </a:rPr>
               <a:t>기능정의서 및 설계</a:t>
             </a:r>
-            <a:endParaRPr lang="ko-KR" altLang="en-US" b="1" dirty="0">
-              <a:solidFill>
-                <a:srgbClr val="756B5F"/>
-              </a:solidFill>
-            </a:endParaRPr>
           </a:p>
         </p:txBody>
       </p:sp>
@@ -17247,13 +17085,6 @@
   <p:clrMapOvr>
     <a:masterClrMapping/>
   </p:clrMapOvr>
-  <p:timing>
-    <p:tnLst>
-      <p:par>
-        <p:cTn id="1" dur="indefinite" restart="never" nodeType="tmRoot"/>
-      </p:par>
-    </p:tnLst>
-  </p:timing>
 </p:sld>
 </file>
 
@@ -17320,7 +17151,7 @@
           <a:lstStyle/>
           <a:p>
             <a:r>
-              <a:rPr lang="en-US" altLang="ko-KR" b="1" smtClean="0">
+              <a:rPr lang="en-US" altLang="ko-KR" b="1">
                 <a:solidFill>
                   <a:srgbClr val="756B5F"/>
                 </a:solidFill>
@@ -17399,13 +17230,6 @@
   <p:clrMapOvr>
     <a:masterClrMapping/>
   </p:clrMapOvr>
-  <p:timing>
-    <p:tnLst>
-      <p:par>
-        <p:cTn id="1" dur="indefinite" restart="never" nodeType="tmRoot"/>
-      </p:par>
-    </p:tnLst>
-  </p:timing>
 </p:sld>
 </file>
 
@@ -17473,7 +17297,7 @@
           <a:lstStyle/>
           <a:p>
             <a:r>
-              <a:rPr lang="en-US" altLang="ko-KR" b="1" dirty="0" smtClean="0">
+              <a:rPr lang="en-US" altLang="ko-KR" b="1" dirty="0">
                 <a:solidFill>
                   <a:srgbClr val="756B5F"/>
                 </a:solidFill>
@@ -17481,18 +17305,13 @@
               <a:t>9.  </a:t>
             </a:r>
             <a:r>
-              <a:rPr lang="ko-KR" altLang="en-US" b="1" dirty="0" smtClean="0">
+              <a:rPr lang="ko-KR" altLang="en-US" b="1" dirty="0">
                 <a:solidFill>
                   <a:srgbClr val="756B5F"/>
                 </a:solidFill>
               </a:rPr>
               <a:t>기능정의서</a:t>
             </a:r>
-            <a:endParaRPr lang="ko-KR" altLang="en-US" b="1" dirty="0">
-              <a:solidFill>
-                <a:srgbClr val="756B5F"/>
-              </a:solidFill>
-            </a:endParaRPr>
           </a:p>
         </p:txBody>
       </p:sp>
@@ -30289,13 +30108,6 @@
   <p:clrMapOvr>
     <a:masterClrMapping/>
   </p:clrMapOvr>
-  <p:timing>
-    <p:tnLst>
-      <p:par>
-        <p:cTn id="1" dur="indefinite" restart="never" nodeType="tmRoot"/>
-      </p:par>
-    </p:tnLst>
-  </p:timing>
 </p:sld>
 </file>
 
@@ -30363,28 +30175,12 @@
           <a:lstStyle/>
           <a:p>
             <a:r>
-              <a:rPr lang="en-US" altLang="ko-KR" b="1" dirty="0" smtClean="0">
-                <a:solidFill>
-                  <a:srgbClr val="756B5F"/>
-                </a:solidFill>
-              </a:rPr>
-              <a:t>10. Project </a:t>
-            </a:r>
-            <a:r>
               <a:rPr lang="en-US" altLang="ko-KR" b="1" dirty="0">
                 <a:solidFill>
                   <a:srgbClr val="756B5F"/>
                 </a:solidFill>
               </a:rPr>
-              <a:t>S</a:t>
-            </a:r>
-            <a:r>
-              <a:rPr lang="en-US" altLang="ko-KR" b="1" dirty="0" smtClean="0">
-                <a:solidFill>
-                  <a:srgbClr val="756B5F"/>
-                </a:solidFill>
-              </a:rPr>
-              <a:t>ource Explorer</a:t>
+              <a:t>10. Project Source Explorer</a:t>
             </a:r>
             <a:endParaRPr lang="ko-KR" altLang="en-US" b="1" dirty="0">
               <a:solidFill>
@@ -30458,13 +30254,6 @@
   <p:clrMapOvr>
     <a:masterClrMapping/>
   </p:clrMapOvr>
-  <p:timing>
-    <p:tnLst>
-      <p:par>
-        <p:cTn id="1" dur="indefinite" restart="never" nodeType="tmRoot"/>
-      </p:par>
-    </p:tnLst>
-  </p:timing>
 </p:sld>
 </file>
 
@@ -30613,7 +30402,7 @@
               <a:defRPr/>
             </a:pPr>
             <a:r>
-              <a:rPr lang="ko-KR" altLang="en-US" sz="1050" b="1">
+              <a:rPr lang="ko-KR" altLang="en-US" sz="1050" b="1" dirty="0">
                 <a:solidFill>
                   <a:schemeClr val="bg1"/>
                 </a:solidFill>
@@ -30621,7 +30410,7 @@
               </a:rPr>
               <a:t>계획</a:t>
             </a:r>
-            <a:endParaRPr lang="en-US" altLang="ko-KR" sz="1050" b="1">
+            <a:endParaRPr lang="en-US" altLang="ko-KR" sz="1050" b="1" dirty="0">
               <a:solidFill>
                 <a:schemeClr val="bg1"/>
               </a:solidFill>
@@ -30638,7 +30427,7 @@
               <a:defRPr/>
             </a:pPr>
             <a:r>
-              <a:rPr lang="ko-KR" altLang="en-US" sz="1000" b="1">
+              <a:rPr lang="ko-KR" altLang="en-US" sz="1000" b="1" dirty="0">
                 <a:solidFill>
                   <a:schemeClr val="bg1"/>
                 </a:solidFill>
@@ -30646,7 +30435,7 @@
               </a:rPr>
               <a:t>주제 및 목적</a:t>
             </a:r>
-            <a:endParaRPr lang="en-US" altLang="ko-KR" sz="1000" b="1">
+            <a:endParaRPr lang="en-US" altLang="ko-KR" sz="1000" b="1" dirty="0">
               <a:solidFill>
                 <a:schemeClr val="bg1"/>
               </a:solidFill>
@@ -30663,7 +30452,7 @@
               <a:defRPr/>
             </a:pPr>
             <a:r>
-              <a:rPr lang="ko-KR" altLang="en-US" sz="1000" b="1">
+              <a:rPr lang="ko-KR" altLang="en-US" sz="1000" b="1" dirty="0">
                 <a:solidFill>
                   <a:schemeClr val="bg1"/>
                 </a:solidFill>
@@ -30672,7 +30461,7 @@
               <a:t>개발환경 </a:t>
             </a:r>
             <a:r>
-              <a:rPr lang="en-US" altLang="ko-KR" sz="1000" b="1">
+              <a:rPr lang="en-US" altLang="ko-KR" sz="1000" b="1" dirty="0">
                 <a:solidFill>
                   <a:schemeClr val="bg1"/>
                 </a:solidFill>
@@ -30681,7 +30470,7 @@
               <a:t>(</a:t>
             </a:r>
             <a:r>
-              <a:rPr lang="ko-KR" altLang="en-US" sz="1000" b="1">
+              <a:rPr lang="ko-KR" altLang="en-US" sz="1000" b="1" dirty="0" err="1">
                 <a:solidFill>
                   <a:schemeClr val="bg1"/>
                 </a:solidFill>
@@ -30690,7 +30479,7 @@
               <a:t>개발리소스</a:t>
             </a:r>
             <a:r>
-              <a:rPr lang="en-US" altLang="ko-KR" sz="1000" b="1">
+              <a:rPr lang="en-US" altLang="ko-KR" sz="1000" b="1" dirty="0">
                 <a:solidFill>
                   <a:schemeClr val="bg1"/>
                 </a:solidFill>
@@ -30709,7 +30498,7 @@
               <a:defRPr/>
             </a:pPr>
             <a:r>
-              <a:rPr lang="ko-KR" altLang="en-US" sz="1000" b="1">
+              <a:rPr lang="ko-KR" altLang="en-US" sz="1000" b="1" dirty="0">
                 <a:solidFill>
                   <a:schemeClr val="bg1"/>
                 </a:solidFill>
@@ -30718,7 +30507,7 @@
               <a:t>작업분할 구조도 </a:t>
             </a:r>
             <a:r>
-              <a:rPr lang="en-US" altLang="ko-KR" sz="1000" b="1">
+              <a:rPr lang="en-US" altLang="ko-KR" sz="1000" b="1" dirty="0">
                 <a:solidFill>
                   <a:schemeClr val="bg1"/>
                 </a:solidFill>
@@ -30737,7 +30526,7 @@
               <a:defRPr/>
             </a:pPr>
             <a:r>
-              <a:rPr lang="ko-KR" altLang="en-US" sz="1000" b="1" smtClean="0">
+              <a:rPr lang="ko-KR" altLang="en-US" sz="1000" b="1" dirty="0">
                 <a:solidFill>
                   <a:schemeClr val="bg1"/>
                 </a:solidFill>
@@ -30745,7 +30534,7 @@
               </a:rPr>
               <a:t>작업일정</a:t>
             </a:r>
-            <a:endParaRPr lang="ko-KR" altLang="en-US">
+            <a:endParaRPr lang="ko-KR" altLang="en-US" dirty="0">
               <a:solidFill>
                 <a:srgbClr val="C00000"/>
               </a:solidFill>
@@ -30805,7 +30594,7 @@
               <a:defRPr/>
             </a:pPr>
             <a:r>
-              <a:rPr lang="ko-KR" altLang="en-US" sz="1100" b="1">
+              <a:rPr lang="ko-KR" altLang="en-US" sz="1100" b="1" dirty="0">
                 <a:solidFill>
                   <a:schemeClr val="bg1"/>
                 </a:solidFill>
@@ -30813,7 +30602,7 @@
               </a:rPr>
               <a:t>분석 및 설계</a:t>
             </a:r>
-            <a:endParaRPr lang="en-US" altLang="ko-KR" sz="1100" b="1">
+            <a:endParaRPr lang="en-US" altLang="ko-KR" sz="1100" b="1" dirty="0">
               <a:solidFill>
                 <a:schemeClr val="bg1"/>
               </a:solidFill>
@@ -30828,7 +30617,7 @@
               <a:defRPr/>
             </a:pPr>
             <a:r>
-              <a:rPr lang="en-US" altLang="ko-KR" sz="1000" b="1">
+              <a:rPr lang="en-US" altLang="ko-KR" sz="1000" b="1" dirty="0">
                 <a:solidFill>
                   <a:schemeClr val="bg1"/>
                 </a:solidFill>
@@ -30837,7 +30626,7 @@
               <a:t>5. </a:t>
             </a:r>
             <a:r>
-              <a:rPr lang="ko-KR" altLang="en-US" sz="1000" b="1">
+              <a:rPr lang="ko-KR" altLang="en-US" sz="1000" b="1" dirty="0">
                 <a:solidFill>
                   <a:schemeClr val="bg1"/>
                 </a:solidFill>
@@ -30845,7 +30634,7 @@
               </a:rPr>
               <a:t>요구사항 분석</a:t>
             </a:r>
-            <a:endParaRPr lang="en-US" altLang="ko-KR" sz="1000" b="1">
+            <a:endParaRPr lang="en-US" altLang="ko-KR" sz="1000" b="1" dirty="0">
               <a:solidFill>
                 <a:schemeClr val="bg1"/>
               </a:solidFill>
@@ -30860,7 +30649,7 @@
               <a:defRPr/>
             </a:pPr>
             <a:r>
-              <a:rPr lang="en-US" altLang="ko-KR" sz="1000" b="1">
+              <a:rPr lang="en-US" altLang="ko-KR" sz="1000" b="1" dirty="0">
                 <a:solidFill>
                   <a:schemeClr val="bg1"/>
                 </a:solidFill>
@@ -30869,22 +30658,49 @@
               <a:t>6. </a:t>
             </a:r>
             <a:r>
-              <a:rPr lang="ko-KR" altLang="en-US" sz="1000" b="1">
+              <a:rPr lang="ko-KR" altLang="en-US" sz="1000" b="1" dirty="0" err="1">
                 <a:solidFill>
                   <a:schemeClr val="bg1"/>
                 </a:solidFill>
                 <a:latin typeface="+mn-ea"/>
               </a:rPr>
-              <a:t>유스케이스 다이어그램</a:t>
-            </a:r>
-            <a:r>
-              <a:rPr lang="en-US" altLang="ko-KR" sz="1000" b="1">
+              <a:t>유스케이스</a:t>
+            </a:r>
+            <a:r>
+              <a:rPr lang="ko-KR" altLang="en-US" sz="1000" b="1" dirty="0">
                 <a:solidFill>
                   <a:schemeClr val="bg1"/>
                 </a:solidFill>
                 <a:latin typeface="+mn-ea"/>
               </a:rPr>
-              <a:t>(Usecase Diagram)</a:t>
+              <a:t> 다이어그램</a:t>
+            </a:r>
+            <a:r>
+              <a:rPr lang="en-US" altLang="ko-KR" sz="1000" b="1" dirty="0">
+                <a:solidFill>
+                  <a:schemeClr val="bg1"/>
+                </a:solidFill>
+                <a:latin typeface="+mn-ea"/>
+              </a:rPr>
+              <a:t>(</a:t>
+            </a:r>
+            <a:r>
+              <a:rPr lang="en-US" altLang="ko-KR" sz="1000" b="1" dirty="0" err="1">
+                <a:solidFill>
+                  <a:schemeClr val="bg1"/>
+                </a:solidFill>
+                <a:latin typeface="+mn-ea"/>
+              </a:rPr>
+              <a:t>Usecase</a:t>
+            </a:r>
+            <a:r>
+              <a:rPr lang="en-US" altLang="ko-KR" sz="1000" b="1" dirty="0">
+                <a:solidFill>
+                  <a:schemeClr val="bg1"/>
+                </a:solidFill>
+                <a:latin typeface="+mn-ea"/>
+              </a:rPr>
+              <a:t> Diagram)</a:t>
             </a:r>
           </a:p>
           <a:p>
@@ -30895,7 +30711,7 @@
               <a:defRPr/>
             </a:pPr>
             <a:r>
-              <a:rPr lang="en-US" altLang="ko-KR" sz="1000" b="1">
+              <a:rPr lang="en-US" altLang="ko-KR" sz="1000" b="1" dirty="0">
                 <a:solidFill>
                   <a:schemeClr val="bg1"/>
                 </a:solidFill>
@@ -30904,16 +30720,25 @@
               <a:t>7. </a:t>
             </a:r>
             <a:r>
-              <a:rPr lang="ko-KR" altLang="en-US" sz="1000" b="1">
+              <a:rPr lang="ko-KR" altLang="en-US" sz="1000" b="1" dirty="0" err="1">
                 <a:solidFill>
                   <a:schemeClr val="bg1"/>
                 </a:solidFill>
                 <a:latin typeface="+mn-ea"/>
               </a:rPr>
-              <a:t>순차다이어그램 </a:t>
-            </a:r>
-            <a:r>
-              <a:rPr lang="en-US" altLang="ko-KR" sz="1000" b="1">
+              <a:t>순차다이어그램</a:t>
+            </a:r>
+            <a:r>
+              <a:rPr lang="ko-KR" altLang="en-US" sz="1000" b="1" dirty="0">
+                <a:solidFill>
+                  <a:schemeClr val="bg1"/>
+                </a:solidFill>
+                <a:latin typeface="+mn-ea"/>
+              </a:rPr>
+              <a:t> </a:t>
+            </a:r>
+            <a:r>
+              <a:rPr lang="en-US" altLang="ko-KR" sz="1000" b="1" dirty="0">
                 <a:solidFill>
                   <a:schemeClr val="bg1"/>
                 </a:solidFill>
@@ -30930,7 +30755,7 @@
               <a:defRPr/>
             </a:pPr>
             <a:r>
-              <a:rPr lang="en-US" altLang="ko-KR" sz="1000" b="1">
+              <a:rPr lang="en-US" altLang="ko-KR" sz="1000" b="1" dirty="0">
                 <a:solidFill>
                   <a:schemeClr val="bg1"/>
                 </a:solidFill>
@@ -30939,7 +30764,7 @@
               <a:t>8. </a:t>
             </a:r>
             <a:r>
-              <a:rPr lang="ko-KR" altLang="en-US" sz="1000" b="1">
+              <a:rPr lang="ko-KR" altLang="en-US" sz="1000" b="1" dirty="0">
                 <a:solidFill>
                   <a:schemeClr val="bg1"/>
                 </a:solidFill>
@@ -30947,7 +30772,7 @@
               </a:rPr>
               <a:t>기능정의서</a:t>
             </a:r>
-            <a:endParaRPr lang="en-US" altLang="ko-KR" sz="1000" b="1">
+            <a:endParaRPr lang="en-US" altLang="ko-KR" sz="1000" b="1" dirty="0">
               <a:solidFill>
                 <a:schemeClr val="bg1"/>
               </a:solidFill>
@@ -30962,7 +30787,7 @@
               <a:defRPr/>
             </a:pPr>
             <a:r>
-              <a:rPr lang="en-US" altLang="ko-KR" sz="1000" b="1">
+              <a:rPr lang="en-US" altLang="ko-KR" sz="1000" b="1" dirty="0">
                 <a:solidFill>
                   <a:schemeClr val="bg1"/>
                 </a:solidFill>
@@ -30971,7 +30796,7 @@
               <a:t>9.</a:t>
             </a:r>
             <a:r>
-              <a:rPr lang="ko-KR" altLang="en-US" sz="1000" b="1">
+              <a:rPr lang="ko-KR" altLang="en-US" sz="1000" b="1" dirty="0">
                 <a:solidFill>
                   <a:schemeClr val="bg1"/>
                 </a:solidFill>
@@ -30980,7 +30805,7 @@
               <a:t> </a:t>
             </a:r>
             <a:r>
-              <a:rPr lang="en-US" altLang="ko-KR" sz="1000" b="1">
+              <a:rPr lang="en-US" altLang="ko-KR" sz="1000" b="1" dirty="0">
                 <a:solidFill>
                   <a:schemeClr val="bg1"/>
                 </a:solidFill>
@@ -30989,7 +30814,7 @@
               <a:t>DB</a:t>
             </a:r>
             <a:r>
-              <a:rPr lang="ko-KR" altLang="en-US" sz="1000" b="1">
+              <a:rPr lang="ko-KR" altLang="en-US" sz="1000" b="1" dirty="0">
                 <a:solidFill>
                   <a:schemeClr val="bg1"/>
                 </a:solidFill>
@@ -30998,38 +30823,14 @@
               <a:t>설계</a:t>
             </a:r>
             <a:r>
-              <a:rPr lang="en-US" altLang="ko-KR" sz="1000" b="1">
+              <a:rPr lang="en-US" altLang="ko-KR" sz="1000" b="1" dirty="0">
                 <a:solidFill>
                   <a:schemeClr val="bg1"/>
                 </a:solidFill>
                 <a:latin typeface="+mn-ea"/>
               </a:rPr>
-              <a:t>(</a:t>
-            </a:r>
-            <a:r>
-              <a:rPr lang="en-US" altLang="ko-KR" sz="1000" b="1">
-                <a:solidFill>
-                  <a:schemeClr val="bg1"/>
-                </a:solidFill>
-                <a:latin typeface="+mn-ea"/>
-              </a:rPr>
-              <a:t>ERD</a:t>
-            </a:r>
-            <a:r>
-              <a:rPr lang="en-US" altLang="ko-KR" sz="1000" b="1" smtClean="0">
-                <a:solidFill>
-                  <a:schemeClr val="bg1"/>
-                </a:solidFill>
-                <a:latin typeface="+mn-ea"/>
-              </a:rPr>
-              <a:t>)</a:t>
-            </a:r>
-            <a:endParaRPr lang="en-US" altLang="ko-KR" sz="1000" b="1">
-              <a:solidFill>
-                <a:schemeClr val="bg1"/>
-              </a:solidFill>
-              <a:latin typeface="+mn-ea"/>
-            </a:endParaRPr>
+              <a:t>(ERD)</a:t>
+            </a:r>
           </a:p>
         </p:txBody>
       </p:sp>
@@ -31085,7 +30886,7 @@
               <a:defRPr/>
             </a:pPr>
             <a:r>
-              <a:rPr lang="ko-KR" altLang="en-US" sz="1100" b="1">
+              <a:rPr lang="ko-KR" altLang="en-US" sz="1100" b="1" dirty="0">
                 <a:solidFill>
                   <a:schemeClr val="bg1"/>
                 </a:solidFill>
@@ -31093,7 +30894,7 @@
               </a:rPr>
               <a:t>구현 및 테스트</a:t>
             </a:r>
-            <a:endParaRPr lang="en-US" altLang="ko-KR" sz="1100" b="1">
+            <a:endParaRPr lang="en-US" altLang="ko-KR" sz="1100" b="1" dirty="0">
               <a:solidFill>
                 <a:schemeClr val="bg1"/>
               </a:solidFill>
@@ -31108,7 +30909,7 @@
               <a:defRPr/>
             </a:pPr>
             <a:r>
-              <a:rPr lang="en-US" altLang="ko-KR" sz="1000" b="1">
+              <a:rPr lang="en-US" altLang="ko-KR" sz="1000" b="1" dirty="0">
                 <a:solidFill>
                   <a:schemeClr val="bg1"/>
                 </a:solidFill>
@@ -31116,7 +30917,7 @@
               </a:rPr>
               <a:t>10. Project source Explore</a:t>
             </a:r>
-            <a:endParaRPr lang="ko-KR" altLang="en-US" sz="1000">
+            <a:endParaRPr lang="ko-KR" altLang="en-US" sz="1000" dirty="0">
               <a:solidFill>
                 <a:srgbClr val="C00000"/>
               </a:solidFill>
@@ -31130,25 +30931,16 @@
               <a:defRPr/>
             </a:pPr>
             <a:r>
-              <a:rPr lang="en-US" altLang="ko-KR" sz="1000" b="1" smtClean="0">
+              <a:rPr lang="en-US" altLang="ko-KR" sz="1000" b="1" dirty="0">
                 <a:solidFill>
                   <a:schemeClr val="bg1"/>
                 </a:solidFill>
                 <a:latin typeface="+mn-ea"/>
               </a:rPr>
-              <a:t>11</a:t>
-            </a:r>
-            <a:r>
-              <a:rPr lang="en-US" altLang="ko-KR" sz="1000" b="1">
-                <a:solidFill>
-                  <a:schemeClr val="bg1"/>
-                </a:solidFill>
-                <a:latin typeface="+mn-ea"/>
-              </a:rPr>
-              <a:t>. UI </a:t>
-            </a:r>
-            <a:r>
-              <a:rPr lang="ko-KR" altLang="en-US" sz="1000" b="1">
+              <a:t>11. UI </a:t>
+            </a:r>
+            <a:r>
+              <a:rPr lang="ko-KR" altLang="en-US" sz="1000" b="1" dirty="0">
                 <a:solidFill>
                   <a:schemeClr val="bg1"/>
                 </a:solidFill>
@@ -31156,7 +30948,7 @@
               </a:rPr>
               <a:t>시연 및 핵심 기능</a:t>
             </a:r>
-            <a:endParaRPr lang="en-US" altLang="ko-KR" sz="1000" b="1">
+            <a:endParaRPr lang="en-US" altLang="ko-KR" sz="1000" b="1" dirty="0">
               <a:solidFill>
                 <a:schemeClr val="bg1"/>
               </a:solidFill>
@@ -31171,7 +30963,7 @@
               <a:defRPr/>
             </a:pPr>
             <a:r>
-              <a:rPr lang="en-US" altLang="ko-KR" sz="1000" b="1">
+              <a:rPr lang="en-US" altLang="ko-KR" sz="1000" b="1" dirty="0">
                 <a:solidFill>
                   <a:schemeClr val="bg1"/>
                 </a:solidFill>
@@ -31180,7 +30972,7 @@
               <a:t>12. </a:t>
             </a:r>
             <a:r>
-              <a:rPr lang="ko-KR" altLang="en-US" sz="1000" b="1">
+              <a:rPr lang="ko-KR" altLang="en-US" sz="1000" b="1" dirty="0">
                 <a:solidFill>
                   <a:schemeClr val="bg1"/>
                 </a:solidFill>
@@ -31207,13 +30999,6 @@
   <p:clrMapOvr>
     <a:masterClrMapping/>
   </p:clrMapOvr>
-  <p:timing>
-    <p:tnLst>
-      <p:par>
-        <p:cTn id="1" dur="indefinite" restart="never" nodeType="tmRoot"/>
-      </p:par>
-    </p:tnLst>
-  </p:timing>
 </p:sld>
 </file>
 
@@ -31281,7 +31066,7 @@
           <a:lstStyle/>
           <a:p>
             <a:r>
-              <a:rPr lang="en-US" altLang="ko-KR" b="1" dirty="0" smtClean="0">
+              <a:rPr lang="en-US" altLang="ko-KR" b="1" dirty="0">
                 <a:solidFill>
                   <a:srgbClr val="756B5F"/>
                 </a:solidFill>
@@ -31289,7 +31074,7 @@
               <a:t>11. UI </a:t>
             </a:r>
             <a:r>
-              <a:rPr lang="ko-KR" altLang="en-US" b="1" dirty="0" smtClean="0">
+              <a:rPr lang="ko-KR" altLang="en-US" b="1" dirty="0">
                 <a:solidFill>
                   <a:srgbClr val="756B5F"/>
                 </a:solidFill>
@@ -31297,7 +31082,7 @@
               <a:t>시연 및 핵심기능 </a:t>
             </a:r>
             <a:r>
-              <a:rPr lang="en-US" altLang="ko-KR" b="1" dirty="0" smtClean="0">
+              <a:rPr lang="en-US" altLang="ko-KR" b="1" dirty="0">
                 <a:solidFill>
                   <a:srgbClr val="756B5F"/>
                 </a:solidFill>
@@ -31305,7 +31090,7 @@
               <a:t>– </a:t>
             </a:r>
             <a:r>
-              <a:rPr lang="ko-KR" altLang="en-US" b="1" dirty="0" err="1" smtClean="0">
+              <a:rPr lang="ko-KR" altLang="en-US" b="1" dirty="0" err="1">
                 <a:solidFill>
                   <a:srgbClr val="756B5F"/>
                 </a:solidFill>
@@ -31411,18 +31196,13 @@
             <a:lstStyle/>
             <a:p>
               <a:r>
-                <a:rPr lang="ko-KR" altLang="en-US" sz="2000" b="1" dirty="0" smtClean="0">
+                <a:rPr lang="ko-KR" altLang="en-US" sz="2000" b="1" dirty="0">
                   <a:solidFill>
                     <a:srgbClr val="FF0000"/>
                   </a:solidFill>
                 </a:rPr>
                 <a:t>①</a:t>
               </a:r>
-              <a:endParaRPr lang="ko-KR" altLang="en-US" sz="2000" b="1" dirty="0">
-                <a:solidFill>
-                  <a:srgbClr val="FF0000"/>
-                </a:solidFill>
-              </a:endParaRPr>
             </a:p>
           </p:txBody>
         </p:sp>
@@ -31473,7 +31253,7 @@
             <a:lstStyle/>
             <a:p>
               <a:pPr algn="ctr"/>
-              <a:endParaRPr lang="ko-KR" altLang="en-US" sz="1000" b="1" dirty="0" smtClean="0"/>
+              <a:endParaRPr lang="ko-KR" altLang="en-US" sz="1000" b="1" dirty="0"/>
             </a:p>
           </p:txBody>
         </p:sp>
@@ -31500,18 +31280,13 @@
             <a:lstStyle/>
             <a:p>
               <a:r>
-                <a:rPr lang="ko-KR" altLang="en-US" sz="2400" b="1" dirty="0" smtClean="0">
+                <a:rPr lang="ko-KR" altLang="en-US" sz="2400" b="1" dirty="0">
                   <a:solidFill>
                     <a:srgbClr val="FF0000"/>
                   </a:solidFill>
                 </a:rPr>
                 <a:t>②</a:t>
               </a:r>
-              <a:endParaRPr lang="ko-KR" altLang="en-US" sz="2400" b="1" dirty="0">
-                <a:solidFill>
-                  <a:srgbClr val="FF0000"/>
-                </a:solidFill>
-              </a:endParaRPr>
             </a:p>
           </p:txBody>
         </p:sp>
@@ -31562,7 +31337,7 @@
             <a:lstStyle/>
             <a:p>
               <a:pPr algn="ctr"/>
-              <a:endParaRPr lang="ko-KR" altLang="en-US" sz="1000" b="1" dirty="0" smtClean="0"/>
+              <a:endParaRPr lang="ko-KR" altLang="en-US" sz="1000" b="1" dirty="0"/>
             </a:p>
           </p:txBody>
         </p:sp>
@@ -31589,18 +31364,13 @@
             <a:lstStyle/>
             <a:p>
               <a:r>
-                <a:rPr lang="ko-KR" altLang="en-US" sz="2400" b="1" dirty="0" smtClean="0">
+                <a:rPr lang="ko-KR" altLang="en-US" sz="2400" b="1" dirty="0">
                   <a:solidFill>
                     <a:srgbClr val="FF0000"/>
                   </a:solidFill>
                 </a:rPr>
                 <a:t>③</a:t>
               </a:r>
-              <a:endParaRPr lang="ko-KR" altLang="en-US" sz="2400" b="1" dirty="0">
-                <a:solidFill>
-                  <a:srgbClr val="FF0000"/>
-                </a:solidFill>
-              </a:endParaRPr>
             </a:p>
           </p:txBody>
         </p:sp>
@@ -31651,7 +31421,7 @@
             <a:lstStyle/>
             <a:p>
               <a:pPr algn="ctr"/>
-              <a:endParaRPr lang="ko-KR" altLang="en-US" sz="1000" b="1" dirty="0" smtClean="0"/>
+              <a:endParaRPr lang="ko-KR" altLang="en-US" sz="1000" b="1" dirty="0"/>
             </a:p>
           </p:txBody>
         </p:sp>
@@ -31702,7 +31472,7 @@
             <a:lstStyle/>
             <a:p>
               <a:pPr algn="ctr"/>
-              <a:endParaRPr lang="ko-KR" altLang="en-US" sz="1000" b="1" dirty="0" smtClean="0"/>
+              <a:endParaRPr lang="ko-KR" altLang="en-US" sz="1000" b="1" dirty="0"/>
             </a:p>
           </p:txBody>
         </p:sp>
@@ -31753,7 +31523,7 @@
             <a:lstStyle/>
             <a:p>
               <a:pPr algn="ctr"/>
-              <a:endParaRPr lang="ko-KR" altLang="en-US" sz="1000" b="1" dirty="0" smtClean="0"/>
+              <a:endParaRPr lang="ko-KR" altLang="en-US" sz="1000" b="1" dirty="0"/>
             </a:p>
           </p:txBody>
         </p:sp>
@@ -31804,7 +31574,7 @@
             <a:lstStyle/>
             <a:p>
               <a:pPr algn="ctr"/>
-              <a:endParaRPr lang="ko-KR" altLang="en-US" sz="1000" b="1" dirty="0" smtClean="0"/>
+              <a:endParaRPr lang="ko-KR" altLang="en-US" sz="1000" b="1" dirty="0"/>
             </a:p>
           </p:txBody>
         </p:sp>
@@ -31855,7 +31625,7 @@
             <a:lstStyle/>
             <a:p>
               <a:pPr algn="ctr"/>
-              <a:endParaRPr lang="ko-KR" altLang="en-US" sz="1000" b="1" dirty="0" smtClean="0"/>
+              <a:endParaRPr lang="ko-KR" altLang="en-US" sz="1000" b="1" dirty="0"/>
             </a:p>
           </p:txBody>
         </p:sp>
@@ -31882,18 +31652,13 @@
             <a:lstStyle/>
             <a:p>
               <a:r>
-                <a:rPr lang="ko-KR" altLang="en-US" sz="2400" b="1" dirty="0" smtClean="0">
+                <a:rPr lang="ko-KR" altLang="en-US" sz="2400" b="1" dirty="0">
                   <a:solidFill>
                     <a:srgbClr val="FF0000"/>
                   </a:solidFill>
                 </a:rPr>
                 <a:t>④</a:t>
               </a:r>
-              <a:endParaRPr lang="ko-KR" altLang="en-US" sz="2400" b="1" dirty="0">
-                <a:solidFill>
-                  <a:srgbClr val="FF0000"/>
-                </a:solidFill>
-              </a:endParaRPr>
             </a:p>
           </p:txBody>
         </p:sp>
@@ -31920,18 +31685,13 @@
             <a:lstStyle/>
             <a:p>
               <a:r>
-                <a:rPr lang="ko-KR" altLang="en-US" sz="2400" b="1" dirty="0" smtClean="0">
+                <a:rPr lang="ko-KR" altLang="en-US" sz="2400" b="1" dirty="0">
                   <a:solidFill>
                     <a:srgbClr val="FF0000"/>
                   </a:solidFill>
                 </a:rPr>
                 <a:t>⑤</a:t>
               </a:r>
-              <a:endParaRPr lang="ko-KR" altLang="en-US" sz="2400" b="1" dirty="0">
-                <a:solidFill>
-                  <a:srgbClr val="FF0000"/>
-                </a:solidFill>
-              </a:endParaRPr>
             </a:p>
           </p:txBody>
         </p:sp>
@@ -31958,18 +31718,13 @@
             <a:lstStyle/>
             <a:p>
               <a:r>
-                <a:rPr lang="ko-KR" altLang="en-US" sz="2400" b="1" dirty="0" smtClean="0">
+                <a:rPr lang="ko-KR" altLang="en-US" sz="2400" b="1" dirty="0">
                   <a:solidFill>
                     <a:srgbClr val="FF0000"/>
                   </a:solidFill>
                 </a:rPr>
                 <a:t>⑥</a:t>
               </a:r>
-              <a:endParaRPr lang="ko-KR" altLang="en-US" sz="2400" b="1" dirty="0">
-                <a:solidFill>
-                  <a:srgbClr val="FF0000"/>
-                </a:solidFill>
-              </a:endParaRPr>
             </a:p>
           </p:txBody>
         </p:sp>
@@ -31996,18 +31751,13 @@
             <a:lstStyle/>
             <a:p>
               <a:r>
-                <a:rPr lang="ko-KR" altLang="en-US" sz="2400" b="1" dirty="0" smtClean="0">
+                <a:rPr lang="ko-KR" altLang="en-US" sz="2400" b="1" dirty="0">
                   <a:solidFill>
                     <a:srgbClr val="FF0000"/>
                   </a:solidFill>
                 </a:rPr>
                 <a:t>⑦</a:t>
               </a:r>
-              <a:endParaRPr lang="ko-KR" altLang="en-US" sz="2400" b="1" dirty="0">
-                <a:solidFill>
-                  <a:srgbClr val="FF0000"/>
-                </a:solidFill>
-              </a:endParaRPr>
             </a:p>
           </p:txBody>
         </p:sp>
@@ -32070,7 +31820,7 @@
               <a:buAutoNum type="circleNumDbPlain"/>
             </a:pPr>
             <a:r>
-              <a:rPr lang="ko-KR" altLang="en-US" sz="1200" b="1" dirty="0" err="1" smtClean="0">
+              <a:rPr lang="ko-KR" altLang="en-US" sz="1200" b="1" dirty="0" err="1">
                 <a:solidFill>
                   <a:schemeClr val="tx1"/>
                 </a:solidFill>
@@ -32078,7 +31828,7 @@
               <a:t>로그인전</a:t>
             </a:r>
             <a:r>
-              <a:rPr lang="en-US" altLang="ko-KR" sz="1200" b="1" dirty="0" smtClean="0">
+              <a:rPr lang="en-US" altLang="ko-KR" sz="1200" b="1" dirty="0">
                 <a:solidFill>
                   <a:schemeClr val="tx1"/>
                 </a:solidFill>
@@ -32086,7 +31836,7 @@
               <a:t>, </a:t>
             </a:r>
             <a:r>
-              <a:rPr lang="ko-KR" altLang="en-US" sz="1200" b="1" dirty="0" smtClean="0">
+              <a:rPr lang="ko-KR" altLang="en-US" sz="1200" b="1" dirty="0">
                 <a:solidFill>
                   <a:schemeClr val="tx1"/>
                 </a:solidFill>
@@ -32094,7 +31844,7 @@
               <a:t>회원로그인후</a:t>
             </a:r>
             <a:r>
-              <a:rPr lang="en-US" altLang="ko-KR" sz="1200" b="1" dirty="0" smtClean="0">
+              <a:rPr lang="en-US" altLang="ko-KR" sz="1200" b="1" dirty="0">
                 <a:solidFill>
                   <a:schemeClr val="tx1"/>
                 </a:solidFill>
@@ -32102,7 +31852,7 @@
               <a:t>, </a:t>
             </a:r>
             <a:r>
-              <a:rPr lang="ko-KR" altLang="en-US" sz="1200" b="1" dirty="0" smtClean="0">
+              <a:rPr lang="ko-KR" altLang="en-US" sz="1200" b="1" dirty="0">
                 <a:solidFill>
                   <a:schemeClr val="tx1"/>
                 </a:solidFill>
@@ -32118,7 +31868,7 @@
               <a:t> </a:t>
             </a:r>
             <a:r>
-              <a:rPr lang="ko-KR" altLang="en-US" sz="1200" b="1" dirty="0" err="1" smtClean="0">
+              <a:rPr lang="ko-KR" altLang="en-US" sz="1200" b="1" dirty="0" err="1">
                 <a:solidFill>
                   <a:schemeClr val="tx1"/>
                 </a:solidFill>
@@ -32126,14 +31876,14 @@
               <a:t>해더의</a:t>
             </a:r>
             <a:r>
-              <a:rPr lang="ko-KR" altLang="en-US" sz="1200" b="1" dirty="0" smtClean="0">
+              <a:rPr lang="ko-KR" altLang="en-US" sz="1200" b="1" dirty="0">
                 <a:solidFill>
                   <a:schemeClr val="tx1"/>
                 </a:solidFill>
               </a:rPr>
               <a:t> 메뉴가 다르게 보인다</a:t>
             </a:r>
-            <a:endParaRPr lang="en-US" altLang="ko-KR" sz="1200" b="1" dirty="0" smtClean="0">
+            <a:endParaRPr lang="en-US" altLang="ko-KR" sz="1200" b="1" dirty="0">
               <a:solidFill>
                 <a:schemeClr val="tx1"/>
               </a:solidFill>
@@ -32148,14 +31898,14 @@
               <a:buAutoNum type="circleNumDbPlain"/>
             </a:pPr>
             <a:r>
-              <a:rPr lang="ko-KR" altLang="en-US" sz="1200" b="1" dirty="0" smtClean="0">
+              <a:rPr lang="ko-KR" altLang="en-US" sz="1200" b="1" dirty="0">
                 <a:solidFill>
                   <a:schemeClr val="tx1"/>
                 </a:solidFill>
               </a:rPr>
               <a:t>검색하기</a:t>
             </a:r>
-            <a:endParaRPr lang="en-US" altLang="ko-KR" sz="1200" b="1" dirty="0" smtClean="0">
+            <a:endParaRPr lang="en-US" altLang="ko-KR" sz="1200" b="1" dirty="0">
               <a:solidFill>
                 <a:schemeClr val="tx1"/>
               </a:solidFill>
@@ -32170,7 +31920,7 @@
               <a:buChar char="–"/>
             </a:pPr>
             <a:r>
-              <a:rPr lang="ko-KR" altLang="en-US" sz="1200" b="1" dirty="0" smtClean="0">
+              <a:rPr lang="ko-KR" altLang="en-US" sz="1200" b="1" dirty="0">
                 <a:solidFill>
                   <a:schemeClr val="tx1"/>
                 </a:solidFill>
@@ -32178,7 +31928,7 @@
               <a:t>비회원</a:t>
             </a:r>
             <a:r>
-              <a:rPr lang="en-US" altLang="ko-KR" sz="1200" b="1" dirty="0" smtClean="0">
+              <a:rPr lang="en-US" altLang="ko-KR" sz="1200" b="1" dirty="0">
                 <a:solidFill>
                   <a:schemeClr val="tx1"/>
                 </a:solidFill>
@@ -32186,7 +31936,7 @@
               <a:t>, </a:t>
             </a:r>
             <a:r>
-              <a:rPr lang="ko-KR" altLang="en-US" sz="1200" b="1" dirty="0" smtClean="0">
+              <a:rPr lang="ko-KR" altLang="en-US" sz="1200" b="1" dirty="0">
                 <a:solidFill>
                   <a:schemeClr val="tx1"/>
                 </a:solidFill>
@@ -32194,7 +31944,7 @@
               <a:t>회원</a:t>
             </a:r>
             <a:r>
-              <a:rPr lang="en-US" altLang="ko-KR" sz="1200" b="1" dirty="0" smtClean="0">
+              <a:rPr lang="en-US" altLang="ko-KR" sz="1200" b="1" dirty="0">
                 <a:solidFill>
                   <a:schemeClr val="tx1"/>
                 </a:solidFill>
@@ -32202,14 +31952,14 @@
               <a:t>, </a:t>
             </a:r>
             <a:r>
-              <a:rPr lang="ko-KR" altLang="en-US" sz="1200" b="1" dirty="0" smtClean="0">
+              <a:rPr lang="ko-KR" altLang="en-US" sz="1200" b="1" dirty="0">
                 <a:solidFill>
                   <a:schemeClr val="tx1"/>
                 </a:solidFill>
               </a:rPr>
               <a:t>관리자 모두 이용가능</a:t>
             </a:r>
-            <a:endParaRPr lang="en-US" altLang="ko-KR" sz="1200" b="1" dirty="0" smtClean="0">
+            <a:endParaRPr lang="en-US" altLang="ko-KR" sz="1200" b="1" dirty="0">
               <a:solidFill>
                 <a:schemeClr val="tx1"/>
               </a:solidFill>
@@ -32224,7 +31974,7 @@
               <a:buChar char="–"/>
             </a:pPr>
             <a:r>
-              <a:rPr lang="ko-KR" altLang="en-US" sz="1200" b="1" dirty="0" smtClean="0">
+              <a:rPr lang="ko-KR" altLang="en-US" sz="1200" b="1" dirty="0">
                 <a:solidFill>
                   <a:schemeClr val="tx1"/>
                 </a:solidFill>
@@ -32232,7 +31982,7 @@
               <a:t>검색조건 </a:t>
             </a:r>
             <a:r>
-              <a:rPr lang="en-US" altLang="ko-KR" sz="1200" b="1" dirty="0" smtClean="0">
+              <a:rPr lang="en-US" altLang="ko-KR" sz="1200" b="1" dirty="0">
                 <a:solidFill>
                   <a:schemeClr val="tx1"/>
                 </a:solidFill>
@@ -32240,7 +31990,7 @@
               <a:t>: </a:t>
             </a:r>
             <a:r>
-              <a:rPr lang="ko-KR" altLang="en-US" sz="1200" b="1" dirty="0" smtClean="0">
+              <a:rPr lang="ko-KR" altLang="en-US" sz="1200" b="1" dirty="0">
                 <a:solidFill>
                   <a:schemeClr val="tx1"/>
                 </a:solidFill>
@@ -32248,7 +31998,7 @@
               <a:t>전체</a:t>
             </a:r>
             <a:r>
-              <a:rPr lang="en-US" altLang="ko-KR" sz="1200" b="1" dirty="0" smtClean="0">
+              <a:rPr lang="en-US" altLang="ko-KR" sz="1200" b="1" dirty="0">
                 <a:solidFill>
                   <a:schemeClr val="tx1"/>
                 </a:solidFill>
@@ -32256,7 +32006,7 @@
               <a:t>, </a:t>
             </a:r>
             <a:r>
-              <a:rPr lang="ko-KR" altLang="en-US" sz="1200" b="1" dirty="0" smtClean="0">
+              <a:rPr lang="ko-KR" altLang="en-US" sz="1200" b="1" dirty="0">
                 <a:solidFill>
                   <a:schemeClr val="tx1"/>
                 </a:solidFill>
@@ -32264,7 +32014,7 @@
               <a:t>서명</a:t>
             </a:r>
             <a:r>
-              <a:rPr lang="en-US" altLang="ko-KR" sz="1200" b="1" dirty="0" smtClean="0">
+              <a:rPr lang="en-US" altLang="ko-KR" sz="1200" b="1" dirty="0">
                 <a:solidFill>
                   <a:schemeClr val="tx1"/>
                 </a:solidFill>
@@ -32272,7 +32022,7 @@
               <a:t>, </a:t>
             </a:r>
             <a:r>
-              <a:rPr lang="ko-KR" altLang="en-US" sz="1200" b="1" dirty="0" smtClean="0">
+              <a:rPr lang="ko-KR" altLang="en-US" sz="1200" b="1" dirty="0">
                 <a:solidFill>
                   <a:schemeClr val="tx1"/>
                 </a:solidFill>
@@ -32280,7 +32030,7 @@
               <a:t>저자</a:t>
             </a:r>
             <a:r>
-              <a:rPr lang="en-US" altLang="ko-KR" sz="1200" b="1" dirty="0" smtClean="0">
+              <a:rPr lang="en-US" altLang="ko-KR" sz="1200" b="1" dirty="0">
                 <a:solidFill>
                   <a:schemeClr val="tx1"/>
                 </a:solidFill>
@@ -32288,14 +32038,14 @@
               <a:t>, </a:t>
             </a:r>
             <a:r>
-              <a:rPr lang="ko-KR" altLang="en-US" sz="1200" b="1" dirty="0" smtClean="0">
+              <a:rPr lang="ko-KR" altLang="en-US" sz="1200" b="1" dirty="0">
                 <a:solidFill>
                   <a:schemeClr val="tx1"/>
                 </a:solidFill>
               </a:rPr>
               <a:t>출판사 </a:t>
             </a:r>
-            <a:endParaRPr lang="en-US" altLang="ko-KR" sz="1200" b="1" dirty="0" smtClean="0">
+            <a:endParaRPr lang="en-US" altLang="ko-KR" sz="1200" b="1" dirty="0">
               <a:solidFill>
                 <a:schemeClr val="tx1"/>
               </a:solidFill>
@@ -32310,7 +32060,7 @@
               <a:buAutoNum type="circleNumDbPlain"/>
             </a:pPr>
             <a:r>
-              <a:rPr lang="en-US" altLang="ko-KR" sz="1200" b="1" dirty="0" smtClean="0">
+              <a:rPr lang="en-US" altLang="ko-KR" sz="1200" b="1" dirty="0">
                 <a:solidFill>
                   <a:schemeClr val="tx1"/>
                 </a:solidFill>
@@ -32327,7 +32077,7 @@
               <a:buChar char="–"/>
             </a:pPr>
             <a:r>
-              <a:rPr lang="ko-KR" altLang="en-US" sz="1200" b="1" dirty="0" smtClean="0">
+              <a:rPr lang="ko-KR" altLang="en-US" sz="1200" b="1" dirty="0">
                 <a:solidFill>
                   <a:schemeClr val="tx1"/>
                 </a:solidFill>
@@ -32335,7 +32085,7 @@
               <a:t>도서신청</a:t>
             </a:r>
             <a:r>
-              <a:rPr lang="en-US" altLang="ko-KR" sz="1200" b="1" dirty="0" smtClean="0">
+              <a:rPr lang="en-US" altLang="ko-KR" sz="1200" b="1" dirty="0">
                 <a:solidFill>
                   <a:schemeClr val="tx1"/>
                 </a:solidFill>
@@ -32343,7 +32093,7 @@
               <a:t>, </a:t>
             </a:r>
             <a:r>
-              <a:rPr lang="ko-KR" altLang="en-US" sz="1200" b="1" dirty="0" smtClean="0">
+              <a:rPr lang="ko-KR" altLang="en-US" sz="1200" b="1" dirty="0">
                 <a:solidFill>
                   <a:schemeClr val="tx1"/>
                 </a:solidFill>
@@ -32351,7 +32101,7 @@
               <a:t>좌석예약</a:t>
             </a:r>
             <a:r>
-              <a:rPr lang="en-US" altLang="ko-KR" sz="1200" b="1" dirty="0" smtClean="0">
+              <a:rPr lang="en-US" altLang="ko-KR" sz="1200" b="1" dirty="0">
                 <a:solidFill>
                   <a:schemeClr val="tx1"/>
                 </a:solidFill>
@@ -32359,7 +32109,7 @@
               <a:t>, </a:t>
             </a:r>
             <a:r>
-              <a:rPr lang="ko-KR" altLang="en-US" sz="1200" b="1" dirty="0" err="1" smtClean="0">
+              <a:rPr lang="ko-KR" altLang="en-US" sz="1200" b="1" dirty="0" err="1">
                 <a:solidFill>
                   <a:schemeClr val="tx1"/>
                 </a:solidFill>
@@ -32367,7 +32117,7 @@
               <a:t>신착자료</a:t>
             </a:r>
             <a:r>
-              <a:rPr lang="en-US" altLang="ko-KR" sz="1200" b="1" dirty="0" smtClean="0">
+              <a:rPr lang="en-US" altLang="ko-KR" sz="1200" b="1" dirty="0">
                 <a:solidFill>
                   <a:schemeClr val="tx1"/>
                 </a:solidFill>
@@ -32375,7 +32125,7 @@
               <a:t>, </a:t>
             </a:r>
             <a:r>
-              <a:rPr lang="ko-KR" altLang="en-US" sz="1200" b="1" dirty="0" smtClean="0">
+              <a:rPr lang="ko-KR" altLang="en-US" sz="1200" b="1" dirty="0">
                 <a:solidFill>
                   <a:schemeClr val="tx1"/>
                 </a:solidFill>
@@ -32383,7 +32133,7 @@
               <a:t>도서추천</a:t>
             </a:r>
             <a:r>
-              <a:rPr lang="en-US" altLang="ko-KR" sz="1200" b="1" dirty="0" smtClean="0">
+              <a:rPr lang="en-US" altLang="ko-KR" sz="1200" b="1" dirty="0">
                 <a:solidFill>
                   <a:schemeClr val="tx1"/>
                 </a:solidFill>
@@ -32391,7 +32141,7 @@
               <a:t>, </a:t>
             </a:r>
             <a:r>
-              <a:rPr lang="ko-KR" altLang="en-US" sz="1200" b="1" dirty="0" smtClean="0">
+              <a:rPr lang="ko-KR" altLang="en-US" sz="1200" b="1" dirty="0">
                 <a:solidFill>
                   <a:schemeClr val="tx1"/>
                 </a:solidFill>
@@ -32399,7 +32149,7 @@
               <a:t>인기도서</a:t>
             </a:r>
             <a:r>
-              <a:rPr lang="en-US" altLang="ko-KR" sz="1200" b="1" dirty="0" smtClean="0">
+              <a:rPr lang="en-US" altLang="ko-KR" sz="1200" b="1" dirty="0">
                 <a:solidFill>
                   <a:schemeClr val="tx1"/>
                 </a:solidFill>
@@ -32407,14 +32157,14 @@
               <a:t>, </a:t>
             </a:r>
             <a:r>
-              <a:rPr lang="ko-KR" altLang="en-US" sz="1200" b="1" dirty="0" smtClean="0">
+              <a:rPr lang="ko-KR" altLang="en-US" sz="1200" b="1" dirty="0">
                 <a:solidFill>
                   <a:schemeClr val="tx1"/>
                 </a:solidFill>
               </a:rPr>
               <a:t>이용문의</a:t>
             </a:r>
-            <a:endParaRPr lang="en-US" altLang="ko-KR" sz="1200" b="1" dirty="0" smtClean="0">
+            <a:endParaRPr lang="en-US" altLang="ko-KR" sz="1200" b="1" dirty="0">
               <a:solidFill>
                 <a:schemeClr val="tx1"/>
               </a:solidFill>
@@ -32429,7 +32179,7 @@
               <a:buAutoNum type="circleNumDbPlain"/>
             </a:pPr>
             <a:r>
-              <a:rPr lang="ko-KR" altLang="en-US" sz="1200" b="1" dirty="0" smtClean="0">
+              <a:rPr lang="ko-KR" altLang="en-US" sz="1200" b="1" dirty="0">
                 <a:solidFill>
                   <a:schemeClr val="tx1"/>
                 </a:solidFill>
@@ -32437,7 +32187,7 @@
               <a:t>최근 공지사항 </a:t>
             </a:r>
             <a:r>
-              <a:rPr lang="en-US" altLang="ko-KR" sz="1200" b="1" dirty="0" smtClean="0">
+              <a:rPr lang="en-US" altLang="ko-KR" sz="1200" b="1" dirty="0">
                 <a:solidFill>
                   <a:schemeClr val="tx1"/>
                 </a:solidFill>
@@ -32445,14 +32195,14 @@
               <a:t>top5 </a:t>
             </a:r>
             <a:r>
-              <a:rPr lang="ko-KR" altLang="en-US" sz="1200" b="1" dirty="0" smtClean="0">
+              <a:rPr lang="ko-KR" altLang="en-US" sz="1200" b="1" dirty="0">
                 <a:solidFill>
                   <a:schemeClr val="tx1"/>
                 </a:solidFill>
               </a:rPr>
               <a:t>출력</a:t>
             </a:r>
-            <a:endParaRPr lang="en-US" altLang="ko-KR" sz="1200" b="1" dirty="0" smtClean="0">
+            <a:endParaRPr lang="en-US" altLang="ko-KR" sz="1200" b="1" dirty="0">
               <a:solidFill>
                 <a:schemeClr val="tx1"/>
               </a:solidFill>
@@ -32467,7 +32217,7 @@
               <a:buAutoNum type="circleNumDbPlain"/>
             </a:pPr>
             <a:r>
-              <a:rPr lang="ko-KR" altLang="en-US" sz="1200" b="1" dirty="0" smtClean="0">
+              <a:rPr lang="ko-KR" altLang="en-US" sz="1200" b="1" dirty="0">
                 <a:solidFill>
                   <a:schemeClr val="tx1"/>
                 </a:solidFill>
@@ -32475,7 +32225,7 @@
               <a:t>달력</a:t>
             </a:r>
             <a:r>
-              <a:rPr lang="en-US" altLang="ko-KR" sz="1200" b="1" dirty="0" smtClean="0">
+              <a:rPr lang="en-US" altLang="ko-KR" sz="1200" b="1" dirty="0">
                 <a:solidFill>
                   <a:schemeClr val="tx1"/>
                 </a:solidFill>
@@ -32483,7 +32233,7 @@
               <a:t> </a:t>
             </a:r>
             <a:r>
-              <a:rPr lang="ko-KR" altLang="en-US" sz="1200" b="1" dirty="0" smtClean="0">
+              <a:rPr lang="ko-KR" altLang="en-US" sz="1200" b="1" dirty="0">
                 <a:solidFill>
                   <a:schemeClr val="tx1"/>
                 </a:solidFill>
@@ -32491,7 +32241,7 @@
               <a:t>및 일정</a:t>
             </a:r>
             <a:r>
-              <a:rPr lang="en-US" altLang="ko-KR" sz="1200" b="1" dirty="0" smtClean="0">
+              <a:rPr lang="en-US" altLang="ko-KR" sz="1200" b="1" dirty="0">
                 <a:solidFill>
                   <a:schemeClr val="tx1"/>
                 </a:solidFill>
@@ -32499,14 +32249,14 @@
               <a:t>, </a:t>
             </a:r>
             <a:r>
-              <a:rPr lang="ko-KR" altLang="en-US" sz="1200" b="1" dirty="0" smtClean="0">
+              <a:rPr lang="ko-KR" altLang="en-US" sz="1200" b="1" dirty="0">
                 <a:solidFill>
                   <a:schemeClr val="tx1"/>
                 </a:solidFill>
               </a:rPr>
               <a:t>이용시간 출력</a:t>
             </a:r>
-            <a:endParaRPr lang="en-US" altLang="ko-KR" sz="1200" b="1" dirty="0" smtClean="0">
+            <a:endParaRPr lang="en-US" altLang="ko-KR" sz="1200" b="1" dirty="0">
               <a:solidFill>
                 <a:schemeClr val="tx1"/>
               </a:solidFill>
@@ -32521,7 +32271,7 @@
               <a:buAutoNum type="circleNumDbPlain"/>
             </a:pPr>
             <a:r>
-              <a:rPr lang="ko-KR" altLang="en-US" sz="1200" b="1" dirty="0" smtClean="0">
+              <a:rPr lang="ko-KR" altLang="en-US" sz="1200" b="1" dirty="0">
                 <a:solidFill>
                   <a:schemeClr val="tx1"/>
                 </a:solidFill>
@@ -32529,7 +32279,7 @@
               <a:t>대출 인기 도서 </a:t>
             </a:r>
             <a:r>
-              <a:rPr lang="en-US" altLang="ko-KR" sz="1200" b="1" dirty="0" smtClean="0">
+              <a:rPr lang="en-US" altLang="ko-KR" sz="1200" b="1" dirty="0">
                 <a:solidFill>
                   <a:schemeClr val="tx1"/>
                 </a:solidFill>
@@ -32537,14 +32287,14 @@
               <a:t>top 5 </a:t>
             </a:r>
             <a:r>
-              <a:rPr lang="ko-KR" altLang="en-US" sz="1200" b="1" dirty="0" smtClean="0">
+              <a:rPr lang="ko-KR" altLang="en-US" sz="1200" b="1" dirty="0">
                 <a:solidFill>
                   <a:schemeClr val="tx1"/>
                 </a:solidFill>
               </a:rPr>
               <a:t>출력</a:t>
             </a:r>
-            <a:endParaRPr lang="en-US" altLang="ko-KR" sz="1200" b="1" dirty="0" smtClean="0">
+            <a:endParaRPr lang="en-US" altLang="ko-KR" sz="1200" b="1" dirty="0">
               <a:solidFill>
                 <a:schemeClr val="tx1"/>
               </a:solidFill>
@@ -32559,7 +32309,7 @@
               <a:buAutoNum type="circleNumDbPlain"/>
             </a:pPr>
             <a:r>
-              <a:rPr lang="en-US" altLang="ko-KR" sz="1200" b="1" dirty="0" smtClean="0">
+              <a:rPr lang="en-US" altLang="ko-KR" sz="1200" b="1" dirty="0">
                 <a:solidFill>
                   <a:schemeClr val="tx1"/>
                 </a:solidFill>
@@ -32567,7 +32317,7 @@
               <a:t>Hit URL : </a:t>
             </a:r>
             <a:r>
-              <a:rPr lang="ko-KR" altLang="en-US" sz="1200" b="1" dirty="0" err="1" smtClean="0">
+              <a:rPr lang="ko-KR" altLang="en-US" sz="1200" b="1" dirty="0" err="1">
                 <a:solidFill>
                   <a:schemeClr val="tx1"/>
                 </a:solidFill>
@@ -32575,7 +32325,7 @@
               <a:t>사이트맵</a:t>
             </a:r>
             <a:r>
-              <a:rPr lang="ko-KR" altLang="en-US" sz="1200" b="1" dirty="0" smtClean="0">
+              <a:rPr lang="ko-KR" altLang="en-US" sz="1200" b="1" dirty="0">
                 <a:solidFill>
                   <a:schemeClr val="tx1"/>
                 </a:solidFill>
@@ -32583,7 +32333,7 @@
               <a:t> </a:t>
             </a:r>
             <a:r>
-              <a:rPr lang="en-US" altLang="ko-KR" sz="1200" b="1" dirty="0" smtClean="0">
+              <a:rPr lang="en-US" altLang="ko-KR" sz="1200" b="1" dirty="0">
                 <a:solidFill>
                   <a:schemeClr val="tx1"/>
                 </a:solidFill>
@@ -32591,7 +32341,7 @@
               <a:t>, RISS, NDSL, KOLAS, </a:t>
             </a:r>
             <a:r>
-              <a:rPr lang="ko-KR" altLang="en-US" sz="1200" b="1" dirty="0" smtClean="0">
+              <a:rPr lang="ko-KR" altLang="en-US" sz="1200" b="1" dirty="0">
                 <a:solidFill>
                   <a:schemeClr val="tx1"/>
                 </a:solidFill>
@@ -32611,13 +32361,6 @@
   <p:clrMapOvr>
     <a:masterClrMapping/>
   </p:clrMapOvr>
-  <p:timing>
-    <p:tnLst>
-      <p:par>
-        <p:cTn id="1" dur="indefinite" restart="never" nodeType="tmRoot"/>
-      </p:par>
-    </p:tnLst>
-  </p:timing>
 </p:sld>
 </file>
 
@@ -32685,7 +32428,7 @@
           <a:lstStyle/>
           <a:p>
             <a:r>
-              <a:rPr lang="en-US" altLang="ko-KR" b="1" dirty="0" smtClean="0">
+              <a:rPr lang="en-US" altLang="ko-KR" b="1" dirty="0">
                 <a:solidFill>
                   <a:srgbClr val="756B5F"/>
                 </a:solidFill>
@@ -32693,7 +32436,7 @@
               <a:t>11. UI </a:t>
             </a:r>
             <a:r>
-              <a:rPr lang="ko-KR" altLang="en-US" b="1" dirty="0" smtClean="0">
+              <a:rPr lang="ko-KR" altLang="en-US" b="1" dirty="0">
                 <a:solidFill>
                   <a:srgbClr val="756B5F"/>
                 </a:solidFill>
@@ -32701,7 +32444,7 @@
               <a:t>시연 및 핵심기능 </a:t>
             </a:r>
             <a:r>
-              <a:rPr lang="en-US" altLang="ko-KR" b="1" dirty="0" smtClean="0">
+              <a:rPr lang="en-US" altLang="ko-KR" b="1" dirty="0">
                 <a:solidFill>
                   <a:srgbClr val="756B5F"/>
                 </a:solidFill>
@@ -32709,7 +32452,7 @@
               <a:t>– </a:t>
             </a:r>
             <a:r>
-              <a:rPr lang="ko-KR" altLang="en-US" b="1" dirty="0" smtClean="0">
+              <a:rPr lang="ko-KR" altLang="en-US" b="1" dirty="0">
                 <a:solidFill>
                   <a:srgbClr val="756B5F"/>
                 </a:solidFill>
@@ -32717,7 +32460,7 @@
               <a:t>관리자</a:t>
             </a:r>
             <a:r>
-              <a:rPr lang="en-US" altLang="ko-KR" b="1" dirty="0" smtClean="0">
+              <a:rPr lang="en-US" altLang="ko-KR" b="1" dirty="0">
                 <a:solidFill>
                   <a:srgbClr val="756B5F"/>
                 </a:solidFill>
@@ -32725,7 +32468,7 @@
               <a:t>(</a:t>
             </a:r>
             <a:r>
-              <a:rPr lang="ko-KR" altLang="en-US" b="1" dirty="0" smtClean="0">
+              <a:rPr lang="ko-KR" altLang="en-US" b="1" dirty="0">
                 <a:solidFill>
                   <a:srgbClr val="756B5F"/>
                 </a:solidFill>
@@ -32733,7 +32476,7 @@
               <a:t>사서</a:t>
             </a:r>
             <a:r>
-              <a:rPr lang="en-US" altLang="ko-KR" b="1" dirty="0" smtClean="0">
+              <a:rPr lang="en-US" altLang="ko-KR" b="1" dirty="0">
                 <a:solidFill>
                   <a:srgbClr val="756B5F"/>
                 </a:solidFill>
@@ -32741,18 +32484,13 @@
               <a:t>) </a:t>
             </a:r>
             <a:r>
-              <a:rPr lang="ko-KR" altLang="en-US" b="1" dirty="0" smtClean="0">
+              <a:rPr lang="ko-KR" altLang="en-US" b="1" dirty="0">
                 <a:solidFill>
                   <a:srgbClr val="756B5F"/>
                 </a:solidFill>
               </a:rPr>
               <a:t>등록 및 삭제</a:t>
             </a:r>
-            <a:endParaRPr lang="ko-KR" altLang="en-US" b="1" dirty="0">
-              <a:solidFill>
-                <a:srgbClr val="756B5F"/>
-              </a:solidFill>
-            </a:endParaRPr>
           </a:p>
         </p:txBody>
       </p:sp>
@@ -32814,7 +32552,7 @@
               <a:buAutoNum type="circleNumDbPlain"/>
             </a:pPr>
             <a:r>
-              <a:rPr lang="ko-KR" altLang="en-US" sz="1200" b="1" dirty="0" smtClean="0">
+              <a:rPr lang="ko-KR" altLang="en-US" sz="1200" b="1" dirty="0">
                 <a:solidFill>
                   <a:schemeClr val="tx1"/>
                 </a:solidFill>
@@ -32822,7 +32560,7 @@
               <a:t>서비스의 사이트에서 현재 위치를 알려주고</a:t>
             </a:r>
             <a:r>
-              <a:rPr lang="en-US" altLang="ko-KR" sz="1200" b="1" dirty="0" smtClean="0">
+              <a:rPr lang="en-US" altLang="ko-KR" sz="1200" b="1" dirty="0">
                 <a:solidFill>
                   <a:schemeClr val="tx1"/>
                 </a:solidFill>
@@ -32830,14 +32568,14 @@
               <a:t>, </a:t>
             </a:r>
             <a:r>
-              <a:rPr lang="ko-KR" altLang="en-US" sz="1200" b="1" dirty="0" smtClean="0">
+              <a:rPr lang="ko-KR" altLang="en-US" sz="1200" b="1" dirty="0">
                 <a:solidFill>
                   <a:schemeClr val="tx1"/>
                 </a:solidFill>
               </a:rPr>
               <a:t>좌측 메뉴도 현재 위치를 달리 표현한다</a:t>
             </a:r>
-            <a:endParaRPr lang="en-US" altLang="ko-KR" sz="1200" b="1" dirty="0" smtClean="0">
+            <a:endParaRPr lang="en-US" altLang="ko-KR" sz="1200" b="1" dirty="0">
               <a:solidFill>
                 <a:schemeClr val="tx1"/>
               </a:solidFill>
@@ -32852,7 +32590,7 @@
               <a:buAutoNum type="circleNumDbPlain"/>
             </a:pPr>
             <a:r>
-              <a:rPr lang="ko-KR" altLang="en-US" sz="1200" b="1" dirty="0" smtClean="0">
+              <a:rPr lang="ko-KR" altLang="en-US" sz="1200" b="1" dirty="0">
                 <a:solidFill>
                   <a:schemeClr val="tx1"/>
                 </a:solidFill>
@@ -32860,7 +32598,7 @@
               <a:t>관리자 관리메뉴 </a:t>
             </a:r>
             <a:r>
-              <a:rPr lang="en-US" altLang="ko-KR" sz="1200" b="1" dirty="0" smtClean="0">
+              <a:rPr lang="en-US" altLang="ko-KR" sz="1200" b="1" dirty="0">
                 <a:solidFill>
                   <a:schemeClr val="tx1"/>
                 </a:solidFill>
@@ -32868,7 +32606,7 @@
               <a:t>: </a:t>
             </a:r>
             <a:r>
-              <a:rPr lang="ko-KR" altLang="en-US" sz="1200" b="1" dirty="0" smtClean="0">
+              <a:rPr lang="ko-KR" altLang="en-US" sz="1200" b="1" dirty="0">
                 <a:solidFill>
                   <a:schemeClr val="tx1"/>
                 </a:solidFill>
@@ -32876,7 +32614,7 @@
               <a:t>관리자 등록 및 관리자 삭제</a:t>
             </a:r>
             <a:r>
-              <a:rPr lang="en-US" altLang="ko-KR" sz="1200" b="1" dirty="0" smtClean="0">
+              <a:rPr lang="en-US" altLang="ko-KR" sz="1200" b="1" dirty="0">
                 <a:solidFill>
                   <a:schemeClr val="tx1"/>
                 </a:solidFill>
@@ -32884,7 +32622,7 @@
               <a:t>. </a:t>
             </a:r>
             <a:r>
-              <a:rPr lang="ko-KR" altLang="en-US" sz="1200" b="1" dirty="0" smtClean="0">
+              <a:rPr lang="ko-KR" altLang="en-US" sz="1200" b="1" dirty="0">
                 <a:solidFill>
                   <a:schemeClr val="tx1"/>
                 </a:solidFill>
@@ -32892,7 +32630,7 @@
               <a:t>현재 위치 메뉴는 </a:t>
             </a:r>
             <a:r>
-              <a:rPr lang="en-US" altLang="ko-KR" sz="1200" b="1" dirty="0" smtClean="0">
+              <a:rPr lang="en-US" altLang="ko-KR" sz="1200" b="1" dirty="0">
                 <a:solidFill>
                   <a:schemeClr val="tx1"/>
                 </a:solidFill>
@@ -32900,7 +32638,7 @@
               <a:t>CSS</a:t>
             </a:r>
             <a:r>
-              <a:rPr lang="ko-KR" altLang="en-US" sz="1200" b="1" dirty="0" smtClean="0">
+              <a:rPr lang="ko-KR" altLang="en-US" sz="1200" b="1" dirty="0">
                 <a:solidFill>
                   <a:schemeClr val="tx1"/>
                 </a:solidFill>
@@ -32908,7 +32646,7 @@
               <a:t>를 달리 한다</a:t>
             </a:r>
             <a:r>
-              <a:rPr lang="en-US" altLang="ko-KR" sz="1200" b="1" dirty="0" smtClean="0">
+              <a:rPr lang="en-US" altLang="ko-KR" sz="1200" b="1" dirty="0">
                 <a:solidFill>
                   <a:schemeClr val="tx1"/>
                 </a:solidFill>
@@ -32925,7 +32663,7 @@
               <a:buAutoNum type="circleNumDbPlain"/>
             </a:pPr>
             <a:r>
-              <a:rPr lang="ko-KR" altLang="en-US" sz="1200" b="1" dirty="0" smtClean="0">
+              <a:rPr lang="ko-KR" altLang="en-US" sz="1200" b="1" dirty="0">
                 <a:solidFill>
                   <a:schemeClr val="tx1"/>
                 </a:solidFill>
@@ -32933,7 +32671,7 @@
               <a:t>새로운 사서가 입사하여 관리자를 등록하는 화면에서 관리자의 </a:t>
             </a:r>
             <a:r>
-              <a:rPr lang="en-US" altLang="ko-KR" sz="1200" b="1" dirty="0" smtClean="0">
+              <a:rPr lang="en-US" altLang="ko-KR" sz="1200" b="1" dirty="0">
                 <a:solidFill>
                   <a:schemeClr val="tx1"/>
                 </a:solidFill>
@@ -32941,7 +32679,7 @@
               <a:t>ID</a:t>
             </a:r>
             <a:r>
-              <a:rPr lang="ko-KR" altLang="en-US" sz="1200" b="1" dirty="0" smtClean="0">
+              <a:rPr lang="ko-KR" altLang="en-US" sz="1200" b="1" dirty="0">
                 <a:solidFill>
                   <a:schemeClr val="tx1"/>
                 </a:solidFill>
@@ -32949,7 +32687,7 @@
               <a:t>중복체크</a:t>
             </a:r>
             <a:r>
-              <a:rPr lang="en-US" altLang="ko-KR" sz="1200" b="1" dirty="0" smtClean="0">
+              <a:rPr lang="en-US" altLang="ko-KR" sz="1200" b="1" dirty="0">
                 <a:solidFill>
                   <a:schemeClr val="tx1"/>
                 </a:solidFill>
@@ -32957,7 +32695,7 @@
               <a:t>(Ajax </a:t>
             </a:r>
             <a:r>
-              <a:rPr lang="ko-KR" altLang="en-US" sz="1200" b="1" dirty="0" smtClean="0">
+              <a:rPr lang="ko-KR" altLang="en-US" sz="1200" b="1" dirty="0">
                 <a:solidFill>
                   <a:schemeClr val="tx1"/>
                 </a:solidFill>
@@ -32965,7 +32703,7 @@
               <a:t>이용</a:t>
             </a:r>
             <a:r>
-              <a:rPr lang="en-US" altLang="ko-KR" sz="1200" b="1" dirty="0" smtClean="0">
+              <a:rPr lang="en-US" altLang="ko-KR" sz="1200" b="1" dirty="0">
                 <a:solidFill>
                   <a:schemeClr val="tx1"/>
                 </a:solidFill>
@@ -32982,7 +32720,7 @@
               <a:buAutoNum type="circleNumDbPlain"/>
             </a:pPr>
             <a:r>
-              <a:rPr lang="en-US" altLang="ko-KR" sz="1200" b="1" dirty="0" err="1" smtClean="0">
+              <a:rPr lang="en-US" altLang="ko-KR" sz="1200" b="1" dirty="0" err="1">
                 <a:solidFill>
                   <a:schemeClr val="tx1"/>
                 </a:solidFill>
@@ -32990,7 +32728,7 @@
               <a:t>jQueryUI</a:t>
             </a:r>
             <a:r>
-              <a:rPr lang="en-US" altLang="ko-KR" sz="1200" b="1" dirty="0" smtClean="0">
+              <a:rPr lang="en-US" altLang="ko-KR" sz="1200" b="1" dirty="0">
                 <a:solidFill>
                   <a:schemeClr val="tx1"/>
                 </a:solidFill>
@@ -32998,7 +32736,7 @@
               <a:t>, </a:t>
             </a:r>
             <a:r>
-              <a:rPr lang="en-US" altLang="ko-KR" sz="1200" b="1" dirty="0" err="1" smtClean="0">
+              <a:rPr lang="en-US" altLang="ko-KR" sz="1200" b="1" dirty="0" err="1">
                 <a:solidFill>
                   <a:schemeClr val="tx1"/>
                 </a:solidFill>
@@ -33006,7 +32744,7 @@
               <a:t>daum</a:t>
             </a:r>
             <a:r>
-              <a:rPr lang="en-US" altLang="ko-KR" sz="1200" b="1" dirty="0" smtClean="0">
+              <a:rPr lang="en-US" altLang="ko-KR" sz="1200" b="1" dirty="0">
                 <a:solidFill>
                   <a:schemeClr val="tx1"/>
                 </a:solidFill>
@@ -33014,14 +32752,14 @@
               <a:t> postcode API </a:t>
             </a:r>
             <a:r>
-              <a:rPr lang="ko-KR" altLang="en-US" sz="1200" b="1" dirty="0" smtClean="0">
+              <a:rPr lang="ko-KR" altLang="en-US" sz="1200" b="1" dirty="0">
                 <a:solidFill>
                   <a:schemeClr val="tx1"/>
                 </a:solidFill>
               </a:rPr>
               <a:t>이용</a:t>
             </a:r>
-            <a:endParaRPr lang="en-US" altLang="ko-KR" sz="1200" b="1" dirty="0" smtClean="0">
+            <a:endParaRPr lang="en-US" altLang="ko-KR" sz="1200" b="1" dirty="0">
               <a:solidFill>
                 <a:schemeClr val="tx1"/>
               </a:solidFill>
@@ -33036,7 +32774,7 @@
               <a:buAutoNum type="circleNumDbPlain"/>
             </a:pPr>
             <a:r>
-              <a:rPr lang="ko-KR" altLang="en-US" sz="1200" b="1" dirty="0" smtClean="0">
+              <a:rPr lang="ko-KR" altLang="en-US" sz="1200" b="1" dirty="0">
                 <a:solidFill>
                   <a:schemeClr val="tx1"/>
                 </a:solidFill>
@@ -33044,7 +32782,7 @@
               <a:t>사서가 퇴사하여 관리자를 삭제할 경우 </a:t>
             </a:r>
             <a:r>
-              <a:rPr lang="en-US" altLang="ko-KR" sz="1200" b="1" dirty="0" smtClean="0">
+              <a:rPr lang="en-US" altLang="ko-KR" sz="1200" b="1" dirty="0">
                 <a:solidFill>
                   <a:schemeClr val="tx1"/>
                 </a:solidFill>
@@ -33052,7 +32790,7 @@
               <a:t>X</a:t>
             </a:r>
             <a:r>
-              <a:rPr lang="ko-KR" altLang="en-US" sz="1200" b="1" dirty="0" smtClean="0">
+              <a:rPr lang="ko-KR" altLang="en-US" sz="1200" b="1" dirty="0">
                 <a:solidFill>
                   <a:schemeClr val="tx1"/>
                 </a:solidFill>
@@ -33060,7 +32798,7 @@
               <a:t>를 클릭하면 해당 </a:t>
             </a:r>
             <a:r>
-              <a:rPr lang="en-US" altLang="ko-KR" sz="1200" b="1" dirty="0" smtClean="0">
+              <a:rPr lang="en-US" altLang="ko-KR" sz="1200" b="1" dirty="0">
                 <a:solidFill>
                   <a:schemeClr val="tx1"/>
                 </a:solidFill>
@@ -33068,14 +32806,14 @@
               <a:t>ID</a:t>
             </a:r>
             <a:r>
-              <a:rPr lang="ko-KR" altLang="en-US" sz="1200" b="1" dirty="0" smtClean="0">
+              <a:rPr lang="ko-KR" altLang="en-US" sz="1200" b="1" dirty="0">
                 <a:solidFill>
                   <a:schemeClr val="tx1"/>
                 </a:solidFill>
               </a:rPr>
               <a:t>만 삭제된다</a:t>
             </a:r>
-            <a:endParaRPr lang="en-US" altLang="ko-KR" sz="1200" b="1" dirty="0" smtClean="0">
+            <a:endParaRPr lang="en-US" altLang="ko-KR" sz="1200" b="1" dirty="0">
               <a:solidFill>
                 <a:schemeClr val="tx1"/>
               </a:solidFill>
@@ -33090,7 +32828,7 @@
               <a:buAutoNum type="circleNumDbPlain"/>
             </a:pPr>
             <a:r>
-              <a:rPr lang="ko-KR" altLang="en-US" sz="1200" b="1" dirty="0" smtClean="0">
+              <a:rPr lang="ko-KR" altLang="en-US" sz="1200" b="1" dirty="0">
                 <a:solidFill>
                   <a:schemeClr val="tx1"/>
                 </a:solidFill>
@@ -33098,7 +32836,7 @@
               <a:t>본 서비스의 모든 리스트 출력은 </a:t>
             </a:r>
             <a:r>
-              <a:rPr lang="ko-KR" altLang="en-US" sz="1200" b="1" dirty="0" err="1" smtClean="0">
+              <a:rPr lang="ko-KR" altLang="en-US" sz="1200" b="1" dirty="0" err="1">
                 <a:solidFill>
                   <a:schemeClr val="tx1"/>
                 </a:solidFill>
@@ -33106,7 +32844,7 @@
               <a:t>페이징</a:t>
             </a:r>
             <a:r>
-              <a:rPr lang="ko-KR" altLang="en-US" sz="1200" b="1" dirty="0" smtClean="0">
+              <a:rPr lang="ko-KR" altLang="en-US" sz="1200" b="1" dirty="0">
                 <a:solidFill>
                   <a:schemeClr val="tx1"/>
                 </a:solidFill>
@@ -33237,18 +32975,13 @@
           <a:lstStyle/>
           <a:p>
             <a:r>
-              <a:rPr lang="ko-KR" altLang="en-US" sz="2000" b="1" dirty="0" smtClean="0">
+              <a:rPr lang="ko-KR" altLang="en-US" sz="2000" b="1" dirty="0">
                 <a:solidFill>
                   <a:srgbClr val="FF0000"/>
                 </a:solidFill>
               </a:rPr>
               <a:t>①</a:t>
             </a:r>
-            <a:endParaRPr lang="ko-KR" altLang="en-US" sz="2000" b="1" dirty="0">
-              <a:solidFill>
-                <a:srgbClr val="FF0000"/>
-              </a:solidFill>
-            </a:endParaRPr>
           </a:p>
         </p:txBody>
       </p:sp>
@@ -33275,18 +33008,13 @@
           <a:lstStyle/>
           <a:p>
             <a:r>
-              <a:rPr lang="ko-KR" altLang="en-US" sz="2400" b="1" dirty="0" smtClean="0">
+              <a:rPr lang="ko-KR" altLang="en-US" sz="2400" b="1" dirty="0">
                 <a:solidFill>
                   <a:srgbClr val="FF0000"/>
                 </a:solidFill>
               </a:rPr>
               <a:t>②</a:t>
             </a:r>
-            <a:endParaRPr lang="ko-KR" altLang="en-US" sz="2400" b="1" dirty="0">
-              <a:solidFill>
-                <a:srgbClr val="FF0000"/>
-              </a:solidFill>
-            </a:endParaRPr>
           </a:p>
         </p:txBody>
       </p:sp>
@@ -33313,18 +33041,13 @@
           <a:lstStyle/>
           <a:p>
             <a:r>
-              <a:rPr lang="ko-KR" altLang="en-US" sz="2400" b="1" dirty="0" smtClean="0">
+              <a:rPr lang="ko-KR" altLang="en-US" sz="2400" b="1" dirty="0">
                 <a:solidFill>
                   <a:srgbClr val="FF0000"/>
                 </a:solidFill>
               </a:rPr>
               <a:t>③</a:t>
             </a:r>
-            <a:endParaRPr lang="ko-KR" altLang="en-US" sz="2400" b="1" dirty="0">
-              <a:solidFill>
-                <a:srgbClr val="FF0000"/>
-              </a:solidFill>
-            </a:endParaRPr>
           </a:p>
         </p:txBody>
       </p:sp>
@@ -33351,18 +33074,13 @@
           <a:lstStyle/>
           <a:p>
             <a:r>
-              <a:rPr lang="ko-KR" altLang="en-US" sz="2400" b="1" dirty="0" smtClean="0">
+              <a:rPr lang="ko-KR" altLang="en-US" sz="2400" b="1" dirty="0">
                 <a:solidFill>
                   <a:srgbClr val="FF0000"/>
                 </a:solidFill>
               </a:rPr>
               <a:t>④</a:t>
             </a:r>
-            <a:endParaRPr lang="ko-KR" altLang="en-US" sz="2400" b="1" dirty="0">
-              <a:solidFill>
-                <a:srgbClr val="FF0000"/>
-              </a:solidFill>
-            </a:endParaRPr>
           </a:p>
         </p:txBody>
       </p:sp>
@@ -33389,18 +33107,13 @@
           <a:lstStyle/>
           <a:p>
             <a:r>
-              <a:rPr lang="ko-KR" altLang="en-US" sz="2400" b="1" dirty="0" smtClean="0">
+              <a:rPr lang="ko-KR" altLang="en-US" sz="2400" b="1" dirty="0">
                 <a:solidFill>
                   <a:srgbClr val="FF0000"/>
                 </a:solidFill>
               </a:rPr>
               <a:t>⑤</a:t>
             </a:r>
-            <a:endParaRPr lang="ko-KR" altLang="en-US" sz="2400" b="1" dirty="0">
-              <a:solidFill>
-                <a:srgbClr val="FF0000"/>
-              </a:solidFill>
-            </a:endParaRPr>
           </a:p>
         </p:txBody>
       </p:sp>
@@ -33427,18 +33140,13 @@
           <a:lstStyle/>
           <a:p>
             <a:r>
-              <a:rPr lang="ko-KR" altLang="en-US" sz="2400" b="1" dirty="0" smtClean="0">
+              <a:rPr lang="ko-KR" altLang="en-US" sz="2400" b="1" dirty="0">
                 <a:solidFill>
                   <a:srgbClr val="FF0000"/>
                 </a:solidFill>
               </a:rPr>
               <a:t>⑥</a:t>
             </a:r>
-            <a:endParaRPr lang="ko-KR" altLang="en-US" sz="2400" b="1" dirty="0">
-              <a:solidFill>
-                <a:srgbClr val="FF0000"/>
-              </a:solidFill>
-            </a:endParaRPr>
           </a:p>
         </p:txBody>
       </p:sp>
@@ -33492,7 +33200,7 @@
               <a:buFont typeface="+mj-ea"/>
               <a:buAutoNum type="circleNumDbPlain"/>
             </a:pPr>
-            <a:endParaRPr lang="ko-KR" altLang="en-US" sz="1000" b="1" dirty="0" err="1" smtClean="0">
+            <a:endParaRPr lang="ko-KR" altLang="en-US" sz="1000" b="1" dirty="0" err="1">
               <a:solidFill>
                 <a:schemeClr val="tx1"/>
               </a:solidFill>
@@ -33550,7 +33258,7 @@
               <a:buFont typeface="+mj-ea"/>
               <a:buAutoNum type="circleNumDbPlain"/>
             </a:pPr>
-            <a:endParaRPr lang="ko-KR" altLang="en-US" sz="1000" b="1" dirty="0" err="1" smtClean="0">
+            <a:endParaRPr lang="ko-KR" altLang="en-US" sz="1000" b="1" dirty="0" err="1">
               <a:solidFill>
                 <a:schemeClr val="tx1"/>
               </a:solidFill>
@@ -33680,7 +33388,7 @@
               <a:buFont typeface="+mj-ea"/>
               <a:buAutoNum type="circleNumDbPlain"/>
             </a:pPr>
-            <a:endParaRPr lang="ko-KR" altLang="en-US" sz="1000" b="1" dirty="0" err="1" smtClean="0">
+            <a:endParaRPr lang="ko-KR" altLang="en-US" sz="1000" b="1" dirty="0" err="1">
               <a:solidFill>
                 <a:schemeClr val="tx1"/>
               </a:solidFill>
@@ -33738,7 +33446,7 @@
               <a:buFont typeface="+mj-ea"/>
               <a:buAutoNum type="circleNumDbPlain"/>
             </a:pPr>
-            <a:endParaRPr lang="ko-KR" altLang="en-US" sz="1000" b="1" dirty="0" err="1" smtClean="0">
+            <a:endParaRPr lang="ko-KR" altLang="en-US" sz="1000" b="1" dirty="0" err="1">
               <a:solidFill>
                 <a:schemeClr val="tx1"/>
               </a:solidFill>
@@ -33796,7 +33504,7 @@
               <a:buFont typeface="+mj-ea"/>
               <a:buAutoNum type="circleNumDbPlain"/>
             </a:pPr>
-            <a:endParaRPr lang="ko-KR" altLang="en-US" sz="1000" b="1" dirty="0" err="1" smtClean="0">
+            <a:endParaRPr lang="ko-KR" altLang="en-US" sz="1000" b="1" dirty="0" err="1">
               <a:solidFill>
                 <a:schemeClr val="tx1"/>
               </a:solidFill>
@@ -33854,7 +33562,7 @@
               <a:buFont typeface="+mj-ea"/>
               <a:buAutoNum type="circleNumDbPlain"/>
             </a:pPr>
-            <a:endParaRPr lang="ko-KR" altLang="en-US" sz="1000" b="1" dirty="0" err="1" smtClean="0">
+            <a:endParaRPr lang="ko-KR" altLang="en-US" sz="1000" b="1" dirty="0" err="1">
               <a:solidFill>
                 <a:schemeClr val="tx1"/>
               </a:solidFill>
@@ -33872,13 +33580,6 @@
   <p:clrMapOvr>
     <a:masterClrMapping/>
   </p:clrMapOvr>
-  <p:timing>
-    <p:tnLst>
-      <p:par>
-        <p:cTn id="1" dur="indefinite" restart="never" nodeType="tmRoot"/>
-      </p:par>
-    </p:tnLst>
-  </p:timing>
 </p:sld>
 </file>
 
@@ -33946,7 +33647,7 @@
           <a:lstStyle/>
           <a:p>
             <a:r>
-              <a:rPr lang="en-US" altLang="ko-KR" b="1" dirty="0" smtClean="0">
+              <a:rPr lang="en-US" altLang="ko-KR" b="1" dirty="0">
                 <a:solidFill>
                   <a:srgbClr val="756B5F"/>
                 </a:solidFill>
@@ -33954,7 +33655,7 @@
               <a:t>11. UI </a:t>
             </a:r>
             <a:r>
-              <a:rPr lang="ko-KR" altLang="en-US" b="1" dirty="0" smtClean="0">
+              <a:rPr lang="ko-KR" altLang="en-US" b="1" dirty="0">
                 <a:solidFill>
                   <a:srgbClr val="756B5F"/>
                 </a:solidFill>
@@ -33962,7 +33663,7 @@
               <a:t>시연 및 핵심코드 </a:t>
             </a:r>
             <a:r>
-              <a:rPr lang="en-US" altLang="ko-KR" b="1" dirty="0" smtClean="0">
+              <a:rPr lang="en-US" altLang="ko-KR" b="1" dirty="0">
                 <a:solidFill>
                   <a:srgbClr val="756B5F"/>
                 </a:solidFill>
@@ -34000,18 +33701,17 @@
           <a:lstStyle/>
           <a:p>
             <a:r>
-              <a:rPr lang="ko-KR" altLang="en-US" dirty="0" smtClean="0"/>
+              <a:rPr lang="ko-KR" altLang="en-US" dirty="0"/>
               <a:t>워드 포트폴리오에 있는 화면구성들 다음 </a:t>
             </a:r>
             <a:r>
-              <a:rPr lang="en-US" altLang="ko-KR" dirty="0" err="1" smtClean="0"/>
+              <a:rPr lang="en-US" altLang="ko-KR" dirty="0" err="1"/>
               <a:t>ppt</a:t>
             </a:r>
             <a:r>
-              <a:rPr lang="ko-KR" altLang="en-US" dirty="0" smtClean="0"/>
+              <a:rPr lang="ko-KR" altLang="en-US" dirty="0"/>
               <a:t>에 배치</a:t>
             </a:r>
-            <a:endParaRPr lang="ko-KR" altLang="en-US" dirty="0"/>
           </a:p>
         </p:txBody>
       </p:sp>
@@ -34025,13 +33725,6 @@
   <p:clrMapOvr>
     <a:masterClrMapping/>
   </p:clrMapOvr>
-  <p:timing>
-    <p:tnLst>
-      <p:par>
-        <p:cTn id="1" dur="indefinite" restart="never" nodeType="tmRoot"/>
-      </p:par>
-    </p:tnLst>
-  </p:timing>
 </p:sld>
 </file>
 
@@ -34080,10 +33773,10 @@
               </a:lnSpc>
             </a:pPr>
             <a:r>
-              <a:rPr lang="ko-KR" altLang="en-US" sz="2000" dirty="0" smtClean="0"/>
+              <a:rPr lang="ko-KR" altLang="en-US" sz="2000" dirty="0"/>
               <a:t>이용자 기반의 추천 플랫폼</a:t>
             </a:r>
-            <a:endParaRPr lang="en-US" altLang="ko-KR" sz="2000" dirty="0" smtClean="0"/>
+            <a:endParaRPr lang="en-US" altLang="ko-KR" sz="2000" dirty="0"/>
           </a:p>
           <a:p>
             <a:pPr>
@@ -34092,26 +33785,26 @@
               </a:lnSpc>
             </a:pPr>
             <a:r>
-              <a:rPr lang="ko-KR" altLang="en-US" sz="2000" dirty="0" smtClean="0"/>
+              <a:rPr lang="ko-KR" altLang="en-US" sz="2000" dirty="0"/>
               <a:t>예약 및 대출</a:t>
             </a:r>
             <a:r>
-              <a:rPr lang="en-US" altLang="ko-KR" sz="2000" dirty="0" smtClean="0"/>
+              <a:rPr lang="en-US" altLang="ko-KR" sz="2000" dirty="0"/>
               <a:t>, </a:t>
             </a:r>
             <a:r>
-              <a:rPr lang="ko-KR" altLang="en-US" sz="2000" dirty="0" smtClean="0"/>
+              <a:rPr lang="ko-KR" altLang="en-US" sz="2000" dirty="0"/>
               <a:t>반납기능을 </a:t>
             </a:r>
             <a:r>
-              <a:rPr lang="en-US" altLang="ko-KR" sz="2000" dirty="0" smtClean="0"/>
+              <a:rPr lang="en-US" altLang="ko-KR" sz="2000" dirty="0"/>
               <a:t>SNS</a:t>
             </a:r>
             <a:r>
-              <a:rPr lang="ko-KR" altLang="en-US" sz="2000" dirty="0" smtClean="0"/>
+              <a:rPr lang="ko-KR" altLang="en-US" sz="2000" dirty="0"/>
               <a:t>와 연동</a:t>
             </a:r>
-            <a:endParaRPr lang="en-US" altLang="ko-KR" sz="2000" dirty="0" smtClean="0"/>
+            <a:endParaRPr lang="en-US" altLang="ko-KR" sz="2000" dirty="0"/>
           </a:p>
           <a:p>
             <a:pPr>
@@ -34120,10 +33813,9 @@
               </a:lnSpc>
             </a:pPr>
             <a:r>
-              <a:rPr lang="ko-KR" altLang="en-US" sz="2000" dirty="0" smtClean="0"/>
+              <a:rPr lang="ko-KR" altLang="en-US" sz="2000" dirty="0"/>
               <a:t>연체 및 대출에 대한 점수 부여</a:t>
             </a:r>
-            <a:endParaRPr lang="ko-KR" altLang="en-US" sz="2000" dirty="0"/>
           </a:p>
         </p:txBody>
       </p:sp>
@@ -34174,7 +33866,7 @@
           <a:lstStyle/>
           <a:p>
             <a:r>
-              <a:rPr lang="en-US" altLang="ko-KR" b="1" dirty="0" smtClean="0">
+              <a:rPr lang="en-US" altLang="ko-KR" b="1" dirty="0">
                 <a:solidFill>
                   <a:srgbClr val="756B5F"/>
                 </a:solidFill>
@@ -34182,7 +33874,7 @@
               <a:t>12. </a:t>
             </a:r>
             <a:r>
-              <a:rPr lang="ko-KR" altLang="en-US" b="1" dirty="0" smtClean="0">
+              <a:rPr lang="ko-KR" altLang="en-US" b="1" dirty="0">
                 <a:solidFill>
                   <a:srgbClr val="756B5F"/>
                 </a:solidFill>
@@ -34190,7 +33882,7 @@
               <a:t>차후</a:t>
             </a:r>
             <a:r>
-              <a:rPr lang="en-US" altLang="ko-KR" b="1" dirty="0" smtClean="0">
+              <a:rPr lang="en-US" altLang="ko-KR" b="1" dirty="0">
                 <a:solidFill>
                   <a:srgbClr val="756B5F"/>
                 </a:solidFill>
@@ -34198,18 +33890,13 @@
               <a:t> </a:t>
             </a:r>
             <a:r>
-              <a:rPr lang="ko-KR" altLang="en-US" b="1" dirty="0" smtClean="0">
+              <a:rPr lang="ko-KR" altLang="en-US" b="1" dirty="0">
                 <a:solidFill>
                   <a:srgbClr val="756B5F"/>
                 </a:solidFill>
               </a:rPr>
               <a:t>개발 내용</a:t>
             </a:r>
-            <a:endParaRPr lang="ko-KR" altLang="en-US" b="1" dirty="0">
-              <a:solidFill>
-                <a:srgbClr val="756B5F"/>
-              </a:solidFill>
-            </a:endParaRPr>
           </a:p>
         </p:txBody>
       </p:sp>
@@ -34263,7 +33950,7 @@
               <a:buFont typeface="+mj-ea"/>
               <a:buAutoNum type="circleNumDbPlain"/>
             </a:pPr>
-            <a:endParaRPr lang="ko-KR" altLang="en-US" sz="1000" b="1" dirty="0" err="1" smtClean="0">
+            <a:endParaRPr lang="ko-KR" altLang="en-US" sz="1000" b="1" dirty="0" err="1">
               <a:solidFill>
                 <a:schemeClr val="tx1"/>
               </a:solidFill>
@@ -34281,13 +33968,6 @@
   <p:clrMapOvr>
     <a:masterClrMapping/>
   </p:clrMapOvr>
-  <p:timing>
-    <p:tnLst>
-      <p:par>
-        <p:cTn id="1" dur="indefinite" restart="never" nodeType="tmRoot"/>
-      </p:par>
-    </p:tnLst>
-  </p:timing>
 </p:sld>
 </file>
 
@@ -34433,7 +34113,7 @@
               <a:defRPr/>
             </a:pPr>
             <a:r>
-              <a:rPr lang="ko-KR" altLang="en-US" sz="4000" b="1" dirty="0" smtClean="0">
+              <a:rPr lang="ko-KR" altLang="en-US" sz="4000" b="1" dirty="0">
                 <a:solidFill>
                   <a:srgbClr val="756B5F"/>
                 </a:solidFill>
@@ -34458,7 +34138,7 @@
               <a:defRPr/>
             </a:pPr>
             <a:r>
-              <a:rPr lang="ko-KR" altLang="en-US" sz="4000" b="1" dirty="0" smtClean="0">
+              <a:rPr lang="ko-KR" altLang="en-US" sz="4000" b="1" dirty="0">
                 <a:solidFill>
                   <a:schemeClr val="bg1"/>
                 </a:solidFill>
@@ -34521,7 +34201,7 @@
           <a:p>
             <a:pPr algn="ctr"/>
             <a:r>
-              <a:rPr lang="en-US" altLang="ko-KR" b="1" dirty="0" smtClean="0">
+              <a:rPr lang="en-US" altLang="ko-KR" b="1" dirty="0">
                 <a:solidFill>
                   <a:schemeClr val="bg1"/>
                 </a:solidFill>
@@ -34529,7 +34209,7 @@
               <a:t>LAS</a:t>
             </a:r>
             <a:r>
-              <a:rPr lang="en-US" altLang="ko-KR" sz="2800" b="1" baseline="30000" dirty="0" smtClean="0">
+              <a:rPr lang="en-US" altLang="ko-KR" sz="2800" b="1" baseline="30000" dirty="0">
                 <a:solidFill>
                   <a:schemeClr val="bg1"/>
                 </a:solidFill>
@@ -34577,13 +34257,6 @@
   <p:clrMapOvr>
     <a:masterClrMapping/>
   </p:clrMapOvr>
-  <p:timing>
-    <p:tnLst>
-      <p:par>
-        <p:cTn id="1" dur="indefinite" restart="never" nodeType="tmRoot"/>
-      </p:par>
-    </p:tnLst>
-  </p:timing>
 </p:sld>
 </file>
 
@@ -34627,7 +34300,7 @@
           <a:lstStyle/>
           <a:p>
             <a:r>
-              <a:rPr lang="en-US" altLang="ko-KR" b="1" dirty="0" smtClean="0">
+              <a:rPr lang="en-US" altLang="ko-KR" b="1" dirty="0">
                 <a:solidFill>
                   <a:srgbClr val="756B5F"/>
                 </a:solidFill>
@@ -34635,18 +34308,13 @@
               <a:t>1.  </a:t>
             </a:r>
             <a:r>
-              <a:rPr lang="ko-KR" altLang="en-US" b="1" dirty="0" smtClean="0">
+              <a:rPr lang="ko-KR" altLang="en-US" b="1" dirty="0">
                 <a:solidFill>
                   <a:srgbClr val="756B5F"/>
                 </a:solidFill>
               </a:rPr>
               <a:t>주제 및 목적</a:t>
             </a:r>
-            <a:endParaRPr lang="ko-KR" altLang="en-US" b="1" dirty="0">
-              <a:solidFill>
-                <a:srgbClr val="756B5F"/>
-              </a:solidFill>
-            </a:endParaRPr>
           </a:p>
         </p:txBody>
       </p:sp>
@@ -34682,34 +34350,16 @@
               </a:lnSpc>
             </a:pPr>
             <a:r>
-              <a:rPr lang="ko-KR" altLang="en-US" sz="1600" dirty="0" smtClean="0">
-                <a:solidFill>
-                  <a:srgbClr val="464646"/>
-                </a:solidFill>
-                <a:latin typeface="+mn-ea"/>
-              </a:rPr>
-              <a:t>본 </a:t>
-            </a:r>
-            <a:r>
               <a:rPr lang="ko-KR" altLang="en-US" sz="1600" dirty="0">
                 <a:solidFill>
                   <a:srgbClr val="464646"/>
                 </a:solidFill>
                 <a:latin typeface="+mn-ea"/>
               </a:rPr>
-              <a:t>시스템은 도서관 웹 페이지와 도서관 관리 시스템을 통합하여 하나의 프로그램으로 이용 및 </a:t>
-            </a:r>
-            <a:r>
-              <a:rPr lang="ko-KR" altLang="en-US" sz="1600" dirty="0" smtClean="0">
-                <a:solidFill>
-                  <a:srgbClr val="464646"/>
-                </a:solidFill>
-                <a:latin typeface="+mn-ea"/>
-              </a:rPr>
-              <a:t>관리할 수 있는 </a:t>
-            </a:r>
-            <a:r>
-              <a:rPr lang="ko-KR" altLang="en-US" sz="1600" dirty="0" err="1" smtClean="0">
+              <a:t>본 시스템은 도서관 웹 페이지와 도서관 관리 시스템을 통합하여 하나의 프로그램으로 이용 및 관리할 수 있는 </a:t>
+            </a:r>
+            <a:r>
+              <a:rPr lang="ko-KR" altLang="en-US" sz="1600" dirty="0" err="1">
                 <a:solidFill>
                   <a:srgbClr val="464646"/>
                 </a:solidFill>
@@ -34718,25 +34368,16 @@
               <a:t>통합형</a:t>
             </a:r>
             <a:r>
-              <a:rPr lang="ko-KR" altLang="en-US" sz="1600" dirty="0" smtClean="0">
-                <a:solidFill>
-                  <a:srgbClr val="464646"/>
-                </a:solidFill>
-                <a:latin typeface="+mn-ea"/>
-              </a:rPr>
-              <a:t> </a:t>
-            </a:r>
-            <a:r>
               <a:rPr lang="ko-KR" altLang="en-US" sz="1600" dirty="0">
                 <a:solidFill>
                   <a:srgbClr val="464646"/>
                 </a:solidFill>
                 <a:latin typeface="+mn-ea"/>
               </a:rPr>
-              <a:t>도서관 관리 시스템이다</a:t>
-            </a:r>
-            <a:r>
-              <a:rPr lang="en-US" altLang="ko-KR" sz="1600" dirty="0" smtClean="0">
+              <a:t> 도서관 관리 시스템이다</a:t>
+            </a:r>
+            <a:r>
+              <a:rPr lang="en-US" altLang="ko-KR" sz="1600" dirty="0">
                 <a:solidFill>
                   <a:srgbClr val="464646"/>
                 </a:solidFill>
@@ -34807,76 +34448,13 @@
               <a:buChar char="-"/>
             </a:pPr>
             <a:r>
-              <a:rPr lang="ko-KR" altLang="en-US" dirty="0" smtClean="0">
-                <a:solidFill>
-                  <a:srgbClr val="464646"/>
-                </a:solidFill>
-                <a:latin typeface="+mn-ea"/>
-              </a:rPr>
-              <a:t>모든 </a:t>
-            </a:r>
-            <a:r>
               <a:rPr lang="ko-KR" altLang="en-US" dirty="0">
                 <a:solidFill>
                   <a:srgbClr val="464646"/>
                 </a:solidFill>
                 <a:latin typeface="+mn-ea"/>
               </a:rPr>
-              <a:t>이용자는 등</a:t>
-            </a:r>
-            <a:r>
-              <a:rPr lang="ko-KR" altLang="en-US" dirty="0" smtClean="0">
-                <a:solidFill>
-                  <a:srgbClr val="464646"/>
-                </a:solidFill>
-                <a:latin typeface="+mn-ea"/>
-              </a:rPr>
-              <a:t>급에 </a:t>
-            </a:r>
-            <a:r>
-              <a:rPr lang="ko-KR" altLang="en-US" dirty="0">
-                <a:solidFill>
-                  <a:srgbClr val="464646"/>
-                </a:solidFill>
-                <a:latin typeface="+mn-ea"/>
-              </a:rPr>
-              <a:t>따라 </a:t>
-            </a:r>
-            <a:r>
-              <a:rPr lang="ko-KR" altLang="en-US" dirty="0" smtClean="0">
-                <a:solidFill>
-                  <a:srgbClr val="464646"/>
-                </a:solidFill>
-                <a:latin typeface="+mn-ea"/>
-              </a:rPr>
-              <a:t>관리되며</a:t>
-            </a:r>
-            <a:r>
-              <a:rPr lang="en-US" altLang="ko-KR" dirty="0" smtClean="0">
-                <a:solidFill>
-                  <a:srgbClr val="464646"/>
-                </a:solidFill>
-                <a:latin typeface="+mn-ea"/>
-              </a:rPr>
-              <a:t>, </a:t>
-            </a:r>
-            <a:r>
-              <a:rPr lang="ko-KR" altLang="en-US" dirty="0" smtClean="0">
-                <a:solidFill>
-                  <a:srgbClr val="464646"/>
-                </a:solidFill>
-                <a:latin typeface="+mn-ea"/>
-              </a:rPr>
-              <a:t> </a:t>
-            </a:r>
-            <a:r>
-              <a:rPr lang="ko-KR" altLang="en-US" dirty="0">
-                <a:solidFill>
-                  <a:srgbClr val="464646"/>
-                </a:solidFill>
-                <a:latin typeface="+mn-ea"/>
-              </a:rPr>
-              <a:t>최소 검색기능부터</a:t>
+              <a:t>모든 이용자는 등급에 따라 관리되며</a:t>
             </a:r>
             <a:r>
               <a:rPr lang="en-US" altLang="ko-KR" dirty="0">
@@ -34894,34 +34472,7 @@
                 </a:solidFill>
                 <a:latin typeface="+mn-ea"/>
               </a:rPr>
-              <a:t>최대 도서 </a:t>
-            </a:r>
-            <a:r>
-              <a:rPr lang="ko-KR" altLang="en-US" dirty="0" smtClean="0">
-                <a:solidFill>
-                  <a:srgbClr val="464646"/>
-                </a:solidFill>
-                <a:latin typeface="+mn-ea"/>
-              </a:rPr>
-              <a:t>대출</a:t>
-            </a:r>
-            <a:r>
-              <a:rPr lang="en-US" altLang="ko-KR" dirty="0" smtClean="0">
-                <a:solidFill>
-                  <a:srgbClr val="464646"/>
-                </a:solidFill>
-                <a:latin typeface="+mn-ea"/>
-              </a:rPr>
-              <a:t>, </a:t>
-            </a:r>
-            <a:r>
-              <a:rPr lang="ko-KR" altLang="en-US" dirty="0" smtClean="0">
-                <a:solidFill>
-                  <a:srgbClr val="464646"/>
-                </a:solidFill>
-                <a:latin typeface="+mn-ea"/>
-              </a:rPr>
-              <a:t>도서 및 자리 예약</a:t>
+              <a:t> 최소 검색기능부터</a:t>
             </a:r>
             <a:r>
               <a:rPr lang="en-US" altLang="ko-KR" dirty="0">
@@ -34939,19 +34490,10 @@
                 </a:solidFill>
                 <a:latin typeface="+mn-ea"/>
               </a:rPr>
-              <a:t>도서 </a:t>
-            </a:r>
-            <a:r>
-              <a:rPr lang="ko-KR" altLang="en-US" dirty="0" smtClean="0">
-                <a:solidFill>
-                  <a:srgbClr val="464646"/>
-                </a:solidFill>
-                <a:latin typeface="+mn-ea"/>
-              </a:rPr>
-              <a:t>신청</a:t>
-            </a:r>
-            <a:r>
-              <a:rPr lang="en-US" altLang="ko-KR" dirty="0" smtClean="0">
+              <a:t>최대 도서 대출</a:t>
+            </a:r>
+            <a:r>
+              <a:rPr lang="en-US" altLang="ko-KR" dirty="0">
                 <a:solidFill>
                   <a:srgbClr val="464646"/>
                 </a:solidFill>
@@ -34960,34 +34502,16 @@
               <a:t>, </a:t>
             </a:r>
             <a:r>
-              <a:rPr lang="ko-KR" altLang="en-US" dirty="0" smtClean="0">
-                <a:solidFill>
-                  <a:srgbClr val="464646"/>
-                </a:solidFill>
-                <a:latin typeface="+mn-ea"/>
-              </a:rPr>
-              <a:t>회</a:t>
-            </a:r>
-            <a:r>
               <a:rPr lang="ko-KR" altLang="en-US" dirty="0">
                 <a:solidFill>
                   <a:srgbClr val="464646"/>
                 </a:solidFill>
                 <a:latin typeface="+mn-ea"/>
               </a:rPr>
-              <a:t>원</a:t>
-            </a:r>
-            <a:r>
-              <a:rPr lang="ko-KR" altLang="en-US" dirty="0" smtClean="0">
-                <a:solidFill>
-                  <a:srgbClr val="464646"/>
-                </a:solidFill>
-                <a:latin typeface="+mn-ea"/>
-              </a:rPr>
-              <a:t>게시판 이용</a:t>
-            </a:r>
-            <a:r>
-              <a:rPr lang="en-US" altLang="ko-KR" dirty="0" smtClean="0">
+              <a:t>도서 및 자리 예약</a:t>
+            </a:r>
+            <a:r>
+              <a:rPr lang="en-US" altLang="ko-KR" dirty="0">
                 <a:solidFill>
                   <a:srgbClr val="464646"/>
                 </a:solidFill>
@@ -34996,7 +34520,43 @@
               <a:t>, </a:t>
             </a:r>
             <a:r>
-              <a:rPr lang="ko-KR" altLang="en-US" dirty="0" smtClean="0">
+              <a:rPr lang="ko-KR" altLang="en-US" dirty="0">
+                <a:solidFill>
+                  <a:srgbClr val="464646"/>
+                </a:solidFill>
+                <a:latin typeface="+mn-ea"/>
+              </a:rPr>
+              <a:t>도서 신청</a:t>
+            </a:r>
+            <a:r>
+              <a:rPr lang="en-US" altLang="ko-KR" dirty="0">
+                <a:solidFill>
+                  <a:srgbClr val="464646"/>
+                </a:solidFill>
+                <a:latin typeface="+mn-ea"/>
+              </a:rPr>
+              <a:t>, </a:t>
+            </a:r>
+            <a:r>
+              <a:rPr lang="ko-KR" altLang="en-US" dirty="0">
+                <a:solidFill>
+                  <a:srgbClr val="464646"/>
+                </a:solidFill>
+                <a:latin typeface="+mn-ea"/>
+              </a:rPr>
+              <a:t>회원게시판 이용</a:t>
+            </a:r>
+            <a:r>
+              <a:rPr lang="en-US" altLang="ko-KR" dirty="0">
+                <a:solidFill>
+                  <a:srgbClr val="464646"/>
+                </a:solidFill>
+                <a:latin typeface="+mn-ea"/>
+              </a:rPr>
+              <a:t>, </a:t>
+            </a:r>
+            <a:r>
+              <a:rPr lang="ko-KR" altLang="en-US" dirty="0">
                 <a:solidFill>
                   <a:srgbClr val="464646"/>
                 </a:solidFill>
@@ -35004,12 +34564,6 @@
               </a:rPr>
               <a:t>도서추천하기 등을 이용</a:t>
             </a:r>
-            <a:endParaRPr lang="ko-KR" altLang="en-US" dirty="0">
-              <a:solidFill>
-                <a:srgbClr val="464646"/>
-              </a:solidFill>
-              <a:latin typeface="+mn-ea"/>
-            </a:endParaRPr>
           </a:p>
           <a:p>
             <a:pPr marL="285750" indent="-285750">
@@ -35020,12 +34574,12 @@
               <a:buChar char="§"/>
             </a:pPr>
             <a:r>
-              <a:rPr lang="ko-KR" altLang="en-US" dirty="0" smtClean="0">
+              <a:rPr lang="ko-KR" altLang="en-US" dirty="0">
                 <a:latin typeface="+mn-ea"/>
               </a:rPr>
               <a:t>관리자</a:t>
             </a:r>
-            <a:endParaRPr lang="en-US" altLang="ko-KR" dirty="0" smtClean="0">
+            <a:endParaRPr lang="en-US" altLang="ko-KR" dirty="0">
               <a:latin typeface="+mn-ea"/>
             </a:endParaRPr>
           </a:p>
@@ -35038,22 +34592,13 @@
               <a:buChar char="-"/>
             </a:pPr>
             <a:r>
-              <a:rPr lang="ko-KR" altLang="en-US" dirty="0" smtClean="0">
-                <a:solidFill>
-                  <a:srgbClr val="464646"/>
-                </a:solidFill>
-                <a:latin typeface="+mn-ea"/>
-              </a:rPr>
-              <a:t>최고 </a:t>
-            </a:r>
-            <a:r>
               <a:rPr lang="ko-KR" altLang="en-US" dirty="0">
                 <a:solidFill>
                   <a:srgbClr val="464646"/>
                 </a:solidFill>
                 <a:latin typeface="+mn-ea"/>
               </a:rPr>
-              <a:t>관리자를 기본으로 두고</a:t>
+              <a:t>최고 관리자를 기본으로 두고</a:t>
             </a:r>
             <a:r>
               <a:rPr lang="en-US" altLang="ko-KR" dirty="0">
@@ -35071,25 +34616,7 @@
                 </a:solidFill>
                 <a:latin typeface="+mn-ea"/>
               </a:rPr>
-              <a:t>최고 관리자를 통해서 관리자 </a:t>
-            </a:r>
-            <a:r>
-              <a:rPr lang="ko-KR" altLang="en-US" dirty="0" smtClean="0">
-                <a:solidFill>
-                  <a:srgbClr val="464646"/>
-                </a:solidFill>
-                <a:latin typeface="+mn-ea"/>
-              </a:rPr>
-              <a:t>계정 </a:t>
-            </a:r>
-            <a:r>
-              <a:rPr lang="ko-KR" altLang="en-US" dirty="0">
-                <a:solidFill>
-                  <a:srgbClr val="464646"/>
-                </a:solidFill>
-                <a:latin typeface="+mn-ea"/>
-              </a:rPr>
-              <a:t>등록</a:t>
+              <a:t>최고 관리자를 통해서 관리자 계정 등록</a:t>
             </a:r>
             <a:r>
               <a:rPr lang="en-US" altLang="ko-KR" dirty="0">
@@ -35101,7 +34628,7 @@
               <a:t>, </a:t>
             </a:r>
             <a:r>
-              <a:rPr lang="ko-KR" altLang="en-US" dirty="0" smtClean="0">
+              <a:rPr lang="ko-KR" altLang="en-US" dirty="0">
                 <a:solidFill>
                   <a:srgbClr val="464646"/>
                 </a:solidFill>
@@ -35109,7 +34636,7 @@
               </a:rPr>
               <a:t>삭제 </a:t>
             </a:r>
-            <a:endParaRPr lang="en-US" altLang="ko-KR" dirty="0" smtClean="0">
+            <a:endParaRPr lang="en-US" altLang="ko-KR" dirty="0">
               <a:solidFill>
                 <a:srgbClr val="464646"/>
               </a:solidFill>
@@ -35125,31 +34652,13 @@
               <a:buChar char="-"/>
             </a:pPr>
             <a:r>
-              <a:rPr lang="ko-KR" altLang="en-US" dirty="0" smtClean="0">
-                <a:solidFill>
-                  <a:srgbClr val="464646"/>
-                </a:solidFill>
-                <a:latin typeface="+mn-ea"/>
-              </a:rPr>
-              <a:t>관리자는 회</a:t>
-            </a:r>
-            <a:r>
               <a:rPr lang="ko-KR" altLang="en-US" dirty="0">
                 <a:solidFill>
                   <a:srgbClr val="464646"/>
                 </a:solidFill>
                 <a:latin typeface="+mn-ea"/>
               </a:rPr>
-              <a:t>원</a:t>
-            </a:r>
-            <a:r>
-              <a:rPr lang="ko-KR" altLang="en-US" dirty="0" smtClean="0">
-                <a:solidFill>
-                  <a:srgbClr val="464646"/>
-                </a:solidFill>
-                <a:latin typeface="+mn-ea"/>
-              </a:rPr>
-              <a:t>관리</a:t>
+              <a:t>관리자는 회원관리</a:t>
             </a:r>
             <a:r>
               <a:rPr lang="en-US" altLang="ko-KR" dirty="0">
@@ -35161,7 +34670,7 @@
               <a:t>, </a:t>
             </a:r>
             <a:r>
-              <a:rPr lang="ko-KR" altLang="en-US" dirty="0" smtClean="0">
+              <a:rPr lang="ko-KR" altLang="en-US" dirty="0">
                 <a:solidFill>
                   <a:srgbClr val="464646"/>
                 </a:solidFill>
@@ -35170,7 +34679,7 @@
               <a:t>도서등록 및 삭제 등의 관리</a:t>
             </a:r>
             <a:r>
-              <a:rPr lang="en-US" altLang="ko-KR" dirty="0" smtClean="0">
+              <a:rPr lang="en-US" altLang="ko-KR" dirty="0">
                 <a:solidFill>
                   <a:srgbClr val="464646"/>
                 </a:solidFill>
@@ -35179,38 +34688,14 @@
               <a:t>, </a:t>
             </a:r>
             <a:r>
-              <a:rPr lang="ko-KR" altLang="en-US" dirty="0" smtClean="0">
-                <a:solidFill>
-                  <a:srgbClr val="464646"/>
-                </a:solidFill>
-                <a:latin typeface="+mn-ea"/>
-              </a:rPr>
-              <a:t>공지사항 및 회원게시판 관리 </a:t>
-            </a:r>
-            <a:r>
               <a:rPr lang="ko-KR" altLang="en-US" dirty="0">
                 <a:solidFill>
                   <a:srgbClr val="464646"/>
                 </a:solidFill>
                 <a:latin typeface="+mn-ea"/>
               </a:rPr>
-              <a:t>등의 기능을 </a:t>
-            </a:r>
-            <a:r>
-              <a:rPr lang="ko-KR" altLang="en-US" dirty="0" smtClean="0">
-                <a:solidFill>
-                  <a:srgbClr val="464646"/>
-                </a:solidFill>
-                <a:latin typeface="+mn-ea"/>
-              </a:rPr>
-              <a:t>이용</a:t>
-            </a:r>
-            <a:endParaRPr lang="ko-KR" altLang="en-US" dirty="0">
-              <a:solidFill>
-                <a:srgbClr val="464646"/>
-              </a:solidFill>
-              <a:latin typeface="+mn-ea"/>
-            </a:endParaRPr>
+              <a:t>공지사항 및 회원게시판 관리 등의 기능을 이용</a:t>
+            </a:r>
           </a:p>
         </p:txBody>
       </p:sp>
@@ -35252,13 +34737,6 @@
   <p:clrMapOvr>
     <a:masterClrMapping/>
   </p:clrMapOvr>
-  <p:timing>
-    <p:tnLst>
-      <p:par>
-        <p:cTn id="1" dur="indefinite" restart="never" nodeType="tmRoot"/>
-      </p:par>
-    </p:tnLst>
-  </p:timing>
 </p:sld>
 </file>
 
@@ -35786,13 +35264,6 @@
   <p:clrMapOvr>
     <a:masterClrMapping/>
   </p:clrMapOvr>
-  <p:timing>
-    <p:tnLst>
-      <p:par>
-        <p:cTn id="1" dur="indefinite" restart="never" nodeType="tmRoot"/>
-      </p:par>
-    </p:tnLst>
-  </p:timing>
 </p:sld>
 </file>
 
@@ -36135,19 +35606,10 @@
                   </a:solidFill>
                   <a:latin typeface="+mn-ea"/>
                 </a:rPr>
-                <a:t>Windows </a:t>
+                <a:t>Windows 10 </a:t>
               </a:r>
               <a:r>
-                <a:rPr kumimoji="0" lang="en-US" altLang="ko-KR" sz="1200" smtClean="0">
-                  <a:solidFill>
-                    <a:srgbClr val="3F3F48"/>
-                  </a:solidFill>
-                  <a:latin typeface="+mn-ea"/>
-                </a:rPr>
-                <a:t>10 </a:t>
-              </a:r>
-              <a:r>
-                <a:rPr lang="en-US" altLang="ko-KR" sz="1200" smtClean="0">
+                <a:rPr lang="en-US" altLang="ko-KR" sz="1200">
                   <a:solidFill>
                     <a:srgbClr val="3F3F48"/>
                   </a:solidFill>
@@ -36176,9 +35638,9 @@
         <p:grpSpPr bwMode="auto">
           <a:xfrm>
             <a:off x="841378" y="1267422"/>
-            <a:ext cx="7345363" cy="323850"/>
+            <a:ext cx="7331073" cy="323850"/>
             <a:chOff x="841375" y="1704181"/>
-            <a:chExt cx="7344730" cy="432000"/>
+            <a:chExt cx="7330441" cy="432000"/>
           </a:xfrm>
           <a:solidFill>
             <a:srgbClr val="CDC1B6"/>
@@ -36344,7 +35806,7 @@
           </p:nvSpPr>
           <p:spPr>
             <a:xfrm>
-              <a:off x="2066819" y="1704181"/>
+              <a:off x="2052530" y="1704181"/>
               <a:ext cx="6119286" cy="432000"/>
             </a:xfrm>
             <a:prstGeom prst="rect">
@@ -36487,32 +35949,8 @@
                   </a:solidFill>
                   <a:latin typeface="+mn-ea"/>
                 </a:rPr>
-                <a:t>Apache </a:t>
+                <a:t>Apache Tomcat 9.0.71</a:t>
               </a:r>
-              <a:r>
-                <a:rPr kumimoji="0" lang="en-US" altLang="ko-KR" sz="1200">
-                  <a:solidFill>
-                    <a:srgbClr val="3F3F48"/>
-                  </a:solidFill>
-                  <a:latin typeface="+mn-ea"/>
-                </a:rPr>
-                <a:t>Tomcat </a:t>
-              </a:r>
-              <a:r>
-                <a:rPr kumimoji="0" lang="en-US" altLang="ko-KR" sz="1200" smtClean="0">
-                  <a:solidFill>
-                    <a:srgbClr val="3F3F48"/>
-                  </a:solidFill>
-                  <a:latin typeface="+mn-ea"/>
-                </a:rPr>
-                <a:t>9.0.71</a:t>
-              </a:r>
-              <a:endParaRPr kumimoji="0" lang="en-US" altLang="ko-KR" sz="1200" dirty="0">
-                <a:solidFill>
-                  <a:srgbClr val="3F3F48"/>
-                </a:solidFill>
-                <a:latin typeface="+mn-ea"/>
-              </a:endParaRPr>
             </a:p>
           </p:txBody>
         </p:sp>
@@ -36855,7 +36293,7 @@
         </p:nvGrpSpPr>
         <p:grpSpPr bwMode="auto">
           <a:xfrm>
-            <a:off x="827088" y="2116337"/>
+            <a:off x="827088" y="2115742"/>
             <a:ext cx="7345362" cy="325041"/>
             <a:chOff x="827088" y="2964656"/>
             <a:chExt cx="7344730" cy="432000"/>
@@ -37856,23 +37294,8 @@
                   </a:solidFill>
                   <a:latin typeface="+mn-ea"/>
                 </a:rPr>
-                <a:t>MVC model </a:t>
+                <a:t>MVC model (model 2)</a:t>
               </a:r>
-              <a:r>
-                <a:rPr kumimoji="0" lang="en-US" altLang="ko-KR" sz="1200">
-                  <a:solidFill>
-                    <a:srgbClr val="3F3F48"/>
-                  </a:solidFill>
-                  <a:latin typeface="+mn-ea"/>
-                </a:rPr>
-                <a:t>(model 2)</a:t>
-              </a:r>
-              <a:endParaRPr kumimoji="0" lang="en-US" altLang="ko-KR" sz="1200" dirty="0">
-                <a:solidFill>
-                  <a:srgbClr val="3F3F48"/>
-                </a:solidFill>
-                <a:latin typeface="+mn-ea"/>
-              </a:endParaRPr>
             </a:p>
           </p:txBody>
         </p:sp>
@@ -38050,43 +37473,16 @@
                   </a:solidFill>
                   <a:latin typeface="+mn-ea"/>
                 </a:rPr>
-                <a:t>JavaScript </a:t>
+                <a:t>JavaScript jquery-3.4.1,   jquery-ui-1.12.1,</a:t>
               </a:r>
               <a:r>
-                <a:rPr kumimoji="0" lang="en-US" altLang="ko-KR" sz="1200" dirty="0" smtClean="0">
+                <a:rPr lang="en-US" altLang="ko-KR" sz="1200" dirty="0">
                   <a:solidFill>
                     <a:srgbClr val="3F3F48"/>
                   </a:solidFill>
                   <a:latin typeface="+mn-ea"/>
                 </a:rPr>
-                <a:t>jquery-3.4.1,   jquery-ui-1.12.1</a:t>
-              </a:r>
-              <a:r>
-                <a:rPr kumimoji="0" lang="en-US" altLang="ko-KR" sz="1200" smtClean="0">
-                  <a:solidFill>
-                    <a:srgbClr val="3F3F48"/>
-                  </a:solidFill>
-                  <a:latin typeface="+mn-ea"/>
-                </a:rPr>
-                <a:t>,</a:t>
-              </a:r>
-              <a:r>
-                <a:rPr lang="en-US" altLang="ko-KR" sz="1200" smtClean="0">
-                  <a:solidFill>
-                    <a:srgbClr val="3F3F48"/>
-                  </a:solidFill>
-                  <a:latin typeface="+mn-ea"/>
-                </a:rPr>
-                <a:t> </a:t>
-              </a:r>
-              <a:r>
-                <a:rPr lang="en-US" altLang="ko-KR" sz="1200" smtClean="0">
-                  <a:solidFill>
-                    <a:srgbClr val="3F3F48"/>
-                  </a:solidFill>
-                  <a:latin typeface="+mn-ea"/>
-                </a:rPr>
-                <a:t>cos-26Dec2008, React,</a:t>
+                <a:t> cos-26Dec2008, React,</a:t>
               </a:r>
               <a:endParaRPr kumimoji="0" lang="en-US" altLang="ko-KR" sz="1200" dirty="0">
                 <a:solidFill>
@@ -38280,7 +37676,7 @@
         </p:nvGrpSpPr>
         <p:grpSpPr bwMode="auto">
           <a:xfrm>
-            <a:off x="827088" y="3390306"/>
+            <a:off x="827088" y="3391346"/>
             <a:ext cx="7345362" cy="325041"/>
             <a:chOff x="827088" y="4800600"/>
             <a:chExt cx="7344730" cy="432000"/>
@@ -38592,16 +37988,7 @@
                   </a:solidFill>
                   <a:latin typeface="+mn-ea"/>
                 </a:rPr>
-                <a:t>Eclipse IDE for Enterprise Java </a:t>
-              </a:r>
-              <a:r>
-                <a:rPr lang="en-US" altLang="ko-KR" sz="1200" dirty="0" smtClean="0">
-                  <a:solidFill>
-                    <a:srgbClr val="3F3F48"/>
-                  </a:solidFill>
-                  <a:latin typeface="+mn-ea"/>
-                </a:rPr>
-                <a:t>Developers, </a:t>
+                <a:t>Eclipse IDE for Enterprise Java Developers, </a:t>
               </a:r>
               <a:r>
                 <a:rPr kumimoji="0" lang="en-US" altLang="ko-KR" sz="1200" dirty="0" err="1">
@@ -38737,13 +38124,6 @@
   <p:clrMapOvr>
     <a:masterClrMapping/>
   </p:clrMapOvr>
-  <p:timing>
-    <p:tnLst>
-      <p:par>
-        <p:cTn id="1" dur="indefinite" restart="never" nodeType="tmRoot"/>
-      </p:par>
-    </p:tnLst>
-  </p:timing>
 </p:sld>
 </file>
 
@@ -38811,7 +38191,7 @@
           <a:lstStyle/>
           <a:p>
             <a:r>
-              <a:rPr lang="en-US" altLang="ko-KR" b="1" dirty="0" smtClean="0">
+              <a:rPr lang="en-US" altLang="ko-KR" b="1" dirty="0">
                 <a:solidFill>
                   <a:srgbClr val="756B5F"/>
                 </a:solidFill>
@@ -38819,20 +38199,12 @@
               <a:t>3.  </a:t>
             </a:r>
             <a:r>
-              <a:rPr lang="ko-KR" altLang="en-US" b="1" dirty="0" smtClean="0">
-                <a:solidFill>
-                  <a:srgbClr val="756B5F"/>
-                </a:solidFill>
-              </a:rPr>
-              <a:t>작업분할구조</a:t>
-            </a:r>
-            <a:r>
               <a:rPr lang="ko-KR" altLang="en-US" b="1" dirty="0">
                 <a:solidFill>
                   <a:srgbClr val="756B5F"/>
                 </a:solidFill>
               </a:rPr>
-              <a:t>도</a:t>
+              <a:t>작업분할구조도</a:t>
             </a:r>
           </a:p>
         </p:txBody>
@@ -38860,7 +38232,7 @@
           <a:lstStyle/>
           <a:p>
             <a:r>
-              <a:rPr lang="en-US" altLang="ko-KR" sz="1200" b="1" dirty="0" smtClean="0">
+              <a:rPr lang="en-US" altLang="ko-KR" sz="1200" b="1" dirty="0">
                 <a:solidFill>
                   <a:srgbClr val="756B5F"/>
                 </a:solidFill>
@@ -38868,7 +38240,7 @@
               <a:t>(</a:t>
             </a:r>
             <a:r>
-              <a:rPr lang="ko-KR" altLang="en-US" sz="1200" b="1" dirty="0" smtClean="0">
+              <a:rPr lang="ko-KR" altLang="en-US" sz="1200" b="1" dirty="0">
                 <a:solidFill>
                   <a:srgbClr val="756B5F"/>
                 </a:solidFill>
@@ -38876,7 +38248,7 @@
               <a:t>사용자 모드 측 </a:t>
             </a:r>
             <a:r>
-              <a:rPr lang="en-US" altLang="ko-KR" sz="1200" b="1" dirty="0" smtClean="0">
+              <a:rPr lang="en-US" altLang="ko-KR" sz="1200" b="1" dirty="0">
                 <a:solidFill>
                   <a:srgbClr val="756B5F"/>
                 </a:solidFill>
@@ -38941,10 +38313,10 @@
           <a:p>
             <a:pPr algn="ctr"/>
             <a:r>
-              <a:rPr lang="en-US" altLang="ko-KR" sz="1000" b="1" dirty="0" smtClean="0"/>
+              <a:rPr lang="en-US" altLang="ko-KR" sz="1000" b="1" dirty="0"/>
               <a:t>LAS*</a:t>
             </a:r>
-            <a:endParaRPr lang="ko-KR" altLang="en-US" sz="1000" b="1" dirty="0" smtClean="0"/>
+            <a:endParaRPr lang="ko-KR" altLang="en-US" sz="1000" b="1" dirty="0"/>
           </a:p>
         </p:txBody>
       </p:sp>
@@ -38999,11 +38371,7 @@
             <a:pPr algn="ctr"/>
             <a:r>
               <a:rPr lang="ko-KR" altLang="en-US" sz="1000" b="1" dirty="0"/>
-              <a:t>사</a:t>
-            </a:r>
-            <a:r>
-              <a:rPr lang="ko-KR" altLang="en-US" sz="1000" b="1" dirty="0" smtClean="0"/>
-              <a:t>용자</a:t>
+              <a:t>사용자</a:t>
             </a:r>
           </a:p>
         </p:txBody>
@@ -39058,7 +38426,7 @@
           <a:p>
             <a:pPr algn="ctr"/>
             <a:r>
-              <a:rPr lang="ko-KR" altLang="en-US" sz="1000" b="1" dirty="0" smtClean="0"/>
+              <a:rPr lang="ko-KR" altLang="en-US" sz="1000" b="1" dirty="0"/>
               <a:t>관리자</a:t>
             </a:r>
           </a:p>
@@ -39114,15 +38482,15 @@
           <a:p>
             <a:pPr algn="ctr"/>
             <a:r>
-              <a:rPr lang="ko-KR" altLang="en-US" sz="1000" b="1" dirty="0" smtClean="0"/>
+              <a:rPr lang="ko-KR" altLang="en-US" sz="1000" b="1" dirty="0"/>
               <a:t>자유</a:t>
             </a:r>
-            <a:endParaRPr lang="en-US" altLang="ko-KR" sz="1000" b="1" dirty="0" smtClean="0"/>
+            <a:endParaRPr lang="en-US" altLang="ko-KR" sz="1000" b="1" dirty="0"/>
           </a:p>
           <a:p>
             <a:pPr algn="ctr"/>
             <a:r>
-              <a:rPr lang="ko-KR" altLang="en-US" sz="1000" b="1" dirty="0" smtClean="0"/>
+              <a:rPr lang="ko-KR" altLang="en-US" sz="1000" b="1" dirty="0"/>
               <a:t>게시판</a:t>
             </a:r>
           </a:p>
@@ -39178,15 +38546,15 @@
           <a:p>
             <a:pPr algn="ctr"/>
             <a:r>
-              <a:rPr lang="ko-KR" altLang="en-US" sz="1000" b="1" dirty="0" smtClean="0"/>
+              <a:rPr lang="ko-KR" altLang="en-US" sz="1000" b="1" dirty="0"/>
               <a:t>회원</a:t>
             </a:r>
-            <a:endParaRPr lang="en-US" altLang="ko-KR" sz="1000" b="1" dirty="0" smtClean="0"/>
+            <a:endParaRPr lang="en-US" altLang="ko-KR" sz="1000" b="1" dirty="0"/>
           </a:p>
           <a:p>
             <a:pPr algn="ctr"/>
             <a:r>
-              <a:rPr lang="ko-KR" altLang="en-US" sz="1000" b="1" dirty="0" smtClean="0"/>
+              <a:rPr lang="ko-KR" altLang="en-US" sz="1000" b="1" dirty="0"/>
               <a:t>관리</a:t>
             </a:r>
           </a:p>
@@ -39242,10 +38610,10 @@
           <a:p>
             <a:pPr algn="ctr"/>
             <a:r>
-              <a:rPr lang="ko-KR" altLang="en-US" sz="1000" b="1" dirty="0" err="1" smtClean="0"/>
+              <a:rPr lang="ko-KR" altLang="en-US" sz="1000" b="1" dirty="0" err="1"/>
               <a:t>나의서재</a:t>
             </a:r>
-            <a:endParaRPr lang="ko-KR" altLang="en-US" sz="1000" b="1" dirty="0" smtClean="0"/>
+            <a:endParaRPr lang="ko-KR" altLang="en-US" sz="1000" b="1" dirty="0"/>
           </a:p>
         </p:txBody>
       </p:sp>
@@ -39299,7 +38667,7 @@
           <a:p>
             <a:pPr algn="ctr"/>
             <a:r>
-              <a:rPr lang="ko-KR" altLang="en-US" sz="1000" b="1" dirty="0" smtClean="0"/>
+              <a:rPr lang="ko-KR" altLang="en-US" sz="1000" b="1" dirty="0"/>
               <a:t>도서검색</a:t>
             </a:r>
           </a:p>
@@ -39355,7 +38723,7 @@
           <a:p>
             <a:pPr algn="ctr"/>
             <a:r>
-              <a:rPr lang="ko-KR" altLang="en-US" sz="1000" b="1" dirty="0" smtClean="0"/>
+              <a:rPr lang="ko-KR" altLang="en-US" sz="1000" b="1" dirty="0"/>
               <a:t>도서신청</a:t>
             </a:r>
           </a:p>
@@ -39411,7 +38779,7 @@
           <a:p>
             <a:pPr algn="ctr"/>
             <a:r>
-              <a:rPr lang="ko-KR" altLang="en-US" sz="1000" b="1" dirty="0" smtClean="0"/>
+              <a:rPr lang="ko-KR" altLang="en-US" sz="1000" b="1" dirty="0"/>
               <a:t>자리예약</a:t>
             </a:r>
           </a:p>
@@ -39467,14 +38835,14 @@
           <a:p>
             <a:pPr algn="ctr"/>
             <a:r>
-              <a:rPr lang="ko-KR" altLang="en-US" sz="1000" b="1" dirty="0" err="1" smtClean="0">
+              <a:rPr lang="ko-KR" altLang="en-US" sz="1000" b="1" dirty="0" err="1">
                 <a:solidFill>
                   <a:schemeClr val="tx1"/>
                 </a:solidFill>
               </a:rPr>
               <a:t>글작성</a:t>
             </a:r>
-            <a:endParaRPr lang="ko-KR" altLang="en-US" sz="1000" b="1" dirty="0" smtClean="0">
+            <a:endParaRPr lang="ko-KR" altLang="en-US" sz="1000" b="1" dirty="0">
               <a:solidFill>
                 <a:schemeClr val="tx1"/>
               </a:solidFill>
@@ -39532,7 +38900,7 @@
           <a:p>
             <a:pPr algn="ctr"/>
             <a:r>
-              <a:rPr lang="ko-KR" altLang="en-US" sz="1000" b="1" dirty="0" smtClean="0">
+              <a:rPr lang="ko-KR" altLang="en-US" sz="1000" b="1" dirty="0">
                 <a:solidFill>
                   <a:schemeClr val="tx1"/>
                 </a:solidFill>
@@ -39592,14 +38960,14 @@
           <a:p>
             <a:pPr algn="ctr"/>
             <a:r>
-              <a:rPr lang="ko-KR" altLang="en-US" sz="1000" b="1" smtClean="0">
+              <a:rPr lang="ko-KR" altLang="en-US" sz="1000" b="1">
                 <a:solidFill>
                   <a:schemeClr val="tx1"/>
                 </a:solidFill>
               </a:rPr>
               <a:t>예약현황</a:t>
             </a:r>
-            <a:endParaRPr lang="ko-KR" altLang="en-US" sz="1000" b="1" dirty="0" smtClean="0">
+            <a:endParaRPr lang="ko-KR" altLang="en-US" sz="1000" b="1" dirty="0">
               <a:solidFill>
                 <a:schemeClr val="tx1"/>
               </a:solidFill>
@@ -39657,14 +39025,14 @@
           <a:p>
             <a:pPr algn="ctr"/>
             <a:r>
-              <a:rPr lang="ko-KR" altLang="en-US" sz="1000" b="1" smtClean="0">
+              <a:rPr lang="ko-KR" altLang="en-US" sz="1000" b="1">
                 <a:solidFill>
                   <a:schemeClr val="tx1"/>
                 </a:solidFill>
               </a:rPr>
               <a:t>일반검색</a:t>
             </a:r>
-            <a:endParaRPr lang="ko-KR" altLang="en-US" sz="1000" b="1" dirty="0" smtClean="0">
+            <a:endParaRPr lang="ko-KR" altLang="en-US" sz="1000" b="1" dirty="0">
               <a:solidFill>
                 <a:schemeClr val="tx1"/>
               </a:solidFill>
@@ -39722,14 +39090,14 @@
           <a:p>
             <a:pPr algn="ctr"/>
             <a:r>
-              <a:rPr lang="ko-KR" altLang="en-US" sz="1000" b="1" dirty="0" err="1" smtClean="0">
+              <a:rPr lang="ko-KR" altLang="en-US" sz="1000" b="1" dirty="0" err="1">
                 <a:solidFill>
                   <a:schemeClr val="tx1"/>
                 </a:solidFill>
               </a:rPr>
               <a:t>글보기</a:t>
             </a:r>
-            <a:endParaRPr lang="ko-KR" altLang="en-US" sz="1000" b="1" dirty="0" smtClean="0">
+            <a:endParaRPr lang="ko-KR" altLang="en-US" sz="1000" b="1" dirty="0">
               <a:solidFill>
                 <a:schemeClr val="tx1"/>
               </a:solidFill>
@@ -39787,7 +39155,7 @@
           <a:p>
             <a:pPr algn="ctr"/>
             <a:r>
-              <a:rPr lang="ko-KR" altLang="en-US" sz="1000" b="1" dirty="0" smtClean="0">
+              <a:rPr lang="ko-KR" altLang="en-US" sz="1000" b="1" dirty="0">
                 <a:solidFill>
                   <a:schemeClr val="tx1"/>
                 </a:solidFill>
@@ -39847,7 +39215,7 @@
           <a:p>
             <a:pPr algn="ctr"/>
             <a:r>
-              <a:rPr lang="ko-KR" altLang="en-US" sz="1000" b="1" dirty="0" smtClean="0">
+              <a:rPr lang="ko-KR" altLang="en-US" sz="1000" b="1" dirty="0">
                 <a:solidFill>
                   <a:schemeClr val="tx1"/>
                 </a:solidFill>
@@ -39907,7 +39275,7 @@
           <a:p>
             <a:pPr algn="ctr"/>
             <a:r>
-              <a:rPr lang="ko-KR" altLang="en-US" sz="1000" b="1" dirty="0" smtClean="0">
+              <a:rPr lang="ko-KR" altLang="en-US" sz="1000" b="1" dirty="0">
                 <a:solidFill>
                   <a:schemeClr val="tx1"/>
                 </a:solidFill>
@@ -39967,7 +39335,7 @@
           <a:p>
             <a:pPr algn="ctr"/>
             <a:r>
-              <a:rPr lang="ko-KR" altLang="en-US" sz="1000" b="1" dirty="0" smtClean="0">
+              <a:rPr lang="ko-KR" altLang="en-US" sz="1000" b="1" dirty="0">
                 <a:solidFill>
                   <a:schemeClr val="tx1"/>
                 </a:solidFill>
@@ -40027,7 +39395,7 @@
           <a:p>
             <a:pPr algn="ctr"/>
             <a:r>
-              <a:rPr lang="ko-KR" altLang="en-US" sz="1000" b="1" dirty="0" smtClean="0">
+              <a:rPr lang="ko-KR" altLang="en-US" sz="1000" b="1" dirty="0">
                 <a:solidFill>
                   <a:schemeClr val="tx1"/>
                 </a:solidFill>
@@ -40087,14 +39455,14 @@
           <a:p>
             <a:pPr algn="ctr"/>
             <a:r>
-              <a:rPr lang="ko-KR" altLang="en-US" sz="1000" b="1" dirty="0" err="1" smtClean="0">
+              <a:rPr lang="ko-KR" altLang="en-US" sz="1000" b="1" dirty="0" err="1">
                 <a:solidFill>
                   <a:schemeClr val="tx1"/>
                 </a:solidFill>
               </a:rPr>
               <a:t>글수정</a:t>
             </a:r>
-            <a:endParaRPr lang="ko-KR" altLang="en-US" sz="1000" b="1" dirty="0" smtClean="0">
+            <a:endParaRPr lang="ko-KR" altLang="en-US" sz="1000" b="1" dirty="0">
               <a:solidFill>
                 <a:schemeClr val="tx1"/>
               </a:solidFill>
@@ -40152,14 +39520,14 @@
           <a:p>
             <a:pPr algn="ctr"/>
             <a:r>
-              <a:rPr lang="ko-KR" altLang="en-US" sz="1000" b="1" dirty="0" err="1" smtClean="0">
+              <a:rPr lang="ko-KR" altLang="en-US" sz="1000" b="1" dirty="0" err="1">
                 <a:solidFill>
                   <a:schemeClr val="tx1"/>
                 </a:solidFill>
               </a:rPr>
               <a:t>글삭제</a:t>
             </a:r>
-            <a:endParaRPr lang="ko-KR" altLang="en-US" sz="1000" b="1" dirty="0" smtClean="0">
+            <a:endParaRPr lang="ko-KR" altLang="en-US" sz="1000" b="1" dirty="0">
               <a:solidFill>
                 <a:schemeClr val="tx1"/>
               </a:solidFill>
@@ -40217,14 +39585,14 @@
           <a:p>
             <a:pPr algn="ctr"/>
             <a:r>
-              <a:rPr lang="ko-KR" altLang="en-US" sz="1000" b="1" dirty="0" err="1" smtClean="0">
+              <a:rPr lang="ko-KR" altLang="en-US" sz="1000" b="1" dirty="0" err="1">
                 <a:solidFill>
                   <a:schemeClr val="tx1"/>
                 </a:solidFill>
               </a:rPr>
               <a:t>답변글</a:t>
             </a:r>
-            <a:endParaRPr lang="ko-KR" altLang="en-US" sz="1000" b="1" dirty="0" smtClean="0">
+            <a:endParaRPr lang="ko-KR" altLang="en-US" sz="1000" b="1" dirty="0">
               <a:solidFill>
                 <a:schemeClr val="tx1"/>
               </a:solidFill>
@@ -40282,26 +39650,13 @@
           <a:p>
             <a:pPr algn="ctr"/>
             <a:r>
-              <a:rPr lang="ko-KR" altLang="en-US" sz="1000" b="1" dirty="0" smtClean="0">
-                <a:solidFill>
-                  <a:schemeClr val="tx1"/>
-                </a:solidFill>
-              </a:rPr>
-              <a:t>신청작</a:t>
-            </a:r>
-            <a:r>
               <a:rPr lang="ko-KR" altLang="en-US" sz="1000" b="1" dirty="0">
                 <a:solidFill>
                   <a:schemeClr val="tx1"/>
                 </a:solidFill>
               </a:rPr>
-              <a:t>성</a:t>
-            </a:r>
-            <a:endParaRPr lang="ko-KR" altLang="en-US" sz="1000" b="1" dirty="0" smtClean="0">
-              <a:solidFill>
-                <a:schemeClr val="tx1"/>
-              </a:solidFill>
-            </a:endParaRPr>
+              <a:t>신청작성</a:t>
+            </a:r>
           </a:p>
         </p:txBody>
       </p:sp>
@@ -40355,28 +39710,12 @@
           <a:p>
             <a:pPr algn="ctr"/>
             <a:r>
-              <a:rPr lang="ko-KR" altLang="en-US" sz="1000" b="1" dirty="0" smtClean="0">
-                <a:solidFill>
-                  <a:schemeClr val="tx1"/>
-                </a:solidFill>
-              </a:rPr>
-              <a:t>신</a:t>
-            </a:r>
-            <a:r>
               <a:rPr lang="ko-KR" altLang="en-US" sz="1000" b="1" dirty="0">
                 <a:solidFill>
                   <a:schemeClr val="tx1"/>
                 </a:solidFill>
               </a:rPr>
-              <a:t>청</a:t>
-            </a:r>
-            <a:r>
-              <a:rPr lang="ko-KR" altLang="en-US" sz="1000" b="1" dirty="0" smtClean="0">
-                <a:solidFill>
-                  <a:schemeClr val="tx1"/>
-                </a:solidFill>
-              </a:rPr>
-              <a:t>보기</a:t>
+              <a:t>신청보기</a:t>
             </a:r>
           </a:p>
         </p:txBody>
@@ -40431,28 +39770,12 @@
           <a:p>
             <a:pPr algn="ctr"/>
             <a:r>
-              <a:rPr lang="ko-KR" altLang="en-US" sz="1000" b="1" dirty="0" smtClean="0">
-                <a:solidFill>
-                  <a:schemeClr val="tx1"/>
-                </a:solidFill>
-              </a:rPr>
-              <a:t>신</a:t>
-            </a:r>
-            <a:r>
               <a:rPr lang="ko-KR" altLang="en-US" sz="1000" b="1" dirty="0">
                 <a:solidFill>
                   <a:schemeClr val="tx1"/>
                 </a:solidFill>
               </a:rPr>
-              <a:t>청</a:t>
-            </a:r>
-            <a:r>
-              <a:rPr lang="ko-KR" altLang="en-US" sz="1000" b="1" dirty="0" smtClean="0">
-                <a:solidFill>
-                  <a:schemeClr val="tx1"/>
-                </a:solidFill>
-              </a:rPr>
-              <a:t>수정</a:t>
+              <a:t>신청수정</a:t>
             </a:r>
           </a:p>
         </p:txBody>
@@ -40507,28 +39830,12 @@
           <a:p>
             <a:pPr algn="ctr"/>
             <a:r>
-              <a:rPr lang="ko-KR" altLang="en-US" sz="1000" b="1" dirty="0" smtClean="0">
-                <a:solidFill>
-                  <a:schemeClr val="tx1"/>
-                </a:solidFill>
-              </a:rPr>
-              <a:t>신</a:t>
-            </a:r>
-            <a:r>
               <a:rPr lang="ko-KR" altLang="en-US" sz="1000" b="1" dirty="0">
                 <a:solidFill>
                   <a:schemeClr val="tx1"/>
                 </a:solidFill>
               </a:rPr>
-              <a:t>청</a:t>
-            </a:r>
-            <a:r>
-              <a:rPr lang="ko-KR" altLang="en-US" sz="1000" b="1" dirty="0" smtClean="0">
-                <a:solidFill>
-                  <a:schemeClr val="tx1"/>
-                </a:solidFill>
-              </a:rPr>
-              <a:t>삭제</a:t>
+              <a:t>신청삭제</a:t>
             </a:r>
           </a:p>
         </p:txBody>
@@ -40583,14 +39890,14 @@
           <a:p>
             <a:pPr algn="ctr"/>
             <a:r>
-              <a:rPr lang="ko-KR" altLang="en-US" sz="1000" b="1" dirty="0" err="1" smtClean="0">
+              <a:rPr lang="ko-KR" altLang="en-US" sz="1000" b="1" dirty="0" err="1">
                 <a:solidFill>
                   <a:schemeClr val="tx1"/>
                 </a:solidFill>
               </a:rPr>
               <a:t>답변글</a:t>
             </a:r>
-            <a:endParaRPr lang="ko-KR" altLang="en-US" sz="1000" b="1" dirty="0" smtClean="0">
+            <a:endParaRPr lang="ko-KR" altLang="en-US" sz="1000" b="1" dirty="0">
               <a:solidFill>
                 <a:schemeClr val="tx1"/>
               </a:solidFill>
@@ -40648,14 +39955,14 @@
           <a:p>
             <a:pPr algn="ctr"/>
             <a:r>
-              <a:rPr lang="ko-KR" altLang="en-US" sz="1000" b="1" dirty="0" err="1" smtClean="0">
+              <a:rPr lang="ko-KR" altLang="en-US" sz="1000" b="1" dirty="0" err="1">
                 <a:solidFill>
                   <a:schemeClr val="tx1"/>
                 </a:solidFill>
               </a:rPr>
               <a:t>한줄평</a:t>
             </a:r>
-            <a:endParaRPr lang="ko-KR" altLang="en-US" sz="1000" b="1" dirty="0" smtClean="0">
+            <a:endParaRPr lang="ko-KR" altLang="en-US" sz="1000" b="1" dirty="0">
               <a:solidFill>
                 <a:schemeClr val="tx1"/>
               </a:solidFill>
@@ -40713,18 +40020,18 @@
           <a:p>
             <a:pPr algn="ctr"/>
             <a:r>
-              <a:rPr lang="ko-KR" altLang="en-US" sz="1000" b="1" dirty="0" smtClean="0"/>
+              <a:rPr lang="ko-KR" altLang="en-US" sz="1000" b="1" dirty="0"/>
               <a:t>로그인</a:t>
             </a:r>
             <a:r>
-              <a:rPr lang="en-US" altLang="ko-KR" sz="1000" b="1" dirty="0" smtClean="0"/>
+              <a:rPr lang="en-US" altLang="ko-KR" sz="1000" b="1" dirty="0"/>
               <a:t>/</a:t>
             </a:r>
           </a:p>
           <a:p>
             <a:pPr algn="ctr"/>
             <a:r>
-              <a:rPr lang="ko-KR" altLang="en-US" sz="1000" b="1" dirty="0" smtClean="0"/>
+              <a:rPr lang="ko-KR" altLang="en-US" sz="1000" b="1" dirty="0"/>
               <a:t>로그아웃</a:t>
             </a:r>
           </a:p>
@@ -41830,13 +41137,6 @@
   <p:clrMapOvr>
     <a:masterClrMapping/>
   </p:clrMapOvr>
-  <p:timing>
-    <p:tnLst>
-      <p:par>
-        <p:cTn id="1" dur="indefinite" restart="never" nodeType="tmRoot"/>
-      </p:par>
-    </p:tnLst>
-  </p:timing>
 </p:sld>
 </file>
 
@@ -41904,7 +41204,7 @@
           <a:lstStyle/>
           <a:p>
             <a:r>
-              <a:rPr lang="en-US" altLang="ko-KR" b="1" dirty="0" smtClean="0">
+              <a:rPr lang="en-US" altLang="ko-KR" b="1" dirty="0">
                 <a:solidFill>
                   <a:srgbClr val="756B5F"/>
                 </a:solidFill>
@@ -41912,20 +41212,12 @@
               <a:t>3.  </a:t>
             </a:r>
             <a:r>
-              <a:rPr lang="ko-KR" altLang="en-US" b="1" dirty="0" smtClean="0">
-                <a:solidFill>
-                  <a:srgbClr val="756B5F"/>
-                </a:solidFill>
-              </a:rPr>
-              <a:t>작업분할구조</a:t>
-            </a:r>
-            <a:r>
               <a:rPr lang="ko-KR" altLang="en-US" b="1" dirty="0">
                 <a:solidFill>
                   <a:srgbClr val="756B5F"/>
                 </a:solidFill>
               </a:rPr>
-              <a:t>도</a:t>
+              <a:t>작업분할구조도</a:t>
             </a:r>
           </a:p>
         </p:txBody>
@@ -41953,7 +41245,7 @@
           <a:lstStyle/>
           <a:p>
             <a:r>
-              <a:rPr lang="en-US" altLang="ko-KR" sz="1200" b="1" dirty="0" smtClean="0">
+              <a:rPr lang="en-US" altLang="ko-KR" sz="1200" b="1" dirty="0">
                 <a:solidFill>
                   <a:srgbClr val="756B5F"/>
                 </a:solidFill>
@@ -41961,7 +41253,7 @@
               <a:t>(</a:t>
             </a:r>
             <a:r>
-              <a:rPr lang="ko-KR" altLang="en-US" sz="1200" b="1" dirty="0" smtClean="0">
+              <a:rPr lang="ko-KR" altLang="en-US" sz="1200" b="1" dirty="0">
                 <a:solidFill>
                   <a:srgbClr val="756B5F"/>
                 </a:solidFill>
@@ -41969,7 +41261,7 @@
               <a:t>관리자 모드 측 </a:t>
             </a:r>
             <a:r>
-              <a:rPr lang="en-US" altLang="ko-KR" sz="1200" b="1" dirty="0" smtClean="0">
+              <a:rPr lang="en-US" altLang="ko-KR" sz="1200" b="1" dirty="0">
                 <a:solidFill>
                   <a:srgbClr val="756B5F"/>
                 </a:solidFill>
@@ -42034,7 +41326,7 @@
           <a:p>
             <a:pPr algn="ctr"/>
             <a:r>
-              <a:rPr lang="en-US" altLang="ko-KR" sz="1000" b="1" dirty="0" smtClean="0"/>
+              <a:rPr lang="en-US" altLang="ko-KR" sz="1000" b="1" dirty="0"/>
               <a:t>LAS*</a:t>
             </a:r>
             <a:endParaRPr lang="ko-KR" altLang="en-US" sz="1000" b="1" dirty="0"/>
@@ -42091,14 +41383,9 @@
           <a:p>
             <a:pPr algn="ctr"/>
             <a:r>
-              <a:rPr lang="ko-KR" altLang="en-US" sz="1000" b="1" dirty="0" smtClean="0"/>
-              <a:t>이용</a:t>
-            </a:r>
-            <a:r>
               <a:rPr lang="ko-KR" altLang="en-US" sz="1000" b="1" dirty="0"/>
-              <a:t>자</a:t>
-            </a:r>
-            <a:endParaRPr lang="ko-KR" altLang="en-US" sz="1000" b="1" dirty="0" smtClean="0"/>
+              <a:t>이용자</a:t>
+            </a:r>
           </a:p>
         </p:txBody>
       </p:sp>
@@ -42152,7 +41439,7 @@
           <a:p>
             <a:pPr algn="ctr"/>
             <a:r>
-              <a:rPr lang="ko-KR" altLang="en-US" sz="1000" b="1" dirty="0" smtClean="0"/>
+              <a:rPr lang="ko-KR" altLang="en-US" sz="1000" b="1" dirty="0"/>
               <a:t>관리자</a:t>
             </a:r>
           </a:p>
@@ -42208,7 +41495,7 @@
           <a:p>
             <a:pPr algn="ctr"/>
             <a:r>
-              <a:rPr lang="ko-KR" altLang="en-US" sz="1000" b="1" dirty="0" smtClean="0"/>
+              <a:rPr lang="ko-KR" altLang="en-US" sz="1000" b="1" dirty="0"/>
               <a:t>공지사항</a:t>
             </a:r>
           </a:p>
@@ -42264,7 +41551,7 @@
           <a:p>
             <a:pPr algn="ctr"/>
             <a:r>
-              <a:rPr lang="ko-KR" altLang="en-US" sz="1000" b="1" dirty="0" smtClean="0"/>
+              <a:rPr lang="ko-KR" altLang="en-US" sz="1000" b="1" dirty="0"/>
               <a:t>관리자관리</a:t>
             </a:r>
           </a:p>
@@ -42320,22 +41607,17 @@
           <a:p>
             <a:pPr algn="ctr"/>
             <a:r>
-              <a:rPr lang="ko-KR" altLang="en-US" sz="1000" b="1" dirty="0" smtClean="0"/>
+              <a:rPr lang="ko-KR" altLang="en-US" sz="1000" b="1" dirty="0"/>
               <a:t>회원</a:t>
             </a:r>
-            <a:endParaRPr lang="en-US" altLang="ko-KR" sz="1000" b="1" dirty="0" smtClean="0"/>
+            <a:endParaRPr lang="en-US" altLang="ko-KR" sz="1000" b="1" dirty="0"/>
           </a:p>
           <a:p>
             <a:pPr algn="ctr"/>
             <a:r>
-              <a:rPr lang="ko-KR" altLang="en-US" sz="1000" b="1" dirty="0" smtClean="0"/>
-              <a:t>관</a:t>
-            </a:r>
-            <a:r>
               <a:rPr lang="ko-KR" altLang="en-US" sz="1000" b="1" dirty="0"/>
-              <a:t>리</a:t>
-            </a:r>
-            <a:endParaRPr lang="ko-KR" altLang="en-US" sz="1000" b="1" dirty="0" smtClean="0"/>
+              <a:t>관리</a:t>
+            </a:r>
           </a:p>
         </p:txBody>
       </p:sp>
@@ -42389,7 +41671,7 @@
           <a:p>
             <a:pPr algn="ctr"/>
             <a:r>
-              <a:rPr lang="ko-KR" altLang="en-US" sz="1000" b="1" dirty="0" smtClean="0"/>
+              <a:rPr lang="ko-KR" altLang="en-US" sz="1000" b="1" dirty="0"/>
               <a:t>도서관리</a:t>
             </a:r>
           </a:p>
@@ -42445,7 +41727,7 @@
           <a:p>
             <a:pPr algn="ctr"/>
             <a:r>
-              <a:rPr lang="ko-KR" altLang="en-US" sz="1000" b="1" dirty="0" smtClean="0"/>
+              <a:rPr lang="ko-KR" altLang="en-US" sz="1000" b="1" dirty="0"/>
               <a:t>통계</a:t>
             </a:r>
           </a:p>
@@ -42501,22 +41783,17 @@
           <a:p>
             <a:pPr algn="ctr"/>
             <a:r>
-              <a:rPr lang="ko-KR" altLang="en-US" sz="1000" b="1" dirty="0" smtClean="0"/>
+              <a:rPr lang="ko-KR" altLang="en-US" sz="1000" b="1" dirty="0"/>
               <a:t>대출</a:t>
             </a:r>
-            <a:endParaRPr lang="en-US" altLang="ko-KR" sz="1000" b="1" dirty="0" smtClean="0"/>
+            <a:endParaRPr lang="en-US" altLang="ko-KR" sz="1000" b="1" dirty="0"/>
           </a:p>
           <a:p>
             <a:pPr algn="ctr"/>
             <a:r>
-              <a:rPr lang="ko-KR" altLang="en-US" sz="1000" b="1" dirty="0" smtClean="0"/>
-              <a:t>반</a:t>
-            </a:r>
-            <a:r>
               <a:rPr lang="ko-KR" altLang="en-US" sz="1000" b="1" dirty="0"/>
-              <a:t>납</a:t>
-            </a:r>
-            <a:endParaRPr lang="ko-KR" altLang="en-US" sz="1000" b="1" dirty="0" smtClean="0"/>
+              <a:t>반납</a:t>
+            </a:r>
           </a:p>
         </p:txBody>
       </p:sp>
@@ -42570,14 +41847,14 @@
           <a:p>
             <a:pPr algn="ctr"/>
             <a:r>
-              <a:rPr lang="ko-KR" altLang="en-US" sz="1000" b="1" dirty="0" err="1" smtClean="0">
+              <a:rPr lang="ko-KR" altLang="en-US" sz="1000" b="1" dirty="0" err="1">
                 <a:solidFill>
                   <a:schemeClr val="tx1"/>
                 </a:solidFill>
               </a:rPr>
               <a:t>글작성</a:t>
             </a:r>
-            <a:endParaRPr lang="ko-KR" altLang="en-US" sz="1000" b="1" dirty="0" smtClean="0">
+            <a:endParaRPr lang="ko-KR" altLang="en-US" sz="1000" b="1" dirty="0">
               <a:solidFill>
                 <a:schemeClr val="tx1"/>
               </a:solidFill>
@@ -42635,14 +41912,14 @@
           <a:p>
             <a:pPr algn="ctr"/>
             <a:r>
-              <a:rPr lang="ko-KR" altLang="en-US" sz="1000" b="1" dirty="0" smtClean="0">
+              <a:rPr lang="ko-KR" altLang="en-US" sz="1000" b="1" dirty="0">
                 <a:solidFill>
                   <a:schemeClr val="tx1"/>
                 </a:solidFill>
               </a:rPr>
               <a:t>사서</a:t>
             </a:r>
-            <a:endParaRPr lang="en-US" altLang="ko-KR" sz="1000" b="1" dirty="0" smtClean="0">
+            <a:endParaRPr lang="en-US" altLang="ko-KR" sz="1000" b="1" dirty="0">
               <a:solidFill>
                 <a:schemeClr val="tx1"/>
               </a:solidFill>
@@ -42651,26 +41928,13 @@
           <a:p>
             <a:pPr algn="ctr"/>
             <a:r>
-              <a:rPr lang="ko-KR" altLang="en-US" sz="1000" b="1" dirty="0" smtClean="0">
-                <a:solidFill>
-                  <a:schemeClr val="tx1"/>
-                </a:solidFill>
-              </a:rPr>
-              <a:t>삭</a:t>
-            </a:r>
-            <a:r>
               <a:rPr lang="ko-KR" altLang="en-US" sz="1000" b="1" dirty="0">
                 <a:solidFill>
                   <a:schemeClr val="tx1"/>
                 </a:solidFill>
               </a:rPr>
-              <a:t>제</a:t>
-            </a:r>
-            <a:endParaRPr lang="ko-KR" altLang="en-US" sz="1000" b="1" dirty="0" smtClean="0">
-              <a:solidFill>
-                <a:schemeClr val="tx1"/>
-              </a:solidFill>
-            </a:endParaRPr>
+              <a:t>삭제</a:t>
+            </a:r>
           </a:p>
         </p:txBody>
       </p:sp>
@@ -42724,14 +41988,14 @@
           <a:p>
             <a:pPr algn="ctr"/>
             <a:r>
-              <a:rPr lang="ko-KR" altLang="en-US" sz="1000" b="1" dirty="0" smtClean="0">
+              <a:rPr lang="ko-KR" altLang="en-US" sz="1000" b="1" dirty="0">
                 <a:solidFill>
                   <a:schemeClr val="tx1"/>
                 </a:solidFill>
               </a:rPr>
               <a:t>회원</a:t>
             </a:r>
-            <a:endParaRPr lang="en-US" altLang="ko-KR" sz="1000" b="1" dirty="0" smtClean="0">
+            <a:endParaRPr lang="en-US" altLang="ko-KR" sz="1000" b="1" dirty="0">
               <a:solidFill>
                 <a:schemeClr val="tx1"/>
               </a:solidFill>
@@ -42740,26 +42004,13 @@
           <a:p>
             <a:pPr algn="ctr"/>
             <a:r>
-              <a:rPr lang="ko-KR" altLang="en-US" sz="1000" b="1" dirty="0" smtClean="0">
-                <a:solidFill>
-                  <a:schemeClr val="tx1"/>
-                </a:solidFill>
-              </a:rPr>
-              <a:t>강</a:t>
-            </a:r>
-            <a:r>
               <a:rPr lang="ko-KR" altLang="en-US" sz="1000" b="1" dirty="0">
                 <a:solidFill>
                   <a:schemeClr val="tx1"/>
                 </a:solidFill>
               </a:rPr>
-              <a:t>등</a:t>
-            </a:r>
-            <a:endParaRPr lang="ko-KR" altLang="en-US" sz="1000" b="1" dirty="0" smtClean="0">
-              <a:solidFill>
-                <a:schemeClr val="tx1"/>
-              </a:solidFill>
-            </a:endParaRPr>
+              <a:t>강등</a:t>
+            </a:r>
           </a:p>
         </p:txBody>
       </p:sp>
@@ -42813,7 +42064,7 @@
           <a:p>
             <a:pPr algn="ctr"/>
             <a:r>
-              <a:rPr lang="ko-KR" altLang="en-US" sz="1000" b="1" dirty="0" smtClean="0">
+              <a:rPr lang="ko-KR" altLang="en-US" sz="1000" b="1" dirty="0">
                 <a:solidFill>
                   <a:schemeClr val="tx1"/>
                 </a:solidFill>
@@ -42873,14 +42124,14 @@
           <a:p>
             <a:pPr algn="ctr"/>
             <a:r>
-              <a:rPr lang="ko-KR" altLang="en-US" sz="1000" b="1" dirty="0" err="1" smtClean="0">
+              <a:rPr lang="ko-KR" altLang="en-US" sz="1000" b="1" dirty="0" err="1">
                 <a:solidFill>
                   <a:schemeClr val="tx1"/>
                 </a:solidFill>
               </a:rPr>
               <a:t>글보기</a:t>
             </a:r>
-            <a:endParaRPr lang="ko-KR" altLang="en-US" sz="1000" b="1" dirty="0" smtClean="0">
+            <a:endParaRPr lang="ko-KR" altLang="en-US" sz="1000" b="1" dirty="0">
               <a:solidFill>
                 <a:schemeClr val="tx1"/>
               </a:solidFill>
@@ -42938,7 +42189,7 @@
           <a:p>
             <a:pPr algn="ctr"/>
             <a:r>
-              <a:rPr lang="ko-KR" altLang="en-US" sz="1000" b="1" dirty="0" smtClean="0">
+              <a:rPr lang="ko-KR" altLang="en-US" sz="1000" b="1" dirty="0">
                 <a:solidFill>
                   <a:schemeClr val="tx1"/>
                 </a:solidFill>
@@ -42998,14 +42249,14 @@
           <a:p>
             <a:pPr algn="ctr"/>
             <a:r>
-              <a:rPr lang="ko-KR" altLang="en-US" sz="1000" b="1" dirty="0" smtClean="0">
+              <a:rPr lang="ko-KR" altLang="en-US" sz="1000" b="1" dirty="0">
                 <a:solidFill>
                   <a:schemeClr val="tx1"/>
                 </a:solidFill>
               </a:rPr>
               <a:t>회원</a:t>
             </a:r>
-            <a:endParaRPr lang="en-US" altLang="ko-KR" sz="1000" b="1" dirty="0" smtClean="0">
+            <a:endParaRPr lang="en-US" altLang="ko-KR" sz="1000" b="1" dirty="0">
               <a:solidFill>
                 <a:schemeClr val="tx1"/>
               </a:solidFill>
@@ -43014,26 +42265,13 @@
           <a:p>
             <a:pPr algn="ctr"/>
             <a:r>
-              <a:rPr lang="ko-KR" altLang="en-US" sz="1000" b="1" dirty="0" smtClean="0">
-                <a:solidFill>
-                  <a:schemeClr val="tx1"/>
-                </a:solidFill>
-              </a:rPr>
-              <a:t>검</a:t>
-            </a:r>
-            <a:r>
               <a:rPr lang="ko-KR" altLang="en-US" sz="1000" b="1" dirty="0">
                 <a:solidFill>
                   <a:schemeClr val="tx1"/>
                 </a:solidFill>
               </a:rPr>
-              <a:t>색</a:t>
-            </a:r>
-            <a:endParaRPr lang="ko-KR" altLang="en-US" sz="1000" b="1" dirty="0" smtClean="0">
-              <a:solidFill>
-                <a:schemeClr val="tx1"/>
-              </a:solidFill>
-            </a:endParaRPr>
+              <a:t>검색</a:t>
+            </a:r>
           </a:p>
         </p:txBody>
       </p:sp>
@@ -43087,14 +42325,14 @@
           <a:p>
             <a:pPr algn="ctr"/>
             <a:r>
-              <a:rPr lang="ko-KR" altLang="en-US" sz="1000" b="1" smtClean="0">
+              <a:rPr lang="ko-KR" altLang="en-US" sz="1000" b="1">
                 <a:solidFill>
                   <a:schemeClr val="tx1"/>
                 </a:solidFill>
               </a:rPr>
               <a:t>레벨별</a:t>
             </a:r>
-            <a:endParaRPr lang="en-US" altLang="ko-KR" sz="1000" b="1" dirty="0" smtClean="0">
+            <a:endParaRPr lang="en-US" altLang="ko-KR" sz="1000" b="1" dirty="0">
               <a:solidFill>
                 <a:schemeClr val="tx1"/>
               </a:solidFill>
@@ -43103,26 +42341,13 @@
           <a:p>
             <a:pPr algn="ctr"/>
             <a:r>
-              <a:rPr lang="ko-KR" altLang="en-US" sz="1000" b="1" dirty="0" smtClean="0">
-                <a:solidFill>
-                  <a:schemeClr val="tx1"/>
-                </a:solidFill>
-              </a:rPr>
-              <a:t>목</a:t>
-            </a:r>
-            <a:r>
               <a:rPr lang="ko-KR" altLang="en-US" sz="1000" b="1" dirty="0">
                 <a:solidFill>
                   <a:schemeClr val="tx1"/>
                 </a:solidFill>
               </a:rPr>
-              <a:t>록</a:t>
-            </a:r>
-            <a:endParaRPr lang="ko-KR" altLang="en-US" sz="1000" b="1" dirty="0" smtClean="0">
-              <a:solidFill>
-                <a:schemeClr val="tx1"/>
-              </a:solidFill>
-            </a:endParaRPr>
+              <a:t>목록</a:t>
+            </a:r>
           </a:p>
         </p:txBody>
       </p:sp>
@@ -43176,7 +42401,7 @@
           <a:p>
             <a:pPr algn="ctr"/>
             <a:r>
-              <a:rPr lang="ko-KR" altLang="en-US" sz="1000" b="1" dirty="0" smtClean="0">
+              <a:rPr lang="ko-KR" altLang="en-US" sz="1000" b="1" dirty="0">
                 <a:solidFill>
                   <a:schemeClr val="tx1"/>
                 </a:solidFill>
@@ -43236,14 +42461,14 @@
           <a:p>
             <a:pPr algn="ctr"/>
             <a:r>
-              <a:rPr lang="ko-KR" altLang="en-US" sz="1000" b="1" dirty="0" err="1" smtClean="0">
+              <a:rPr lang="ko-KR" altLang="en-US" sz="1000" b="1" dirty="0" err="1">
                 <a:solidFill>
                   <a:schemeClr val="tx1"/>
                 </a:solidFill>
               </a:rPr>
               <a:t>글수정</a:t>
             </a:r>
-            <a:endParaRPr lang="ko-KR" altLang="en-US" sz="1000" b="1" dirty="0" smtClean="0">
+            <a:endParaRPr lang="ko-KR" altLang="en-US" sz="1000" b="1" dirty="0">
               <a:solidFill>
                 <a:schemeClr val="tx1"/>
               </a:solidFill>
@@ -43301,14 +42526,14 @@
           <a:p>
             <a:pPr algn="ctr"/>
             <a:r>
-              <a:rPr lang="ko-KR" altLang="en-US" sz="1000" b="1" dirty="0" err="1" smtClean="0">
+              <a:rPr lang="ko-KR" altLang="en-US" sz="1000" b="1" dirty="0" err="1">
                 <a:solidFill>
                   <a:schemeClr val="tx1"/>
                 </a:solidFill>
               </a:rPr>
               <a:t>글삭제</a:t>
             </a:r>
-            <a:endParaRPr lang="ko-KR" altLang="en-US" sz="1000" b="1" dirty="0" smtClean="0">
+            <a:endParaRPr lang="ko-KR" altLang="en-US" sz="1000" b="1" dirty="0">
               <a:solidFill>
                 <a:schemeClr val="tx1"/>
               </a:solidFill>
@@ -43366,7 +42591,7 @@
           <a:p>
             <a:pPr algn="ctr"/>
             <a:r>
-              <a:rPr lang="ko-KR" altLang="en-US" sz="1000" b="1" dirty="0" smtClean="0">
+              <a:rPr lang="ko-KR" altLang="en-US" sz="1000" b="1" dirty="0">
                 <a:solidFill>
                   <a:schemeClr val="tx1"/>
                 </a:solidFill>
@@ -43426,26 +42651,13 @@
           <a:p>
             <a:pPr algn="ctr"/>
             <a:r>
-              <a:rPr lang="ko-KR" altLang="en-US" sz="1000" b="1" dirty="0" smtClean="0">
-                <a:solidFill>
-                  <a:schemeClr val="tx1"/>
-                </a:solidFill>
-              </a:rPr>
-              <a:t>도서추</a:t>
-            </a:r>
-            <a:r>
               <a:rPr lang="ko-KR" altLang="en-US" sz="1000" b="1" dirty="0">
                 <a:solidFill>
                   <a:schemeClr val="tx1"/>
                 </a:solidFill>
               </a:rPr>
-              <a:t>천</a:t>
-            </a:r>
-            <a:endParaRPr lang="ko-KR" altLang="en-US" sz="1000" b="1" dirty="0" smtClean="0">
-              <a:solidFill>
-                <a:schemeClr val="tx1"/>
-              </a:solidFill>
-            </a:endParaRPr>
+              <a:t>도서추천</a:t>
+            </a:r>
           </a:p>
         </p:txBody>
       </p:sp>
@@ -43499,18 +42711,18 @@
           <a:p>
             <a:pPr algn="ctr"/>
             <a:r>
-              <a:rPr lang="ko-KR" altLang="en-US" sz="1000" b="1" dirty="0" smtClean="0"/>
+              <a:rPr lang="ko-KR" altLang="en-US" sz="1000" b="1" dirty="0"/>
               <a:t>로그인</a:t>
             </a:r>
             <a:r>
-              <a:rPr lang="en-US" altLang="ko-KR" sz="1000" b="1" dirty="0" smtClean="0"/>
+              <a:rPr lang="en-US" altLang="ko-KR" sz="1000" b="1" dirty="0"/>
               <a:t>/</a:t>
             </a:r>
           </a:p>
           <a:p>
             <a:pPr algn="ctr"/>
             <a:r>
-              <a:rPr lang="ko-KR" altLang="en-US" sz="1000" b="1" dirty="0" smtClean="0"/>
+              <a:rPr lang="ko-KR" altLang="en-US" sz="1000" b="1" dirty="0"/>
               <a:t>로그아웃</a:t>
             </a:r>
           </a:p>
@@ -44231,14 +43443,14 @@
           <a:p>
             <a:pPr algn="ctr"/>
             <a:r>
-              <a:rPr lang="ko-KR" altLang="en-US" sz="1000" b="1" smtClean="0">
+              <a:rPr lang="ko-KR" altLang="en-US" sz="1000" b="1">
                 <a:solidFill>
                   <a:schemeClr val="tx1"/>
                 </a:solidFill>
               </a:rPr>
               <a:t>도서수정</a:t>
             </a:r>
-            <a:endParaRPr lang="ko-KR" altLang="en-US" sz="1000" b="1" dirty="0" smtClean="0">
+            <a:endParaRPr lang="ko-KR" altLang="en-US" sz="1000" b="1" dirty="0">
               <a:solidFill>
                 <a:schemeClr val="tx1"/>
               </a:solidFill>
@@ -44296,7 +43508,7 @@
           <a:p>
             <a:pPr algn="ctr"/>
             <a:r>
-              <a:rPr lang="ko-KR" altLang="en-US" sz="1000" b="1" dirty="0" smtClean="0">
+              <a:rPr lang="ko-KR" altLang="en-US" sz="1000" b="1" dirty="0">
                 <a:solidFill>
                   <a:schemeClr val="tx1"/>
                 </a:solidFill>
@@ -44356,7 +43568,7 @@
           <a:p>
             <a:pPr algn="ctr"/>
             <a:r>
-              <a:rPr lang="ko-KR" altLang="en-US" sz="1000" b="1" dirty="0" smtClean="0">
+              <a:rPr lang="ko-KR" altLang="en-US" sz="1000" b="1" dirty="0">
                 <a:solidFill>
                   <a:schemeClr val="tx1"/>
                 </a:solidFill>
@@ -44684,13 +43896,6 @@
   <p:clrMapOvr>
     <a:masterClrMapping/>
   </p:clrMapOvr>
-  <p:timing>
-    <p:tnLst>
-      <p:par>
-        <p:cTn id="1" dur="indefinite" restart="never" nodeType="tmRoot"/>
-      </p:par>
-    </p:tnLst>
-  </p:timing>
 </p:sld>
 </file>
 
@@ -44782,7 +43987,7 @@
               <a:t>(</a:t>
             </a:r>
             <a:r>
-              <a:rPr lang="ko-KR" altLang="en-US" b="1" dirty="0" smtClean="0">
+              <a:rPr lang="ko-KR" altLang="en-US" b="1" dirty="0">
                 <a:solidFill>
                   <a:srgbClr val="756B5F"/>
                 </a:solidFill>
@@ -44790,7 +43995,7 @@
               <a:t>관리자모드가 없거나 간단할 경우 한 화면에 그린다</a:t>
             </a:r>
             <a:r>
-              <a:rPr lang="en-US" altLang="ko-KR" b="1" dirty="0" smtClean="0">
+              <a:rPr lang="en-US" altLang="ko-KR" b="1" dirty="0">
                 <a:solidFill>
                   <a:srgbClr val="756B5F"/>
                 </a:solidFill>
@@ -44869,13 +44074,6 @@
   <p:clrMapOvr>
     <a:masterClrMapping/>
   </p:clrMapOvr>
-  <p:timing>
-    <p:tnLst>
-      <p:par>
-        <p:cTn id="1" dur="indefinite" restart="never" nodeType="tmRoot"/>
-      </p:par>
-    </p:tnLst>
-  </p:timing>
 </p:sld>
 </file>
 
@@ -44995,13 +44193,6 @@
   <p:clrMapOvr>
     <a:masterClrMapping/>
   </p:clrMapOvr>
-  <p:timing>
-    <p:tnLst>
-      <p:par>
-        <p:cTn id="1" dur="indefinite" restart="never" nodeType="tmRoot"/>
-      </p:par>
-    </p:tnLst>
-  </p:timing>
 </p:sld>
 </file>
 
